--- a/Документация/Презентация проекта.pptx
+++ b/Документация/Презентация проекта.pptx
@@ -12,9 +12,11 @@
     <p:sldId id="262" r:id="rId6"/>
     <p:sldId id="263" r:id="rId7"/>
     <p:sldId id="264" r:id="rId8"/>
-    <p:sldId id="265" r:id="rId9"/>
-    <p:sldId id="266" r:id="rId10"/>
-    <p:sldId id="267" r:id="rId11"/>
+    <p:sldId id="269" r:id="rId9"/>
+    <p:sldId id="265" r:id="rId10"/>
+    <p:sldId id="266" r:id="rId11"/>
+    <p:sldId id="267" r:id="rId12"/>
+    <p:sldId id="268" r:id="rId13"/>
   </p:sldIdLst>
   <p:sldSz cx="12192000" cy="6858000"/>
   <p:notesSz cx="6858000" cy="9144000"/>
@@ -124,8 +126,7 @@
 <file path=ppt/revisionInfo.xml><?xml version="1.0" encoding="utf-8"?>
 <p1510:revInfo xmlns:a="http://schemas.openxmlformats.org/drawingml/2006/main" xmlns:r="http://schemas.openxmlformats.org/officeDocument/2006/relationships" xmlns:p1510="http://schemas.microsoft.com/office/powerpoint/2015/10/main">
   <p1510:revLst>
-    <p1510:client id="{1E1B38CE-E564-4FAA-9F4B-62D55405B896}" v="1988" dt="2024-03-13T19:20:12.911"/>
-    <p1510:client id="{E0C4311F-24B1-441E-BEFB-A26B07C35328}" v="80" dt="2024-03-13T08:32:19.191"/>
+    <p1510:client id="{2D1ADFD8-BEB3-4932-B0EE-46C6C6BEB7C3}" v="30" dt="2024-03-17T16:17:01.639"/>
   </p1510:revLst>
 </p1510:revInfo>
 </file>
@@ -261,7 +262,7 @@
           <a:p>
             <a:fld id="{846CE7D5-CF57-46EF-B807-FDD0502418D4}" type="datetimeFigureOut">
               <a:rPr lang="en-US" smtClean="0"/>
-              <a:t>3/13/2024</a:t>
+              <a:t>3/17/2024</a:t>
             </a:fld>
             <a:endParaRPr lang="en-US"/>
           </a:p>
@@ -431,7 +432,7 @@
           <a:p>
             <a:fld id="{846CE7D5-CF57-46EF-B807-FDD0502418D4}" type="datetimeFigureOut">
               <a:rPr lang="en-US" smtClean="0"/>
-              <a:t>3/13/2024</a:t>
+              <a:t>3/17/2024</a:t>
             </a:fld>
             <a:endParaRPr lang="en-US"/>
           </a:p>
@@ -611,7 +612,7 @@
           <a:p>
             <a:fld id="{846CE7D5-CF57-46EF-B807-FDD0502418D4}" type="datetimeFigureOut">
               <a:rPr lang="en-US" smtClean="0"/>
-              <a:t>3/13/2024</a:t>
+              <a:t>3/17/2024</a:t>
             </a:fld>
             <a:endParaRPr lang="en-US"/>
           </a:p>
@@ -781,7 +782,7 @@
           <a:p>
             <a:fld id="{846CE7D5-CF57-46EF-B807-FDD0502418D4}" type="datetimeFigureOut">
               <a:rPr lang="en-US" smtClean="0"/>
-              <a:t>3/13/2024</a:t>
+              <a:t>3/17/2024</a:t>
             </a:fld>
             <a:endParaRPr lang="en-US"/>
           </a:p>
@@ -1027,7 +1028,7 @@
           <a:p>
             <a:fld id="{846CE7D5-CF57-46EF-B807-FDD0502418D4}" type="datetimeFigureOut">
               <a:rPr lang="en-US" smtClean="0"/>
-              <a:t>3/13/2024</a:t>
+              <a:t>3/17/2024</a:t>
             </a:fld>
             <a:endParaRPr lang="en-US"/>
           </a:p>
@@ -1259,7 +1260,7 @@
           <a:p>
             <a:fld id="{846CE7D5-CF57-46EF-B807-FDD0502418D4}" type="datetimeFigureOut">
               <a:rPr lang="en-US" smtClean="0"/>
-              <a:t>3/13/2024</a:t>
+              <a:t>3/17/2024</a:t>
             </a:fld>
             <a:endParaRPr lang="en-US"/>
           </a:p>
@@ -1626,7 +1627,7 @@
           <a:p>
             <a:fld id="{846CE7D5-CF57-46EF-B807-FDD0502418D4}" type="datetimeFigureOut">
               <a:rPr lang="en-US" smtClean="0"/>
-              <a:t>3/13/2024</a:t>
+              <a:t>3/17/2024</a:t>
             </a:fld>
             <a:endParaRPr lang="en-US"/>
           </a:p>
@@ -1744,7 +1745,7 @@
           <a:p>
             <a:fld id="{846CE7D5-CF57-46EF-B807-FDD0502418D4}" type="datetimeFigureOut">
               <a:rPr lang="en-US" smtClean="0"/>
-              <a:t>3/13/2024</a:t>
+              <a:t>3/17/2024</a:t>
             </a:fld>
             <a:endParaRPr lang="en-US"/>
           </a:p>
@@ -1839,7 +1840,7 @@
           <a:p>
             <a:fld id="{846CE7D5-CF57-46EF-B807-FDD0502418D4}" type="datetimeFigureOut">
               <a:rPr lang="en-US" smtClean="0"/>
-              <a:t>3/13/2024</a:t>
+              <a:t>3/17/2024</a:t>
             </a:fld>
             <a:endParaRPr lang="en-US"/>
           </a:p>
@@ -2116,7 +2117,7 @@
           <a:p>
             <a:fld id="{846CE7D5-CF57-46EF-B807-FDD0502418D4}" type="datetimeFigureOut">
               <a:rPr lang="en-US" smtClean="0"/>
-              <a:t>3/13/2024</a:t>
+              <a:t>3/17/2024</a:t>
             </a:fld>
             <a:endParaRPr lang="en-US"/>
           </a:p>
@@ -2373,7 +2374,7 @@
           <a:p>
             <a:fld id="{846CE7D5-CF57-46EF-B807-FDD0502418D4}" type="datetimeFigureOut">
               <a:rPr lang="en-US" smtClean="0"/>
-              <a:t>3/13/2024</a:t>
+              <a:t>3/17/2024</a:t>
             </a:fld>
             <a:endParaRPr lang="en-US"/>
           </a:p>
@@ -2586,7 +2587,7 @@
           <a:p>
             <a:fld id="{846CE7D5-CF57-46EF-B807-FDD0502418D4}" type="datetimeFigureOut">
               <a:rPr lang="en-US" smtClean="0"/>
-              <a:t>3/13/2024</a:t>
+              <a:t>3/17/2024</a:t>
             </a:fld>
             <a:endParaRPr lang="en-US"/>
           </a:p>
@@ -2979,12 +2980,9 @@
   <p:cSld>
     <p:bg>
       <p:bgPr>
-        <a:blipFill>
-          <a:blip r:embed="rId2"/>
-          <a:stretch>
-            <a:fillRect/>
-          </a:stretch>
-        </a:blipFill>
+        <a:solidFill>
+          <a:schemeClr val="bg1"/>
+        </a:solidFill>
         <a:effectLst/>
       </p:bgPr>
     </p:bg>
@@ -3002,36 +3000,255 @@
           <a:chExt cx="0" cy="0"/>
         </a:xfrm>
       </p:grpSpPr>
-      <p:sp>
-        <p:nvSpPr>
-          <p:cNvPr id="2" name="Title 1"/>
-          <p:cNvSpPr>
-            <a:spLocks noGrp="1"/>
-          </p:cNvSpPr>
-          <p:nvPr>
-            <p:ph type="ctrTitle"/>
+      <p:sp useBgFill="1">
+        <p:nvSpPr>
+          <p:cNvPr id="14" name="Rectangle 13">
+            <a:extLst>
+              <a:ext uri="{FF2B5EF4-FFF2-40B4-BE49-F238E27FC236}">
+                <a16:creationId xmlns:a16="http://schemas.microsoft.com/office/drawing/2014/main" id="{C8320351-9FA2-4A26-885B-BB8F3E4902D2}"/>
+              </a:ext>
+              <a:ext uri="{C183D7F6-B498-43B3-948B-1728B52AA6E4}">
+                <adec:decorative xmlns:adec="http://schemas.microsoft.com/office/drawing/2017/decorative" val="1"/>
+              </a:ext>
+            </a:extLst>
+          </p:cNvPr>
+          <p:cNvSpPr>
+            <a:spLocks noGrp="1" noRot="1" noChangeAspect="1" noMove="1" noResize="1" noEditPoints="1" noAdjustHandles="1" noChangeArrowheads="1" noChangeShapeType="1" noTextEdit="1"/>
+          </p:cNvSpPr>
+          <p:nvPr>
+            <p:extLst>
+              <p:ext uri="{386F3935-93C4-4BCD-93E2-E3B085C9AB24}">
+                <p16:designElem xmlns:p16="http://schemas.microsoft.com/office/powerpoint/2015/main" val="1"/>
+              </p:ext>
+            </p:extLst>
           </p:nvPr>
         </p:nvSpPr>
         <p:spPr>
           <a:xfrm>
-            <a:off x="3290957" y="1519928"/>
-            <a:ext cx="5621131" cy="1912732"/>
+            <a:off x="0" y="-1"/>
+            <a:ext cx="12188952" cy="6858000"/>
+          </a:xfrm>
+          <a:prstGeom prst="rect">
+            <a:avLst/>
+          </a:prstGeom>
+          <a:ln>
+            <a:noFill/>
+          </a:ln>
+        </p:spPr>
+        <p:style>
+          <a:lnRef idx="2">
+            <a:schemeClr val="accent1">
+              <a:shade val="50000"/>
+            </a:schemeClr>
+          </a:lnRef>
+          <a:fillRef idx="1">
+            <a:schemeClr val="accent1"/>
+          </a:fillRef>
+          <a:effectRef idx="0">
+            <a:schemeClr val="accent1"/>
+          </a:effectRef>
+          <a:fontRef idx="minor">
+            <a:schemeClr val="lt1"/>
+          </a:fontRef>
+        </p:style>
+        <p:txBody>
+          <a:bodyPr rtlCol="0" anchor="ctr"/>
+          <a:lstStyle/>
+          <a:p>
+            <a:pPr marL="0" marR="0" lvl="0" indent="0" algn="ctr" defTabSz="914400" rtl="0" eaLnBrk="1" fontAlgn="auto" latinLnBrk="0" hangingPunct="1">
+              <a:lnSpc>
+                <a:spcPct val="100000"/>
+              </a:lnSpc>
+              <a:spcBef>
+                <a:spcPts val="0"/>
+              </a:spcBef>
+              <a:spcAft>
+                <a:spcPts val="0"/>
+              </a:spcAft>
+              <a:buClrTx/>
+              <a:buSzTx/>
+              <a:buFontTx/>
+              <a:buNone/>
+              <a:tabLst/>
+              <a:defRPr/>
+            </a:pPr>
+            <a:endParaRPr kumimoji="0" lang="en-US" sz="1800" b="0" i="0" u="none" strike="noStrike" kern="1200" cap="none" spc="0" normalizeH="0" baseline="0" noProof="0">
+              <a:ln>
+                <a:noFill/>
+              </a:ln>
+              <a:solidFill>
+                <a:prstClr val="white"/>
+              </a:solidFill>
+              <a:effectLst/>
+              <a:uLnTx/>
+              <a:uFillTx/>
+              <a:latin typeface="Calibri" panose="020F0502020204030204"/>
+              <a:ea typeface="+mn-ea"/>
+              <a:cs typeface="+mn-cs"/>
+            </a:endParaRPr>
+          </a:p>
+        </p:txBody>
+      </p:sp>
+      <p:sp>
+        <p:nvSpPr>
+          <p:cNvPr id="15" name="Rectangle 14">
+            <a:extLst>
+              <a:ext uri="{FF2B5EF4-FFF2-40B4-BE49-F238E27FC236}">
+                <a16:creationId xmlns:a16="http://schemas.microsoft.com/office/drawing/2014/main" id="{68CD2EFB-78C2-4C6E-A6B9-4ED12FAD5B99}"/>
+              </a:ext>
+              <a:ext uri="{C183D7F6-B498-43B3-948B-1728B52AA6E4}">
+                <adec:decorative xmlns:adec="http://schemas.microsoft.com/office/drawing/2017/decorative" val="1"/>
+              </a:ext>
+            </a:extLst>
+          </p:cNvPr>
+          <p:cNvSpPr>
+            <a:spLocks noGrp="1" noRot="1" noChangeAspect="1" noMove="1" noResize="1" noEditPoints="1" noAdjustHandles="1" noChangeArrowheads="1" noChangeShapeType="1" noTextEdit="1"/>
+          </p:cNvSpPr>
+          <p:nvPr>
+            <p:extLst>
+              <p:ext uri="{386F3935-93C4-4BCD-93E2-E3B085C9AB24}">
+                <p16:designElem xmlns:p16="http://schemas.microsoft.com/office/powerpoint/2015/main" val="1"/>
+              </p:ext>
+            </p:extLst>
+          </p:nvPr>
+        </p:nvSpPr>
+        <p:spPr>
+          <a:xfrm>
+            <a:off x="0" y="0"/>
+            <a:ext cx="12192000" cy="6858000"/>
+          </a:xfrm>
+          <a:prstGeom prst="rect">
+            <a:avLst/>
+          </a:prstGeom>
+          <a:solidFill>
+            <a:srgbClr val="000000"/>
+          </a:solidFill>
+          <a:ln>
+            <a:noFill/>
+          </a:ln>
+        </p:spPr>
+        <p:style>
+          <a:lnRef idx="2">
+            <a:schemeClr val="accent1">
+              <a:shade val="50000"/>
+            </a:schemeClr>
+          </a:lnRef>
+          <a:fillRef idx="1">
+            <a:schemeClr val="accent1"/>
+          </a:fillRef>
+          <a:effectRef idx="0">
+            <a:schemeClr val="accent1"/>
+          </a:effectRef>
+          <a:fontRef idx="minor">
+            <a:schemeClr val="lt1"/>
+          </a:fontRef>
+        </p:style>
+        <p:txBody>
+          <a:bodyPr rtlCol="0" anchor="ctr"/>
+          <a:lstStyle/>
+          <a:p>
+            <a:pPr marL="0" marR="0" lvl="0" indent="0" algn="ctr" defTabSz="914400" rtl="0" eaLnBrk="1" fontAlgn="auto" latinLnBrk="0" hangingPunct="1">
+              <a:lnSpc>
+                <a:spcPct val="100000"/>
+              </a:lnSpc>
+              <a:spcBef>
+                <a:spcPts val="0"/>
+              </a:spcBef>
+              <a:spcAft>
+                <a:spcPts val="0"/>
+              </a:spcAft>
+              <a:buClrTx/>
+              <a:buSzTx/>
+              <a:buFontTx/>
+              <a:buNone/>
+              <a:tabLst/>
+              <a:defRPr/>
+            </a:pPr>
+            <a:endParaRPr kumimoji="0" lang="en-US" sz="1800" b="0" i="0" u="none" strike="noStrike" kern="1200" cap="none" spc="0" normalizeH="0" baseline="0" noProof="0">
+              <a:ln>
+                <a:noFill/>
+              </a:ln>
+              <a:solidFill>
+                <a:srgbClr val="000000"/>
+              </a:solidFill>
+              <a:effectLst/>
+              <a:uLnTx/>
+              <a:uFillTx/>
+              <a:latin typeface="Calibri" panose="020F0502020204030204"/>
+              <a:ea typeface="+mn-ea"/>
+              <a:cs typeface="+mn-cs"/>
+            </a:endParaRPr>
+          </a:p>
+        </p:txBody>
+      </p:sp>
+      <p:pic>
+        <p:nvPicPr>
+          <p:cNvPr id="4" name="Picture 3">
+            <a:extLst>
+              <a:ext uri="{FF2B5EF4-FFF2-40B4-BE49-F238E27FC236}">
+                <a16:creationId xmlns:a16="http://schemas.microsoft.com/office/drawing/2014/main" id="{5FB4A803-474A-64DE-9C49-6D8F107D0933}"/>
+              </a:ext>
+            </a:extLst>
+          </p:cNvPr>
+          <p:cNvPicPr>
+            <a:picLocks noChangeAspect="1"/>
+          </p:cNvPicPr>
+          <p:nvPr/>
+        </p:nvPicPr>
+        <p:blipFill rotWithShape="1">
+          <a:blip r:embed="rId2">
+            <a:alphaModFix amt="60000"/>
+          </a:blip>
+          <a:srcRect/>
+          <a:stretch/>
+        </p:blipFill>
+        <p:spPr>
+          <a:xfrm>
+            <a:off x="-1" y="10"/>
+            <a:ext cx="12192001" cy="6857990"/>
+          </a:xfrm>
+          <a:prstGeom prst="rect">
+            <a:avLst/>
+          </a:prstGeom>
+        </p:spPr>
+      </p:pic>
+      <p:sp>
+        <p:nvSpPr>
+          <p:cNvPr id="2" name="Title 1"/>
+          <p:cNvSpPr>
+            <a:spLocks noGrp="1"/>
+          </p:cNvSpPr>
+          <p:nvPr>
+            <p:ph type="ctrTitle"/>
+          </p:nvPr>
+        </p:nvSpPr>
+        <p:spPr>
+          <a:xfrm>
+            <a:off x="841248" y="600427"/>
+            <a:ext cx="9875520" cy="3299902"/>
           </a:xfrm>
         </p:spPr>
         <p:txBody>
           <a:bodyPr>
-            <a:noAutofit/>
+            <a:normAutofit/>
           </a:bodyPr>
           <a:lstStyle/>
           <a:p>
-            <a:r>
-              <a:rPr lang="en-US" sz="7200" b="1" err="1">
+            <a:pPr algn="l"/>
+            <a:r>
+              <a:rPr lang="en-US" sz="8200" b="1">
+                <a:solidFill>
+                  <a:srgbClr val="FFFFFF"/>
+                </a:solidFill>
                 <a:latin typeface="Lucida Sans"/>
                 <a:cs typeface="Calibri Light"/>
               </a:rPr>
               <a:t>EventEase</a:t>
             </a:r>
-            <a:endParaRPr lang="en-US" sz="7200" b="1">
+            <a:endParaRPr lang="en-US" sz="8200" b="1">
+              <a:solidFill>
+                <a:srgbClr val="FFFFFF"/>
+              </a:solidFill>
               <a:latin typeface="Lucida Sans"/>
               <a:cs typeface="Courier New"/>
             </a:endParaRPr>
@@ -3050,54 +3267,41 @@
         </p:nvSpPr>
         <p:spPr>
           <a:xfrm>
-            <a:off x="1524000" y="3425342"/>
-            <a:ext cx="9144000" cy="838545"/>
+            <a:off x="859536" y="4072045"/>
+            <a:ext cx="9875520" cy="1414355"/>
           </a:xfrm>
         </p:spPr>
         <p:txBody>
-          <a:bodyPr vert="horz" lIns="91440" tIns="45720" rIns="91440" bIns="45720" rtlCol="0" anchor="t">
+          <a:bodyPr vert="horz" lIns="91440" tIns="45720" rIns="91440" bIns="45720" rtlCol="0">
             <a:normAutofit/>
           </a:bodyPr>
           <a:lstStyle/>
           <a:p>
-            <a:r>
-              <a:rPr lang="en-US" b="1" dirty="0" err="1">
-                <a:cs typeface="Calibri"/>
-              </a:rPr>
-              <a:t>Головин</a:t>
-            </a:r>
-            <a:r>
-              <a:rPr lang="en-US" b="1" dirty="0">
-                <a:cs typeface="Calibri"/>
-              </a:rPr>
-              <a:t> </a:t>
-            </a:r>
-            <a:r>
-              <a:rPr lang="en-US" b="1" dirty="0" err="1">
-                <a:cs typeface="Calibri"/>
-              </a:rPr>
-              <a:t>Егор</a:t>
+            <a:pPr algn="l"/>
+            <a:r>
+              <a:rPr lang="en-US" b="1">
+                <a:solidFill>
+                  <a:srgbClr val="FFFFFF"/>
+                </a:solidFill>
+                <a:cs typeface="Calibri"/>
+              </a:rPr>
+              <a:t>Головин Егор</a:t>
             </a:r>
             <a:br>
-              <a:rPr lang="en-US" dirty="0"/>
+              <a:rPr lang="en-US">
+                <a:solidFill>
+                  <a:srgbClr val="FFFFFF"/>
+                </a:solidFill>
+              </a:rPr>
             </a:br>
             <a:r>
-              <a:rPr lang="en-US" b="1" dirty="0" err="1">
-                <a:cs typeface="Calibri"/>
-              </a:rPr>
-              <a:t>Елфимов</a:t>
-            </a:r>
-            <a:r>
-              <a:rPr lang="en-US" b="1" dirty="0">
-                <a:cs typeface="Calibri"/>
-              </a:rPr>
-              <a:t> </a:t>
-            </a:r>
-            <a:r>
-              <a:rPr lang="en-US" b="1" dirty="0" err="1">
-                <a:cs typeface="Calibri"/>
-              </a:rPr>
-              <a:t>Кирилл</a:t>
+              <a:rPr lang="en-US" b="1">
+                <a:solidFill>
+                  <a:srgbClr val="FFFFFF"/>
+                </a:solidFill>
+                <a:cs typeface="Calibri"/>
+              </a:rPr>
+              <a:t>Елфимов Кирилл</a:t>
             </a:r>
           </a:p>
         </p:txBody>
@@ -3140,920 +3344,9 @@
           <a:chExt cx="0" cy="0"/>
         </a:xfrm>
       </p:grpSpPr>
-      <p:sp>
-        <p:nvSpPr>
-          <p:cNvPr id="9" name="!!Rectangle">
-            <a:extLst>
-              <a:ext uri="{FF2B5EF4-FFF2-40B4-BE49-F238E27FC236}">
-                <a16:creationId xmlns:a16="http://schemas.microsoft.com/office/drawing/2014/main" id="{7C432AFE-B3D2-4BFF-BF8F-96C27AFF1AC7}"/>
-              </a:ext>
-              <a:ext uri="{C183D7F6-B498-43B3-948B-1728B52AA6E4}">
-                <adec:decorative xmlns:adec="http://schemas.microsoft.com/office/drawing/2017/decorative" val="1"/>
-              </a:ext>
-            </a:extLst>
-          </p:cNvPr>
-          <p:cNvSpPr>
-            <a:spLocks noGrp="1" noRot="1" noChangeAspect="1" noMove="1" noResize="1" noEditPoints="1" noAdjustHandles="1" noChangeArrowheads="1" noChangeShapeType="1" noTextEdit="1"/>
-          </p:cNvSpPr>
-          <p:nvPr>
-            <p:extLst>
-              <p:ext uri="{386F3935-93C4-4BCD-93E2-E3B085C9AB24}">
-                <p16:designElem xmlns:p16="http://schemas.microsoft.com/office/powerpoint/2015/main" val="1"/>
-              </p:ext>
-            </p:extLst>
-          </p:nvPr>
-        </p:nvSpPr>
-        <p:spPr>
-          <a:xfrm>
-            <a:off x="0" y="0"/>
-            <a:ext cx="12192000" cy="6858000"/>
-          </a:xfrm>
-          <a:prstGeom prst="rect">
-            <a:avLst/>
-          </a:prstGeom>
-          <a:solidFill>
-            <a:schemeClr val="tx1"/>
-          </a:solidFill>
-          <a:ln>
-            <a:noFill/>
-          </a:ln>
-        </p:spPr>
-        <p:style>
-          <a:lnRef idx="2">
-            <a:schemeClr val="accent1">
-              <a:shade val="50000"/>
-            </a:schemeClr>
-          </a:lnRef>
-          <a:fillRef idx="1">
-            <a:schemeClr val="accent1"/>
-          </a:fillRef>
-          <a:effectRef idx="0">
-            <a:schemeClr val="accent1"/>
-          </a:effectRef>
-          <a:fontRef idx="minor">
-            <a:schemeClr val="lt1"/>
-          </a:fontRef>
-        </p:style>
-        <p:txBody>
-          <a:bodyPr rtlCol="0" anchor="ctr"/>
-          <a:lstStyle/>
-          <a:p>
-            <a:pPr algn="ctr"/>
-            <a:endParaRPr lang="en-US"/>
-          </a:p>
-        </p:txBody>
-      </p:sp>
-      <p:pic>
-        <p:nvPicPr>
-          <p:cNvPr id="4" name="Picture 3">
-            <a:extLst>
-              <a:ext uri="{FF2B5EF4-FFF2-40B4-BE49-F238E27FC236}">
-                <a16:creationId xmlns:a16="http://schemas.microsoft.com/office/drawing/2014/main" id="{734E2098-237E-F78A-ADB6-3D81143B5AB7}"/>
-              </a:ext>
-            </a:extLst>
-          </p:cNvPr>
-          <p:cNvPicPr>
-            <a:picLocks noChangeAspect="1"/>
-          </p:cNvPicPr>
-          <p:nvPr/>
-        </p:nvPicPr>
-        <p:blipFill rotWithShape="1">
-          <a:blip r:embed="rId2">
-            <a:alphaModFix amt="40000"/>
-          </a:blip>
-          <a:srcRect/>
-          <a:stretch/>
-        </p:blipFill>
-        <p:spPr>
-          <a:xfrm>
-            <a:off x="0" y="0"/>
-            <a:ext cx="12192000" cy="6858000"/>
-          </a:xfrm>
-          <a:prstGeom prst="rect">
-            <a:avLst/>
-          </a:prstGeom>
-        </p:spPr>
-      </p:pic>
-      <p:sp>
-        <p:nvSpPr>
-          <p:cNvPr id="2" name="Title 1">
-            <a:extLst>
-              <a:ext uri="{FF2B5EF4-FFF2-40B4-BE49-F238E27FC236}">
-                <a16:creationId xmlns:a16="http://schemas.microsoft.com/office/drawing/2014/main" id="{4B41C4E1-85CB-5114-C2D5-C4CA4698DBED}"/>
-              </a:ext>
-            </a:extLst>
-          </p:cNvPr>
-          <p:cNvSpPr>
-            <a:spLocks noGrp="1"/>
-          </p:cNvSpPr>
-          <p:nvPr>
-            <p:ph type="title"/>
-          </p:nvPr>
-        </p:nvSpPr>
-        <p:spPr>
-          <a:xfrm>
-            <a:off x="841249" y="941832"/>
-            <a:ext cx="10506456" cy="2057400"/>
-          </a:xfrm>
-        </p:spPr>
-        <p:txBody>
-          <a:bodyPr anchor="b">
-            <a:normAutofit/>
-          </a:bodyPr>
-          <a:lstStyle/>
-          <a:p>
-            <a:r>
-              <a:rPr lang="en-US" sz="5000">
-                <a:solidFill>
-                  <a:schemeClr val="bg1"/>
-                </a:solidFill>
-                <a:cs typeface="Calibri Light"/>
-              </a:rPr>
-              <a:t>Команда 7-2</a:t>
-            </a:r>
-            <a:endParaRPr lang="en-US" sz="5000">
-              <a:solidFill>
-                <a:schemeClr val="bg1"/>
-              </a:solidFill>
-            </a:endParaRPr>
-          </a:p>
-        </p:txBody>
-      </p:sp>
-      <p:sp>
-        <p:nvSpPr>
-          <p:cNvPr id="11" name="Rectangle 10">
-            <a:extLst>
-              <a:ext uri="{FF2B5EF4-FFF2-40B4-BE49-F238E27FC236}">
-                <a16:creationId xmlns:a16="http://schemas.microsoft.com/office/drawing/2014/main" id="{AF2F604E-43BE-4DC3-B983-E071523364F8}"/>
-              </a:ext>
-              <a:ext uri="{C183D7F6-B498-43B3-948B-1728B52AA6E4}">
-                <adec:decorative xmlns:adec="http://schemas.microsoft.com/office/drawing/2017/decorative" val="1"/>
-              </a:ext>
-            </a:extLst>
-          </p:cNvPr>
-          <p:cNvSpPr>
-            <a:spLocks noGrp="1" noRot="1" noChangeAspect="1" noMove="1" noResize="1" noEditPoints="1" noAdjustHandles="1" noChangeArrowheads="1" noChangeShapeType="1" noTextEdit="1"/>
-          </p:cNvSpPr>
-          <p:nvPr>
-            <p:extLst>
-              <p:ext uri="{386F3935-93C4-4BCD-93E2-E3B085C9AB24}">
-                <p16:designElem xmlns:p16="http://schemas.microsoft.com/office/powerpoint/2015/main" val="1"/>
-              </p:ext>
-            </p:extLst>
-          </p:nvPr>
-        </p:nvSpPr>
-        <p:spPr>
-          <a:xfrm rot="5400000">
-            <a:off x="1120140" y="346791"/>
-            <a:ext cx="146304" cy="704088"/>
-          </a:xfrm>
-          <a:prstGeom prst="rect">
-            <a:avLst/>
-          </a:prstGeom>
-          <a:solidFill>
-            <a:schemeClr val="accent2"/>
-          </a:solidFill>
-          <a:ln>
-            <a:noFill/>
-          </a:ln>
-        </p:spPr>
-        <p:style>
-          <a:lnRef idx="2">
-            <a:schemeClr val="accent1">
-              <a:shade val="50000"/>
-            </a:schemeClr>
-          </a:lnRef>
-          <a:fillRef idx="1">
-            <a:schemeClr val="accent1"/>
-          </a:fillRef>
-          <a:effectRef idx="0">
-            <a:schemeClr val="accent1"/>
-          </a:effectRef>
-          <a:fontRef idx="minor">
-            <a:schemeClr val="lt1"/>
-          </a:fontRef>
-        </p:style>
-        <p:txBody>
-          <a:bodyPr rtlCol="0" anchor="ctr"/>
-          <a:lstStyle/>
-          <a:p>
-            <a:pPr algn="ctr"/>
-            <a:endParaRPr lang="en-US">
-              <a:solidFill>
-                <a:prstClr val="white"/>
-              </a:solidFill>
-              <a:latin typeface="Calibri" panose="020F0502020204030204"/>
-            </a:endParaRPr>
-          </a:p>
-        </p:txBody>
-      </p:sp>
-      <p:sp>
-        <p:nvSpPr>
-          <p:cNvPr id="13" name="Rectangle 12">
-            <a:extLst>
-              <a:ext uri="{FF2B5EF4-FFF2-40B4-BE49-F238E27FC236}">
-                <a16:creationId xmlns:a16="http://schemas.microsoft.com/office/drawing/2014/main" id="{08C9B587-E65E-4B52-B37C-ABEBB6E87928}"/>
-              </a:ext>
-              <a:ext uri="{C183D7F6-B498-43B3-948B-1728B52AA6E4}">
-                <adec:decorative xmlns:adec="http://schemas.microsoft.com/office/drawing/2017/decorative" val="1"/>
-              </a:ext>
-            </a:extLst>
-          </p:cNvPr>
-          <p:cNvSpPr>
-            <a:spLocks noGrp="1" noRot="1" noChangeAspect="1" noMove="1" noResize="1" noEditPoints="1" noAdjustHandles="1" noChangeArrowheads="1" noChangeShapeType="1" noTextEdit="1"/>
-          </p:cNvSpPr>
-          <p:nvPr>
-            <p:extLst>
-              <p:ext uri="{386F3935-93C4-4BCD-93E2-E3B085C9AB24}">
-                <p16:designElem xmlns:p16="http://schemas.microsoft.com/office/powerpoint/2015/main" val="1"/>
-              </p:ext>
-            </p:extLst>
-          </p:nvPr>
-        </p:nvSpPr>
-        <p:spPr>
-          <a:xfrm>
-            <a:off x="841248" y="3241202"/>
-            <a:ext cx="10506456" cy="18288"/>
-          </a:xfrm>
-          <a:prstGeom prst="rect">
-            <a:avLst/>
-          </a:prstGeom>
-          <a:solidFill>
-            <a:schemeClr val="bg1"/>
-          </a:solidFill>
-          <a:ln w="3175">
-            <a:noFill/>
-          </a:ln>
-          <a:effectLst/>
-        </p:spPr>
-        <p:style>
-          <a:lnRef idx="2">
-            <a:schemeClr val="accent1">
-              <a:shade val="50000"/>
-            </a:schemeClr>
-          </a:lnRef>
-          <a:fillRef idx="1">
-            <a:schemeClr val="accent1"/>
-          </a:fillRef>
-          <a:effectRef idx="0">
-            <a:schemeClr val="accent1"/>
-          </a:effectRef>
-          <a:fontRef idx="minor">
-            <a:schemeClr val="lt1"/>
-          </a:fontRef>
-        </p:style>
-        <p:txBody>
-          <a:bodyPr rtlCol="0" anchor="ctr"/>
-          <a:lstStyle/>
-          <a:p>
-            <a:pPr marL="0" marR="0" lvl="0" indent="0" algn="ctr" defTabSz="914400" rtl="0" eaLnBrk="1" fontAlgn="auto" latinLnBrk="0" hangingPunct="1">
-              <a:lnSpc>
-                <a:spcPct val="100000"/>
-              </a:lnSpc>
-              <a:spcBef>
-                <a:spcPts val="0"/>
-              </a:spcBef>
-              <a:spcAft>
-                <a:spcPts val="0"/>
-              </a:spcAft>
-              <a:buClrTx/>
-              <a:buSzTx/>
-              <a:buFontTx/>
-              <a:buNone/>
-              <a:tabLst/>
-              <a:defRPr/>
-            </a:pPr>
-            <a:endParaRPr kumimoji="0" lang="en-US" sz="1800" b="0" i="0" u="none" strike="noStrike" kern="1200" cap="none" spc="0" normalizeH="0" baseline="0" noProof="0">
-              <a:ln>
-                <a:noFill/>
-              </a:ln>
-              <a:solidFill>
-                <a:prstClr val="white"/>
-              </a:solidFill>
-              <a:effectLst/>
-              <a:uLnTx/>
-              <a:uFillTx/>
-              <a:latin typeface="Calibri" panose="020F0502020204030204"/>
-              <a:ea typeface="+mn-ea"/>
-              <a:cs typeface="+mn-cs"/>
-            </a:endParaRPr>
-          </a:p>
-        </p:txBody>
-      </p:sp>
-      <p:sp>
-        <p:nvSpPr>
-          <p:cNvPr id="3" name="Content Placeholder 2">
-            <a:extLst>
-              <a:ext uri="{FF2B5EF4-FFF2-40B4-BE49-F238E27FC236}">
-                <a16:creationId xmlns:a16="http://schemas.microsoft.com/office/drawing/2014/main" id="{F207C7EE-5084-D227-6F8B-97D81504B31D}"/>
-              </a:ext>
-            </a:extLst>
-          </p:cNvPr>
-          <p:cNvSpPr>
-            <a:spLocks noGrp="1"/>
-          </p:cNvSpPr>
-          <p:nvPr>
-            <p:ph idx="1"/>
-          </p:nvPr>
-        </p:nvSpPr>
-        <p:spPr>
-          <a:xfrm>
-            <a:off x="841248" y="3502152"/>
-            <a:ext cx="10506456" cy="2670048"/>
-          </a:xfrm>
-        </p:spPr>
-        <p:txBody>
-          <a:bodyPr vert="horz" lIns="91440" tIns="45720" rIns="91440" bIns="45720" rtlCol="0" anchor="t">
-            <a:normAutofit/>
-          </a:bodyPr>
-          <a:lstStyle/>
-          <a:p>
-            <a:r>
-              <a:rPr lang="en-US" sz="2000" dirty="0" err="1">
-                <a:solidFill>
-                  <a:schemeClr val="bg1"/>
-                </a:solidFill>
-                <a:cs typeface="Calibri"/>
-              </a:rPr>
-              <a:t>Головин</a:t>
-            </a:r>
-            <a:r>
-              <a:rPr lang="en-US" sz="2000" dirty="0">
-                <a:solidFill>
-                  <a:schemeClr val="bg1"/>
-                </a:solidFill>
-                <a:cs typeface="Calibri"/>
-              </a:rPr>
-              <a:t> </a:t>
-            </a:r>
-            <a:r>
-              <a:rPr lang="en-US" sz="2000" dirty="0" err="1">
-                <a:solidFill>
-                  <a:schemeClr val="bg1"/>
-                </a:solidFill>
-                <a:cs typeface="Calibri"/>
-              </a:rPr>
-              <a:t>Егор</a:t>
-            </a:r>
-            <a:r>
-              <a:rPr lang="en-US" sz="2000" dirty="0">
-                <a:solidFill>
-                  <a:schemeClr val="bg1"/>
-                </a:solidFill>
-                <a:cs typeface="Calibri"/>
-              </a:rPr>
-              <a:t> - </a:t>
-            </a:r>
-            <a:r>
-              <a:rPr lang="en-US" sz="2000" dirty="0" err="1">
-                <a:solidFill>
-                  <a:schemeClr val="bg1"/>
-                </a:solidFill>
-                <a:ea typeface="+mn-lt"/>
-                <a:cs typeface="+mn-lt"/>
-              </a:rPr>
-              <a:t>Руководитель</a:t>
-            </a:r>
-            <a:r>
-              <a:rPr lang="en-US" sz="2000" dirty="0">
-                <a:solidFill>
-                  <a:schemeClr val="bg1"/>
-                </a:solidFill>
-                <a:ea typeface="+mn-lt"/>
-                <a:cs typeface="+mn-lt"/>
-              </a:rPr>
-              <a:t> </a:t>
-            </a:r>
-            <a:r>
-              <a:rPr lang="en-US" sz="2000" dirty="0" err="1">
-                <a:solidFill>
-                  <a:schemeClr val="bg1"/>
-                </a:solidFill>
-                <a:ea typeface="+mn-lt"/>
-                <a:cs typeface="+mn-lt"/>
-              </a:rPr>
-              <a:t>проекта</a:t>
-            </a:r>
-            <a:r>
-              <a:rPr lang="en-US" sz="2000" dirty="0">
-                <a:solidFill>
-                  <a:schemeClr val="bg1"/>
-                </a:solidFill>
-                <a:ea typeface="+mn-lt"/>
-                <a:cs typeface="+mn-lt"/>
-              </a:rPr>
-              <a:t>, </a:t>
-            </a:r>
-            <a:r>
-              <a:rPr lang="en-US" sz="2000" dirty="0" err="1">
-                <a:solidFill>
-                  <a:schemeClr val="bg1"/>
-                </a:solidFill>
-                <a:ea typeface="+mn-lt"/>
-                <a:cs typeface="+mn-lt"/>
-              </a:rPr>
-              <a:t>Бизнес-аналитик</a:t>
-            </a:r>
-            <a:r>
-              <a:rPr lang="en-US" sz="2000" dirty="0">
-                <a:solidFill>
-                  <a:schemeClr val="bg1"/>
-                </a:solidFill>
-                <a:ea typeface="+mn-lt"/>
-                <a:cs typeface="+mn-lt"/>
-              </a:rPr>
-              <a:t>, </a:t>
-            </a:r>
-            <a:r>
-              <a:rPr lang="en-US" sz="2000" dirty="0" err="1">
-                <a:solidFill>
-                  <a:schemeClr val="bg1"/>
-                </a:solidFill>
-                <a:ea typeface="+mn-lt"/>
-                <a:cs typeface="+mn-lt"/>
-              </a:rPr>
-              <a:t>Fullstack-разработчик</a:t>
-            </a:r>
-            <a:r>
-              <a:rPr lang="en-US" sz="2000" dirty="0">
-                <a:solidFill>
-                  <a:schemeClr val="bg1"/>
-                </a:solidFill>
-                <a:ea typeface="+mn-lt"/>
-                <a:cs typeface="+mn-lt"/>
-              </a:rPr>
-              <a:t>.</a:t>
-            </a:r>
-          </a:p>
-          <a:p>
-            <a:r>
-              <a:rPr lang="en-US" sz="2000" dirty="0" err="1">
-                <a:solidFill>
-                  <a:schemeClr val="bg1"/>
-                </a:solidFill>
-                <a:ea typeface="+mn-lt"/>
-                <a:cs typeface="+mn-lt"/>
-              </a:rPr>
-              <a:t>Елфимов</a:t>
-            </a:r>
-            <a:r>
-              <a:rPr lang="en-US" sz="2000" dirty="0">
-                <a:solidFill>
-                  <a:schemeClr val="bg1"/>
-                </a:solidFill>
-                <a:ea typeface="+mn-lt"/>
-                <a:cs typeface="+mn-lt"/>
-              </a:rPr>
-              <a:t> </a:t>
-            </a:r>
-            <a:r>
-              <a:rPr lang="en-US" sz="2000" dirty="0" err="1">
-                <a:solidFill>
-                  <a:schemeClr val="bg1"/>
-                </a:solidFill>
-                <a:ea typeface="+mn-lt"/>
-                <a:cs typeface="+mn-lt"/>
-              </a:rPr>
-              <a:t>Кирилл</a:t>
-            </a:r>
-            <a:r>
-              <a:rPr lang="en-US" sz="2000" dirty="0">
-                <a:solidFill>
-                  <a:schemeClr val="bg1"/>
-                </a:solidFill>
-                <a:ea typeface="+mn-lt"/>
-                <a:cs typeface="+mn-lt"/>
-              </a:rPr>
-              <a:t> - </a:t>
-            </a:r>
-            <a:r>
-              <a:rPr lang="en-US" sz="2000" dirty="0" err="1">
-                <a:solidFill>
-                  <a:schemeClr val="bg1"/>
-                </a:solidFill>
-                <a:ea typeface="+mn-lt"/>
-                <a:cs typeface="+mn-lt"/>
-              </a:rPr>
-              <a:t>Бизнес-аналитик</a:t>
-            </a:r>
-            <a:r>
-              <a:rPr lang="en-US" sz="2000" dirty="0">
-                <a:solidFill>
-                  <a:schemeClr val="bg1"/>
-                </a:solidFill>
-                <a:ea typeface="+mn-lt"/>
-                <a:cs typeface="+mn-lt"/>
-              </a:rPr>
-              <a:t>, Frontend-</a:t>
-            </a:r>
-            <a:r>
-              <a:rPr lang="en-US" sz="2000" dirty="0" err="1">
-                <a:solidFill>
-                  <a:schemeClr val="bg1"/>
-                </a:solidFill>
-                <a:ea typeface="+mn-lt"/>
-                <a:cs typeface="+mn-lt"/>
-              </a:rPr>
-              <a:t>разработчик</a:t>
-            </a:r>
-            <a:r>
-              <a:rPr lang="en-US" sz="2000" dirty="0">
-                <a:solidFill>
-                  <a:schemeClr val="bg1"/>
-                </a:solidFill>
-                <a:ea typeface="+mn-lt"/>
-                <a:cs typeface="+mn-lt"/>
-              </a:rPr>
-              <a:t>, </a:t>
-            </a:r>
-            <a:r>
-              <a:rPr lang="en-US" sz="2000" dirty="0" err="1">
-                <a:solidFill>
-                  <a:schemeClr val="bg1"/>
-                </a:solidFill>
-                <a:ea typeface="+mn-lt"/>
-                <a:cs typeface="+mn-lt"/>
-              </a:rPr>
-              <a:t>Дизайнер</a:t>
-            </a:r>
-            <a:r>
-              <a:rPr lang="en-US" sz="2000" dirty="0">
-                <a:solidFill>
-                  <a:schemeClr val="bg1"/>
-                </a:solidFill>
-                <a:ea typeface="+mn-lt"/>
-                <a:cs typeface="+mn-lt"/>
-              </a:rPr>
-              <a:t>, </a:t>
-            </a:r>
-            <a:r>
-              <a:rPr lang="en-US" sz="2000" dirty="0" err="1">
-                <a:solidFill>
-                  <a:schemeClr val="bg1"/>
-                </a:solidFill>
-                <a:ea typeface="+mn-lt"/>
-                <a:cs typeface="+mn-lt"/>
-              </a:rPr>
-              <a:t>Тестировщик</a:t>
-            </a:r>
-            <a:r>
-              <a:rPr lang="en-US" sz="2000" dirty="0">
-                <a:solidFill>
-                  <a:schemeClr val="bg1"/>
-                </a:solidFill>
-                <a:ea typeface="+mn-lt"/>
-                <a:cs typeface="+mn-lt"/>
-              </a:rPr>
-              <a:t>.</a:t>
-            </a:r>
-          </a:p>
-        </p:txBody>
-      </p:sp>
-    </p:spTree>
-    <p:extLst>
-      <p:ext uri="{BB962C8B-B14F-4D97-AF65-F5344CB8AC3E}">
-        <p14:creationId xmlns:p14="http://schemas.microsoft.com/office/powerpoint/2010/main" val="2327210027"/>
-      </p:ext>
-    </p:extLst>
-  </p:cSld>
-  <p:clrMapOvr>
-    <a:masterClrMapping/>
-  </p:clrMapOvr>
-</p:sld>
-</file>
-
-<file path=ppt/slides/slide2.xml><?xml version="1.0" encoding="utf-8"?>
-<p:sld xmlns:a="http://schemas.openxmlformats.org/drawingml/2006/main" xmlns:r="http://schemas.openxmlformats.org/officeDocument/2006/relationships" xmlns:p="http://schemas.openxmlformats.org/presentationml/2006/main">
-  <p:cSld>
-    <p:bg>
-      <p:bgPr>
-        <a:solidFill>
-          <a:schemeClr val="bg1"/>
-        </a:solidFill>
-        <a:effectLst/>
-      </p:bgPr>
-    </p:bg>
-    <p:spTree>
-      <p:nvGrpSpPr>
-        <p:cNvPr id="1" name=""/>
-        <p:cNvGrpSpPr/>
-        <p:nvPr/>
-      </p:nvGrpSpPr>
-      <p:grpSpPr>
-        <a:xfrm>
-          <a:off x="0" y="0"/>
-          <a:ext cx="0" cy="0"/>
-          <a:chOff x="0" y="0"/>
-          <a:chExt cx="0" cy="0"/>
-        </a:xfrm>
-      </p:grpSpPr>
       <p:sp useBgFill="1">
         <p:nvSpPr>
-          <p:cNvPr id="41" name="Rectangle 40">
-            <a:extLst>
-              <a:ext uri="{FF2B5EF4-FFF2-40B4-BE49-F238E27FC236}">
-                <a16:creationId xmlns:a16="http://schemas.microsoft.com/office/drawing/2014/main" id="{ECC07320-C2CA-4E29-8481-9D9E143C7788}"/>
-              </a:ext>
-              <a:ext uri="{C183D7F6-B498-43B3-948B-1728B52AA6E4}">
-                <adec:decorative xmlns:adec="http://schemas.microsoft.com/office/drawing/2017/decorative" val="1"/>
-              </a:ext>
-            </a:extLst>
-          </p:cNvPr>
-          <p:cNvSpPr>
-            <a:spLocks noGrp="1" noRot="1" noChangeAspect="1" noMove="1" noResize="1" noEditPoints="1" noAdjustHandles="1" noChangeArrowheads="1" noChangeShapeType="1" noTextEdit="1"/>
-          </p:cNvSpPr>
-          <p:nvPr>
-            <p:extLst>
-              <p:ext uri="{386F3935-93C4-4BCD-93E2-E3B085C9AB24}">
-                <p16:designElem xmlns:p16="http://schemas.microsoft.com/office/powerpoint/2015/main" val="1"/>
-              </p:ext>
-            </p:extLst>
-          </p:nvPr>
-        </p:nvSpPr>
-        <p:spPr>
-          <a:xfrm>
-            <a:off x="-1" y="0"/>
-            <a:ext cx="12188952" cy="6858000"/>
-          </a:xfrm>
-          <a:prstGeom prst="rect">
-            <a:avLst/>
-          </a:prstGeom>
-          <a:ln>
-            <a:noFill/>
-          </a:ln>
-        </p:spPr>
-        <p:style>
-          <a:lnRef idx="2">
-            <a:schemeClr val="accent1">
-              <a:shade val="50000"/>
-            </a:schemeClr>
-          </a:lnRef>
-          <a:fillRef idx="1">
-            <a:schemeClr val="accent1"/>
-          </a:fillRef>
-          <a:effectRef idx="0">
-            <a:schemeClr val="accent1"/>
-          </a:effectRef>
-          <a:fontRef idx="minor">
-            <a:schemeClr val="lt1"/>
-          </a:fontRef>
-        </p:style>
-        <p:txBody>
-          <a:bodyPr rtlCol="0" anchor="ctr"/>
-          <a:lstStyle/>
-          <a:p>
-            <a:pPr algn="ctr"/>
-            <a:endParaRPr lang="en-US"/>
-          </a:p>
-        </p:txBody>
-      </p:sp>
-      <p:pic>
-        <p:nvPicPr>
-          <p:cNvPr id="4" name="Content Placeholder 3">
-            <a:extLst>
-              <a:ext uri="{FF2B5EF4-FFF2-40B4-BE49-F238E27FC236}">
-                <a16:creationId xmlns:a16="http://schemas.microsoft.com/office/drawing/2014/main" id="{5157459D-8D7C-20D2-D2EF-B7467BCBCB35}"/>
-              </a:ext>
-            </a:extLst>
-          </p:cNvPr>
-          <p:cNvPicPr>
-            <a:picLocks noGrp="1" noChangeAspect="1"/>
-          </p:cNvPicPr>
-          <p:nvPr>
-            <p:ph idx="1"/>
-          </p:nvPr>
-        </p:nvPicPr>
-        <p:blipFill rotWithShape="1">
-          <a:blip r:embed="rId2"/>
-          <a:srcRect l="20688"/>
-          <a:stretch/>
-        </p:blipFill>
-        <p:spPr>
-          <a:xfrm>
-            <a:off x="2522358" y="10"/>
-            <a:ext cx="9669642" cy="6857990"/>
-          </a:xfrm>
-          <a:prstGeom prst="rect">
-            <a:avLst/>
-          </a:prstGeom>
-        </p:spPr>
-      </p:pic>
-      <p:sp>
-        <p:nvSpPr>
-          <p:cNvPr id="42" name="Rectangle 41">
-            <a:extLst>
-              <a:ext uri="{FF2B5EF4-FFF2-40B4-BE49-F238E27FC236}">
-                <a16:creationId xmlns:a16="http://schemas.microsoft.com/office/drawing/2014/main" id="{178FB36B-5BFE-42CA-BC60-1115E0D95EEC}"/>
-              </a:ext>
-              <a:ext uri="{C183D7F6-B498-43B3-948B-1728B52AA6E4}">
-                <adec:decorative xmlns:adec="http://schemas.microsoft.com/office/drawing/2017/decorative" val="1"/>
-              </a:ext>
-            </a:extLst>
-          </p:cNvPr>
-          <p:cNvSpPr>
-            <a:spLocks noGrp="1" noRot="1" noChangeAspect="1" noMove="1" noResize="1" noEditPoints="1" noAdjustHandles="1" noChangeArrowheads="1" noChangeShapeType="1" noTextEdit="1"/>
-          </p:cNvSpPr>
-          <p:nvPr>
-            <p:extLst>
-              <p:ext uri="{386F3935-93C4-4BCD-93E2-E3B085C9AB24}">
-                <p16:designElem xmlns:p16="http://schemas.microsoft.com/office/powerpoint/2015/main" val="1"/>
-              </p:ext>
-            </p:extLst>
-          </p:nvPr>
-        </p:nvSpPr>
-        <p:spPr>
-          <a:xfrm>
-            <a:off x="0" y="0"/>
-            <a:ext cx="7066978" cy="6858000"/>
-          </a:xfrm>
-          <a:prstGeom prst="rect">
-            <a:avLst/>
-          </a:prstGeom>
-          <a:gradFill>
-            <a:gsLst>
-              <a:gs pos="48000">
-                <a:schemeClr val="bg1"/>
-              </a:gs>
-              <a:gs pos="35000">
-                <a:schemeClr val="bg1">
-                  <a:alpha val="77000"/>
-                </a:schemeClr>
-              </a:gs>
-              <a:gs pos="19000">
-                <a:schemeClr val="bg1">
-                  <a:alpha val="38000"/>
-                </a:schemeClr>
-              </a:gs>
-              <a:gs pos="0">
-                <a:schemeClr val="bg1">
-                  <a:alpha val="0"/>
-                </a:schemeClr>
-              </a:gs>
-              <a:gs pos="100000">
-                <a:schemeClr val="bg1"/>
-              </a:gs>
-            </a:gsLst>
-            <a:lin ang="10800000" scaled="0"/>
-          </a:gradFill>
-          <a:ln>
-            <a:noFill/>
-          </a:ln>
-        </p:spPr>
-        <p:style>
-          <a:lnRef idx="2">
-            <a:schemeClr val="accent1">
-              <a:shade val="50000"/>
-            </a:schemeClr>
-          </a:lnRef>
-          <a:fillRef idx="1">
-            <a:schemeClr val="accent1"/>
-          </a:fillRef>
-          <a:effectRef idx="0">
-            <a:schemeClr val="accent1"/>
-          </a:effectRef>
-          <a:fontRef idx="minor">
-            <a:schemeClr val="lt1"/>
-          </a:fontRef>
-        </p:style>
-        <p:txBody>
-          <a:bodyPr rtlCol="0" anchor="ctr"/>
-          <a:lstStyle/>
-          <a:p>
-            <a:pPr algn="ctr"/>
-            <a:endParaRPr lang="en-US" dirty="0"/>
-          </a:p>
-        </p:txBody>
-      </p:sp>
-      <p:sp>
-        <p:nvSpPr>
-          <p:cNvPr id="2" name="Title 1">
-            <a:extLst>
-              <a:ext uri="{FF2B5EF4-FFF2-40B4-BE49-F238E27FC236}">
-                <a16:creationId xmlns:a16="http://schemas.microsoft.com/office/drawing/2014/main" id="{9FB8DBAE-7700-304C-FFCE-3F3AB0318E37}"/>
-              </a:ext>
-            </a:extLst>
-          </p:cNvPr>
-          <p:cNvSpPr>
-            <a:spLocks noGrp="1"/>
-          </p:cNvSpPr>
-          <p:nvPr>
-            <p:ph type="title"/>
-          </p:nvPr>
-        </p:nvSpPr>
-        <p:spPr>
-          <a:xfrm>
-            <a:off x="541150" y="542920"/>
-            <a:ext cx="3973385" cy="1135318"/>
-          </a:xfrm>
-          <a:noFill/>
-        </p:spPr>
-        <p:txBody>
-          <a:bodyPr vert="horz" lIns="91440" tIns="45720" rIns="91440" bIns="45720" rtlCol="0" anchor="b">
-            <a:normAutofit/>
-          </a:bodyPr>
-          <a:lstStyle/>
-          <a:p>
-            <a:r>
-              <a:rPr lang="en-US" sz="4000" b="1" err="1">
-                <a:latin typeface="Calibri"/>
-                <a:cs typeface="Calibri"/>
-              </a:rPr>
-              <a:t>Проблема</a:t>
-            </a:r>
-            <a:endParaRPr lang="en-US" sz="4000" b="1">
-              <a:latin typeface="Calibri"/>
-              <a:cs typeface="Calibri"/>
-            </a:endParaRPr>
-          </a:p>
-        </p:txBody>
-      </p:sp>
-      <p:sp>
-        <p:nvSpPr>
-          <p:cNvPr id="5" name="TextBox 4">
-            <a:extLst>
-              <a:ext uri="{FF2B5EF4-FFF2-40B4-BE49-F238E27FC236}">
-                <a16:creationId xmlns:a16="http://schemas.microsoft.com/office/drawing/2014/main" id="{08EE4473-78A3-EB71-CEA2-1B9618CEB327}"/>
-              </a:ext>
-            </a:extLst>
-          </p:cNvPr>
-          <p:cNvSpPr txBox="1"/>
-          <p:nvPr/>
-        </p:nvSpPr>
-        <p:spPr>
-          <a:xfrm>
-            <a:off x="460940" y="1942181"/>
-            <a:ext cx="3973386" cy="843635"/>
-          </a:xfrm>
-          <a:prstGeom prst="rect">
-            <a:avLst/>
-          </a:prstGeom>
-          <a:noFill/>
-        </p:spPr>
-        <p:txBody>
-          <a:bodyPr rot="0" spcFirstLastPara="0" vertOverflow="overflow" horzOverflow="overflow" vert="horz" lIns="91440" tIns="45720" rIns="91440" bIns="45720" numCol="1" spcCol="0" rtlCol="0" fromWordArt="0" anchorCtr="0" forceAA="0" compatLnSpc="1">
-            <a:prstTxWarp prst="textNoShape">
-              <a:avLst/>
-            </a:prstTxWarp>
-            <a:normAutofit/>
-          </a:bodyPr>
-          <a:lstStyle/>
-          <a:p>
-            <a:pPr>
-              <a:lnSpc>
-                <a:spcPct val="90000"/>
-              </a:lnSpc>
-              <a:spcBef>
-                <a:spcPts val="1000"/>
-              </a:spcBef>
-            </a:pPr>
-            <a:r>
-              <a:rPr lang="en-US" sz="2400"/>
-              <a:t>Трудности в организации крупных мероприятий</a:t>
-            </a:r>
-          </a:p>
-        </p:txBody>
-      </p:sp>
-    </p:spTree>
-    <p:extLst>
-      <p:ext uri="{BB962C8B-B14F-4D97-AF65-F5344CB8AC3E}">
-        <p14:creationId xmlns:p14="http://schemas.microsoft.com/office/powerpoint/2010/main" val="1250352577"/>
-      </p:ext>
-    </p:extLst>
-  </p:cSld>
-  <p:clrMapOvr>
-    <a:masterClrMapping/>
-  </p:clrMapOvr>
-</p:sld>
-</file>
-
-<file path=ppt/slides/slide3.xml><?xml version="1.0" encoding="utf-8"?>
-<p:sld xmlns:a="http://schemas.openxmlformats.org/drawingml/2006/main" xmlns:r="http://schemas.openxmlformats.org/officeDocument/2006/relationships" xmlns:p="http://schemas.openxmlformats.org/presentationml/2006/main">
-  <p:cSld>
-    <p:bg>
-      <p:bgPr>
-        <a:solidFill>
-          <a:schemeClr val="bg1"/>
-        </a:solidFill>
-        <a:effectLst/>
-      </p:bgPr>
-    </p:bg>
-    <p:spTree>
-      <p:nvGrpSpPr>
-        <p:cNvPr id="1" name=""/>
-        <p:cNvGrpSpPr/>
-        <p:nvPr/>
-      </p:nvGrpSpPr>
-      <p:grpSpPr>
-        <a:xfrm>
-          <a:off x="0" y="0"/>
-          <a:ext cx="0" cy="0"/>
-          <a:chOff x="0" y="0"/>
-          <a:chExt cx="0" cy="0"/>
-        </a:xfrm>
-      </p:grpSpPr>
-      <p:sp useBgFill="1">
-        <p:nvSpPr>
-          <p:cNvPr id="23" name="Rectangle 22">
+          <p:cNvPr id="12" name="Rectangle 11">
             <a:extLst>
               <a:ext uri="{FF2B5EF4-FFF2-40B4-BE49-F238E27FC236}">
                 <a16:creationId xmlns:a16="http://schemas.microsoft.com/office/drawing/2014/main" id="{8FC9BE17-9A7B-462D-AE50-3D8777387304}"/>
@@ -4113,23 +3406,21 @@
       </p:sp>
       <p:pic>
         <p:nvPicPr>
-          <p:cNvPr id="4" name="Content Placeholder 3">
+          <p:cNvPr id="7" name="Picture 6">
             <a:extLst>
               <a:ext uri="{FF2B5EF4-FFF2-40B4-BE49-F238E27FC236}">
-                <a16:creationId xmlns:a16="http://schemas.microsoft.com/office/drawing/2014/main" id="{5157459D-8D7C-20D2-D2EF-B7467BCBCB35}"/>
+                <a16:creationId xmlns:a16="http://schemas.microsoft.com/office/drawing/2014/main" id="{C7DD55F8-9572-2301-D71A-F0F18665D69C}"/>
               </a:ext>
             </a:extLst>
           </p:cNvPr>
           <p:cNvPicPr>
-            <a:picLocks noGrp="1" noChangeAspect="1"/>
+            <a:picLocks noChangeAspect="1"/>
           </p:cNvPicPr>
-          <p:nvPr>
-            <p:ph idx="1"/>
-          </p:nvPr>
+          <p:nvPr/>
         </p:nvPicPr>
         <p:blipFill rotWithShape="1">
           <a:blip r:embed="rId2"/>
-          <a:srcRect l="17163" t="6484" r="16346" b="-1"/>
+          <a:srcRect l="21786" t="9091" r="13578"/>
           <a:stretch/>
         </p:blipFill>
         <p:spPr>
@@ -4144,7 +3435,7 @@
       </p:pic>
       <p:sp>
         <p:nvSpPr>
-          <p:cNvPr id="25" name="Rectangle 24">
+          <p:cNvPr id="14" name="Rectangle 13">
             <a:extLst>
               <a:ext uri="{FF2B5EF4-FFF2-40B4-BE49-F238E27FC236}">
                 <a16:creationId xmlns:a16="http://schemas.microsoft.com/office/drawing/2014/main" id="{3EBE8569-6AEC-4B8C-8D53-2DE337CDBA65}"/>
@@ -4233,7 +3524,7 @@
           <p:cNvPr id="2" name="Title 1">
             <a:extLst>
               <a:ext uri="{FF2B5EF4-FFF2-40B4-BE49-F238E27FC236}">
-                <a16:creationId xmlns:a16="http://schemas.microsoft.com/office/drawing/2014/main" id="{9FB8DBAE-7700-304C-FFCE-3F3AB0318E37}"/>
+                <a16:creationId xmlns:a16="http://schemas.microsoft.com/office/drawing/2014/main" id="{F42B3ED2-4A96-3F9E-6629-2CFE161C55DB}"/>
               </a:ext>
             </a:extLst>
           </p:cNvPr>
@@ -4246,31 +3537,38 @@
         </p:nvSpPr>
         <p:spPr>
           <a:xfrm>
-            <a:off x="371094" y="1321709"/>
+            <a:off x="371094" y="1161288"/>
             <a:ext cx="3438144" cy="1124712"/>
           </a:xfrm>
         </p:spPr>
         <p:txBody>
-          <a:bodyPr vert="horz" lIns="91440" tIns="45720" rIns="91440" bIns="45720" rtlCol="0" anchor="b">
-            <a:noAutofit/>
+          <a:bodyPr anchor="b">
+            <a:normAutofit/>
           </a:bodyPr>
           <a:lstStyle/>
           <a:p>
+            <a:r>
+              <a:rPr lang="en-US" sz="4000" b="1" err="1">
+                <a:latin typeface="Calibri"/>
+                <a:cs typeface="Calibri Light"/>
+              </a:rPr>
+              <a:t>План</a:t>
+            </a:r>
             <a:r>
               <a:rPr lang="en-US" sz="4000" b="1" dirty="0">
                 <a:latin typeface="Calibri"/>
-                <a:cs typeface="Calibri"/>
-              </a:rPr>
-              <a:t>Целевая </a:t>
+                <a:cs typeface="Calibri Light"/>
+              </a:rPr>
+              <a:t> </a:t>
             </a:r>
             <a:r>
               <a:rPr lang="en-US" sz="4000" b="1" err="1">
                 <a:latin typeface="Calibri"/>
-                <a:cs typeface="Calibri"/>
-              </a:rPr>
-              <a:t>аудитория</a:t>
-            </a:r>
-            <a:endParaRPr lang="en-US" sz="4000" b="1">
+                <a:cs typeface="Calibri Light"/>
+              </a:rPr>
+              <a:t>развития</a:t>
+            </a:r>
+            <a:endParaRPr lang="en-US" sz="2800" dirty="0" err="1">
               <a:latin typeface="Calibri"/>
               <a:cs typeface="Calibri"/>
             </a:endParaRPr>
@@ -4279,7 +3577,7 @@
       </p:sp>
       <p:sp>
         <p:nvSpPr>
-          <p:cNvPr id="27" name="Rectangle 26">
+          <p:cNvPr id="16" name="Rectangle 15">
             <a:extLst>
               <a:ext uri="{FF2B5EF4-FFF2-40B4-BE49-F238E27FC236}">
                 <a16:creationId xmlns:a16="http://schemas.microsoft.com/office/drawing/2014/main" id="{55D4142C-5077-457F-A6AD-3FECFDB39685}"/>
@@ -4347,7 +3645,7 @@
       </p:sp>
       <p:sp>
         <p:nvSpPr>
-          <p:cNvPr id="29" name="Rectangle 28">
+          <p:cNvPr id="18" name="Rectangle 17">
             <a:extLst>
               <a:ext uri="{FF2B5EF4-FFF2-40B4-BE49-F238E27FC236}">
                 <a16:creationId xmlns:a16="http://schemas.microsoft.com/office/drawing/2014/main" id="{7A5F0580-5EE9-419F-96EE-B6529EF6E7D0}"/>
@@ -4442,162 +3740,354 @@
       </p:sp>
       <p:sp>
         <p:nvSpPr>
-          <p:cNvPr id="3" name="TextBox 2">
+          <p:cNvPr id="3" name="Content Placeholder 2">
             <a:extLst>
               <a:ext uri="{FF2B5EF4-FFF2-40B4-BE49-F238E27FC236}">
-                <a16:creationId xmlns:a16="http://schemas.microsoft.com/office/drawing/2014/main" id="{25BCF974-C5BB-BDAC-D48E-3433611FC7DD}"/>
+                <a16:creationId xmlns:a16="http://schemas.microsoft.com/office/drawing/2014/main" id="{3DFDF4DA-8452-D07B-FE52-327D28CD3B37}"/>
               </a:ext>
             </a:extLst>
           </p:cNvPr>
-          <p:cNvSpPr txBox="1"/>
-          <p:nvPr/>
+          <p:cNvSpPr>
+            <a:spLocks noGrp="1"/>
+          </p:cNvSpPr>
+          <p:nvPr>
+            <p:ph idx="1"/>
+          </p:nvPr>
         </p:nvSpPr>
         <p:spPr>
           <a:xfrm>
             <a:off x="371094" y="2718054"/>
-            <a:ext cx="3649458" cy="3207258"/>
+            <a:ext cx="3549195" cy="3498021"/>
           </a:xfrm>
-          <a:prstGeom prst="rect">
-            <a:avLst/>
-          </a:prstGeom>
         </p:spPr>
         <p:txBody>
-          <a:bodyPr rot="0" spcFirstLastPara="0" vertOverflow="overflow" horzOverflow="overflow" vert="horz" lIns="91440" tIns="45720" rIns="91440" bIns="45720" numCol="1" spcCol="0" rtlCol="0" fromWordArt="0" anchor="t" anchorCtr="0" forceAA="0" compatLnSpc="1">
-            <a:prstTxWarp prst="textNoShape">
-              <a:avLst/>
-            </a:prstTxWarp>
+          <a:bodyPr vert="horz" lIns="91440" tIns="45720" rIns="91440" bIns="45720" rtlCol="0" anchor="t">
             <a:normAutofit/>
           </a:bodyPr>
           <a:lstStyle/>
           <a:p>
-            <a:pPr indent="-228600">
-              <a:lnSpc>
-                <a:spcPct val="90000"/>
-              </a:lnSpc>
-              <a:spcAft>
-                <a:spcPts val="600"/>
-              </a:spcAft>
-              <a:buFont typeface="Arial" panose="020B0604020202020204" pitchFamily="34" charset="0"/>
-              <a:buChar char="•"/>
+            <a:r>
+              <a:rPr lang="en-US" sz="1600" dirty="0" err="1">
+                <a:cs typeface="Calibri"/>
+              </a:rPr>
+              <a:t>Краткосрочный</a:t>
+            </a:r>
+          </a:p>
+          <a:p>
+            <a:pPr lvl="1">
+              <a:buFont typeface="Courier New" panose="020B0604020202020204" pitchFamily="34" charset="0"/>
+              <a:buChar char="o"/>
             </a:pPr>
             <a:r>
-              <a:rPr lang="en-US" sz="1400"/>
-              <a:t>Профессиональные планировщики мероприятий</a:t>
-            </a:r>
-          </a:p>
-          <a:p>
-            <a:pPr indent="-228600">
-              <a:lnSpc>
-                <a:spcPct val="90000"/>
-              </a:lnSpc>
-              <a:spcAft>
-                <a:spcPts val="600"/>
-              </a:spcAft>
-              <a:buFont typeface="Arial" panose="020B0604020202020204" pitchFamily="34" charset="0"/>
-              <a:buChar char="•"/>
+              <a:rPr lang="en-US" sz="1600" dirty="0" err="1">
+                <a:cs typeface="Calibri"/>
+              </a:rPr>
+              <a:t>Запуск</a:t>
+            </a:r>
+            <a:r>
+              <a:rPr lang="en-US" sz="1600" dirty="0">
+                <a:cs typeface="Calibri"/>
+              </a:rPr>
+              <a:t> MVP</a:t>
+            </a:r>
+          </a:p>
+          <a:p>
+            <a:pPr lvl="1">
+              <a:buFont typeface="Courier New" panose="020B0604020202020204" pitchFamily="34" charset="0"/>
+              <a:buChar char="o"/>
             </a:pPr>
-            <a:endParaRPr lang="en-US" sz="1400"/>
-          </a:p>
-          <a:p>
-            <a:pPr indent="-228600">
-              <a:lnSpc>
-                <a:spcPct val="90000"/>
-              </a:lnSpc>
-              <a:spcAft>
-                <a:spcPts val="600"/>
-              </a:spcAft>
-              <a:buFont typeface="Arial" panose="020B0604020202020204" pitchFamily="34" charset="0"/>
-              <a:buChar char="•"/>
+            <a:r>
+              <a:rPr lang="en-US" sz="1600" dirty="0" err="1">
+                <a:cs typeface="Calibri"/>
+              </a:rPr>
+              <a:t>Привлечение</a:t>
+            </a:r>
+            <a:r>
+              <a:rPr lang="en-US" sz="1600" dirty="0">
+                <a:cs typeface="Calibri"/>
+              </a:rPr>
+              <a:t> </a:t>
+            </a:r>
+            <a:r>
+              <a:rPr lang="en-US" sz="1600" dirty="0" err="1">
+                <a:cs typeface="Calibri"/>
+              </a:rPr>
+              <a:t>пользователей</a:t>
+            </a:r>
+          </a:p>
+          <a:p>
+            <a:pPr lvl="1">
+              <a:buFont typeface="Courier New" panose="020B0604020202020204" pitchFamily="34" charset="0"/>
+              <a:buChar char="o"/>
             </a:pPr>
             <a:r>
-              <a:rPr lang="en-US" sz="1400"/>
-              <a:t>Частные организаторы мероприятий</a:t>
-            </a:r>
-            <a:br>
-              <a:rPr lang="en-US" sz="1400"/>
-            </a:br>
-            <a:endParaRPr lang="en-US" sz="1400"/>
-          </a:p>
-          <a:p>
-            <a:pPr indent="-228600">
-              <a:lnSpc>
-                <a:spcPct val="90000"/>
-              </a:lnSpc>
-              <a:spcAft>
-                <a:spcPts val="600"/>
-              </a:spcAft>
-              <a:buFont typeface="Arial" panose="020B0604020202020204" pitchFamily="34" charset="0"/>
-              <a:buChar char="•"/>
+              <a:rPr lang="en-US" sz="1600" dirty="0" err="1">
+                <a:cs typeface="Calibri"/>
+              </a:rPr>
+              <a:t>Сбор</a:t>
+            </a:r>
+            <a:r>
+              <a:rPr lang="en-US" sz="1600" dirty="0">
+                <a:cs typeface="Calibri"/>
+              </a:rPr>
+              <a:t> и </a:t>
+            </a:r>
+            <a:r>
+              <a:rPr lang="en-US" sz="1600" dirty="0" err="1">
+                <a:cs typeface="Calibri"/>
+              </a:rPr>
+              <a:t>анализ</a:t>
+            </a:r>
+            <a:r>
+              <a:rPr lang="en-US" sz="1600" dirty="0">
+                <a:cs typeface="Calibri"/>
+              </a:rPr>
+              <a:t> </a:t>
+            </a:r>
+            <a:r>
+              <a:rPr lang="en-US" sz="1600" dirty="0" err="1">
+                <a:cs typeface="Calibri"/>
+              </a:rPr>
+              <a:t>данных</a:t>
+            </a:r>
+          </a:p>
+          <a:p>
+            <a:pPr lvl="1">
+              <a:buFont typeface="Courier New" panose="020B0604020202020204" pitchFamily="34" charset="0"/>
+              <a:buChar char="o"/>
             </a:pPr>
             <a:r>
-              <a:rPr lang="en-US" sz="1400"/>
-              <a:t>Корпоративные клиенты</a:t>
-            </a:r>
-          </a:p>
-          <a:p>
-            <a:pPr indent="-228600">
-              <a:lnSpc>
-                <a:spcPct val="90000"/>
-              </a:lnSpc>
-              <a:spcAft>
-                <a:spcPts val="600"/>
-              </a:spcAft>
-              <a:buFont typeface="Arial" panose="020B0604020202020204" pitchFamily="34" charset="0"/>
-              <a:buChar char="•"/>
+              <a:rPr lang="en-US" sz="1600" dirty="0" err="1">
+                <a:cs typeface="Calibri"/>
+              </a:rPr>
+              <a:t>Доработка</a:t>
+            </a:r>
+            <a:r>
+              <a:rPr lang="en-US" sz="1600" dirty="0">
+                <a:cs typeface="Calibri"/>
+              </a:rPr>
+              <a:t> </a:t>
+            </a:r>
+            <a:r>
+              <a:rPr lang="en-US" sz="1600" dirty="0" err="1">
+                <a:cs typeface="Calibri"/>
+              </a:rPr>
+              <a:t>сервиса</a:t>
+            </a:r>
+          </a:p>
+          <a:p>
+            <a:r>
+              <a:rPr lang="en-US" sz="1600" dirty="0" err="1">
+                <a:cs typeface="Calibri"/>
+              </a:rPr>
+              <a:t>Долгосрочный</a:t>
+            </a:r>
+            <a:endParaRPr lang="en-US" sz="1600" dirty="0">
+              <a:cs typeface="Calibri"/>
+            </a:endParaRPr>
+          </a:p>
+          <a:p>
+            <a:pPr lvl="1">
+              <a:buFont typeface="Courier New,monospace" panose="020B0604020202020204" pitchFamily="34" charset="0"/>
+              <a:buChar char="o"/>
             </a:pPr>
-            <a:endParaRPr lang="en-US" sz="1400"/>
-          </a:p>
-          <a:p>
-            <a:pPr indent="-228600">
-              <a:lnSpc>
-                <a:spcPct val="90000"/>
-              </a:lnSpc>
-              <a:spcAft>
-                <a:spcPts val="600"/>
-              </a:spcAft>
-              <a:buFont typeface="Arial" panose="020B0604020202020204" pitchFamily="34" charset="0"/>
-              <a:buChar char="•"/>
+            <a:r>
+              <a:rPr lang="en-US" sz="1600" dirty="0" err="1">
+                <a:cs typeface="Calibri"/>
+              </a:rPr>
+              <a:t>Создание</a:t>
+            </a:r>
+            <a:r>
+              <a:rPr lang="en-US" sz="1600" dirty="0">
+                <a:cs typeface="Calibri"/>
+              </a:rPr>
+              <a:t> </a:t>
+            </a:r>
+            <a:r>
+              <a:rPr lang="en-US" sz="1600" dirty="0" err="1">
+                <a:cs typeface="Calibri"/>
+              </a:rPr>
+              <a:t>фильтров</a:t>
+            </a:r>
+            <a:r>
+              <a:rPr lang="en-US" sz="1600" dirty="0">
+                <a:cs typeface="Calibri"/>
+              </a:rPr>
+              <a:t>, </a:t>
+            </a:r>
+            <a:r>
+              <a:rPr lang="en-US" sz="1600" dirty="0" err="1">
+                <a:cs typeface="Calibri"/>
+              </a:rPr>
+              <a:t>тегов</a:t>
+            </a:r>
+            <a:r>
+              <a:rPr lang="en-US" sz="1600" dirty="0">
+                <a:cs typeface="Calibri"/>
+              </a:rPr>
+              <a:t> </a:t>
+            </a:r>
+            <a:r>
+              <a:rPr lang="en-US" sz="1600" dirty="0" err="1">
+                <a:cs typeface="Calibri"/>
+              </a:rPr>
+              <a:t>для</a:t>
+            </a:r>
+            <a:r>
+              <a:rPr lang="en-US" sz="1600" dirty="0">
+                <a:cs typeface="Calibri"/>
+              </a:rPr>
+              <a:t> </a:t>
+            </a:r>
+            <a:r>
+              <a:rPr lang="en-US" sz="1600" dirty="0" err="1">
+                <a:cs typeface="Calibri"/>
+              </a:rPr>
+              <a:t>поиска</a:t>
+            </a:r>
+            <a:r>
+              <a:rPr lang="en-US" sz="1600" dirty="0">
+                <a:cs typeface="Calibri"/>
+              </a:rPr>
+              <a:t> </a:t>
+            </a:r>
+            <a:r>
+              <a:rPr lang="en-US" sz="1600" dirty="0" err="1">
+                <a:cs typeface="Calibri"/>
+              </a:rPr>
+              <a:t>мероприятий</a:t>
+            </a:r>
+          </a:p>
+          <a:p>
+            <a:pPr lvl="1">
+              <a:buFont typeface="Courier New,monospace" panose="020B0604020202020204" pitchFamily="34" charset="0"/>
+              <a:buChar char="o"/>
             </a:pPr>
             <a:r>
-              <a:rPr lang="en-US" sz="1400"/>
-              <a:t>Профессионалы в сфере маркетинга и PR</a:t>
-            </a:r>
-          </a:p>
-          <a:p>
-            <a:pPr indent="-228600">
-              <a:lnSpc>
-                <a:spcPct val="90000"/>
-              </a:lnSpc>
-              <a:spcAft>
-                <a:spcPts val="600"/>
-              </a:spcAft>
-              <a:buFont typeface="Arial" panose="020B0604020202020204" pitchFamily="34" charset="0"/>
-              <a:buChar char="•"/>
+              <a:rPr lang="en-US" sz="1600" dirty="0" err="1">
+                <a:cs typeface="Calibri"/>
+              </a:rPr>
+              <a:t>Предложение</a:t>
+            </a:r>
+            <a:r>
+              <a:rPr lang="en-US" sz="1600" dirty="0">
+                <a:cs typeface="Calibri"/>
+              </a:rPr>
+              <a:t> </a:t>
+            </a:r>
+            <a:r>
+              <a:rPr lang="en-US" sz="1600" dirty="0" err="1">
+                <a:cs typeface="Calibri"/>
+              </a:rPr>
+              <a:t>мест</a:t>
+            </a:r>
+            <a:r>
+              <a:rPr lang="en-US" sz="1600" dirty="0">
+                <a:cs typeface="Calibri"/>
+              </a:rPr>
+              <a:t> </a:t>
+            </a:r>
+            <a:r>
+              <a:rPr lang="en-US" sz="1600" dirty="0" err="1">
+                <a:cs typeface="Calibri"/>
+              </a:rPr>
+              <a:t>по</a:t>
+            </a:r>
+            <a:r>
+              <a:rPr lang="en-US" sz="1600" dirty="0">
+                <a:cs typeface="Calibri"/>
+              </a:rPr>
+              <a:t> </a:t>
+            </a:r>
+            <a:r>
+              <a:rPr lang="en-US" sz="1600" dirty="0" err="1">
+                <a:cs typeface="Calibri"/>
+              </a:rPr>
+              <a:t>тегам</a:t>
+            </a:r>
+          </a:p>
+          <a:p>
+            <a:pPr lvl="1">
+              <a:buFont typeface="Courier New,monospace" panose="020B0604020202020204" pitchFamily="34" charset="0"/>
+              <a:buChar char="o"/>
             </a:pPr>
-            <a:endParaRPr lang="en-US" sz="1400"/>
-          </a:p>
-          <a:p>
-            <a:pPr indent="-228600">
-              <a:lnSpc>
-                <a:spcPct val="90000"/>
-              </a:lnSpc>
-              <a:spcAft>
-                <a:spcPts val="600"/>
-              </a:spcAft>
-              <a:buFont typeface="Arial" panose="020B0604020202020204" pitchFamily="34" charset="0"/>
-              <a:buChar char="•"/>
+            <a:r>
+              <a:rPr lang="en-US" sz="1600" dirty="0" err="1">
+                <a:cs typeface="Calibri"/>
+              </a:rPr>
+              <a:t>Создание</a:t>
+            </a:r>
+            <a:r>
+              <a:rPr lang="en-US" sz="1600" dirty="0">
+                <a:cs typeface="Calibri"/>
+              </a:rPr>
+              <a:t> API</a:t>
+            </a:r>
+            <a:endParaRPr lang="en-US" sz="1600" dirty="0"/>
+          </a:p>
+          <a:p>
+            <a:pPr lvl="1">
+              <a:buFont typeface="Courier New,monospace" panose="020B0604020202020204" pitchFamily="34" charset="0"/>
+              <a:buChar char="o"/>
             </a:pPr>
             <a:r>
-              <a:rPr lang="en-US" sz="1400"/>
-              <a:t>Различные заведения, занимающиеся регулярной организацией мероприятий</a:t>
-            </a:r>
+              <a:rPr lang="en-US" sz="1600" dirty="0" err="1">
+                <a:cs typeface="Calibri"/>
+              </a:rPr>
+              <a:t>Продвижение</a:t>
+            </a:r>
+            <a:r>
+              <a:rPr lang="en-US" sz="1600" dirty="0">
+                <a:cs typeface="Calibri"/>
+              </a:rPr>
+              <a:t> </a:t>
+            </a:r>
+            <a:r>
+              <a:rPr lang="en-US" sz="1600" dirty="0" err="1">
+                <a:cs typeface="Calibri"/>
+              </a:rPr>
+              <a:t>сервиса</a:t>
+            </a:r>
+            <a:r>
+              <a:rPr lang="en-US" sz="1600" dirty="0">
+                <a:cs typeface="Calibri"/>
+              </a:rPr>
+              <a:t> в </a:t>
+            </a:r>
+            <a:r>
+              <a:rPr lang="en-US" sz="1600" dirty="0" err="1">
+                <a:cs typeface="Calibri"/>
+              </a:rPr>
+              <a:t>крупных</a:t>
+            </a:r>
+            <a:r>
+              <a:rPr lang="en-US" sz="1600" dirty="0">
+                <a:cs typeface="Calibri"/>
+              </a:rPr>
+              <a:t> </a:t>
+            </a:r>
+            <a:r>
+              <a:rPr lang="en-US" sz="1600" dirty="0" err="1">
+                <a:cs typeface="Calibri"/>
+              </a:rPr>
+              <a:t>городах</a:t>
+            </a:r>
+          </a:p>
+          <a:p>
+            <a:pPr lvl="1">
+              <a:buFont typeface="Courier New" panose="020B0604020202020204" pitchFamily="34" charset="0"/>
+              <a:buChar char="o"/>
+            </a:pPr>
+            <a:endParaRPr lang="en-US" sz="1600">
+              <a:cs typeface="Calibri"/>
+            </a:endParaRPr>
           </a:p>
         </p:txBody>
       </p:sp>
     </p:spTree>
     <p:extLst>
       <p:ext uri="{BB962C8B-B14F-4D97-AF65-F5344CB8AC3E}">
-        <p14:creationId xmlns:p14="http://schemas.microsoft.com/office/powerpoint/2010/main" val="2535101501"/>
+        <p14:creationId xmlns:p14="http://schemas.microsoft.com/office/powerpoint/2010/main" val="213943881"/>
       </p:ext>
     </p:extLst>
   </p:cSld>
@@ -4607,7 +4097,1391 @@
 </p:sld>
 </file>
 
-<file path=ppt/slides/slide4.xml><?xml version="1.0" encoding="utf-8"?>
+<file path=ppt/slides/slide11.xml><?xml version="1.0" encoding="utf-8"?>
+<p:sld xmlns:a="http://schemas.openxmlformats.org/drawingml/2006/main" xmlns:r="http://schemas.openxmlformats.org/officeDocument/2006/relationships" xmlns:p="http://schemas.openxmlformats.org/presentationml/2006/main">
+  <p:cSld>
+    <p:bg>
+      <p:bgPr>
+        <a:solidFill>
+          <a:schemeClr val="bg1"/>
+        </a:solidFill>
+        <a:effectLst/>
+      </p:bgPr>
+    </p:bg>
+    <p:spTree>
+      <p:nvGrpSpPr>
+        <p:cNvPr id="1" name=""/>
+        <p:cNvGrpSpPr/>
+        <p:nvPr/>
+      </p:nvGrpSpPr>
+      <p:grpSpPr>
+        <a:xfrm>
+          <a:off x="0" y="0"/>
+          <a:ext cx="0" cy="0"/>
+          <a:chOff x="0" y="0"/>
+          <a:chExt cx="0" cy="0"/>
+        </a:xfrm>
+      </p:grpSpPr>
+      <p:sp>
+        <p:nvSpPr>
+          <p:cNvPr id="9" name="!!Rectangle">
+            <a:extLst>
+              <a:ext uri="{FF2B5EF4-FFF2-40B4-BE49-F238E27FC236}">
+                <a16:creationId xmlns:a16="http://schemas.microsoft.com/office/drawing/2014/main" id="{7C432AFE-B3D2-4BFF-BF8F-96C27AFF1AC7}"/>
+              </a:ext>
+              <a:ext uri="{C183D7F6-B498-43B3-948B-1728B52AA6E4}">
+                <adec:decorative xmlns:adec="http://schemas.microsoft.com/office/drawing/2017/decorative" val="1"/>
+              </a:ext>
+            </a:extLst>
+          </p:cNvPr>
+          <p:cNvSpPr>
+            <a:spLocks noGrp="1" noRot="1" noChangeAspect="1" noMove="1" noResize="1" noEditPoints="1" noAdjustHandles="1" noChangeArrowheads="1" noChangeShapeType="1" noTextEdit="1"/>
+          </p:cNvSpPr>
+          <p:nvPr>
+            <p:extLst>
+              <p:ext uri="{386F3935-93C4-4BCD-93E2-E3B085C9AB24}">
+                <p16:designElem xmlns:p16="http://schemas.microsoft.com/office/powerpoint/2015/main" val="1"/>
+              </p:ext>
+            </p:extLst>
+          </p:nvPr>
+        </p:nvSpPr>
+        <p:spPr>
+          <a:xfrm>
+            <a:off x="0" y="0"/>
+            <a:ext cx="12192000" cy="6858000"/>
+          </a:xfrm>
+          <a:prstGeom prst="rect">
+            <a:avLst/>
+          </a:prstGeom>
+          <a:solidFill>
+            <a:schemeClr val="tx1"/>
+          </a:solidFill>
+          <a:ln>
+            <a:noFill/>
+          </a:ln>
+        </p:spPr>
+        <p:style>
+          <a:lnRef idx="2">
+            <a:schemeClr val="accent1">
+              <a:shade val="50000"/>
+            </a:schemeClr>
+          </a:lnRef>
+          <a:fillRef idx="1">
+            <a:schemeClr val="accent1"/>
+          </a:fillRef>
+          <a:effectRef idx="0">
+            <a:schemeClr val="accent1"/>
+          </a:effectRef>
+          <a:fontRef idx="minor">
+            <a:schemeClr val="lt1"/>
+          </a:fontRef>
+        </p:style>
+        <p:txBody>
+          <a:bodyPr rtlCol="0" anchor="ctr"/>
+          <a:lstStyle/>
+          <a:p>
+            <a:pPr algn="ctr"/>
+            <a:endParaRPr lang="en-US"/>
+          </a:p>
+        </p:txBody>
+      </p:sp>
+      <p:pic>
+        <p:nvPicPr>
+          <p:cNvPr id="4" name="Picture 3">
+            <a:extLst>
+              <a:ext uri="{FF2B5EF4-FFF2-40B4-BE49-F238E27FC236}">
+                <a16:creationId xmlns:a16="http://schemas.microsoft.com/office/drawing/2014/main" id="{734E2098-237E-F78A-ADB6-3D81143B5AB7}"/>
+              </a:ext>
+            </a:extLst>
+          </p:cNvPr>
+          <p:cNvPicPr>
+            <a:picLocks noChangeAspect="1"/>
+          </p:cNvPicPr>
+          <p:nvPr/>
+        </p:nvPicPr>
+        <p:blipFill rotWithShape="1">
+          <a:blip r:embed="rId2">
+            <a:alphaModFix amt="40000"/>
+          </a:blip>
+          <a:srcRect/>
+          <a:stretch/>
+        </p:blipFill>
+        <p:spPr>
+          <a:xfrm>
+            <a:off x="0" y="0"/>
+            <a:ext cx="12192000" cy="6858000"/>
+          </a:xfrm>
+          <a:prstGeom prst="rect">
+            <a:avLst/>
+          </a:prstGeom>
+        </p:spPr>
+      </p:pic>
+      <p:sp>
+        <p:nvSpPr>
+          <p:cNvPr id="2" name="Title 1">
+            <a:extLst>
+              <a:ext uri="{FF2B5EF4-FFF2-40B4-BE49-F238E27FC236}">
+                <a16:creationId xmlns:a16="http://schemas.microsoft.com/office/drawing/2014/main" id="{4B41C4E1-85CB-5114-C2D5-C4CA4698DBED}"/>
+              </a:ext>
+            </a:extLst>
+          </p:cNvPr>
+          <p:cNvSpPr>
+            <a:spLocks noGrp="1"/>
+          </p:cNvSpPr>
+          <p:nvPr>
+            <p:ph type="title"/>
+          </p:nvPr>
+        </p:nvSpPr>
+        <p:spPr>
+          <a:xfrm>
+            <a:off x="841249" y="941832"/>
+            <a:ext cx="10506456" cy="2057400"/>
+          </a:xfrm>
+        </p:spPr>
+        <p:txBody>
+          <a:bodyPr anchor="b">
+            <a:normAutofit/>
+          </a:bodyPr>
+          <a:lstStyle/>
+          <a:p>
+            <a:r>
+              <a:rPr lang="en-US" sz="5000">
+                <a:solidFill>
+                  <a:schemeClr val="bg1"/>
+                </a:solidFill>
+                <a:cs typeface="Calibri Light"/>
+              </a:rPr>
+              <a:t>Команда 7-2</a:t>
+            </a:r>
+            <a:endParaRPr lang="en-US" sz="5000">
+              <a:solidFill>
+                <a:schemeClr val="bg1"/>
+              </a:solidFill>
+            </a:endParaRPr>
+          </a:p>
+        </p:txBody>
+      </p:sp>
+      <p:sp>
+        <p:nvSpPr>
+          <p:cNvPr id="11" name="Rectangle 10">
+            <a:extLst>
+              <a:ext uri="{FF2B5EF4-FFF2-40B4-BE49-F238E27FC236}">
+                <a16:creationId xmlns:a16="http://schemas.microsoft.com/office/drawing/2014/main" id="{AF2F604E-43BE-4DC3-B983-E071523364F8}"/>
+              </a:ext>
+              <a:ext uri="{C183D7F6-B498-43B3-948B-1728B52AA6E4}">
+                <adec:decorative xmlns:adec="http://schemas.microsoft.com/office/drawing/2017/decorative" val="1"/>
+              </a:ext>
+            </a:extLst>
+          </p:cNvPr>
+          <p:cNvSpPr>
+            <a:spLocks noGrp="1" noRot="1" noChangeAspect="1" noMove="1" noResize="1" noEditPoints="1" noAdjustHandles="1" noChangeArrowheads="1" noChangeShapeType="1" noTextEdit="1"/>
+          </p:cNvSpPr>
+          <p:nvPr>
+            <p:extLst>
+              <p:ext uri="{386F3935-93C4-4BCD-93E2-E3B085C9AB24}">
+                <p16:designElem xmlns:p16="http://schemas.microsoft.com/office/powerpoint/2015/main" val="1"/>
+              </p:ext>
+            </p:extLst>
+          </p:nvPr>
+        </p:nvSpPr>
+        <p:spPr>
+          <a:xfrm rot="5400000">
+            <a:off x="1120140" y="346791"/>
+            <a:ext cx="146304" cy="704088"/>
+          </a:xfrm>
+          <a:prstGeom prst="rect">
+            <a:avLst/>
+          </a:prstGeom>
+          <a:solidFill>
+            <a:schemeClr val="accent2"/>
+          </a:solidFill>
+          <a:ln>
+            <a:noFill/>
+          </a:ln>
+        </p:spPr>
+        <p:style>
+          <a:lnRef idx="2">
+            <a:schemeClr val="accent1">
+              <a:shade val="50000"/>
+            </a:schemeClr>
+          </a:lnRef>
+          <a:fillRef idx="1">
+            <a:schemeClr val="accent1"/>
+          </a:fillRef>
+          <a:effectRef idx="0">
+            <a:schemeClr val="accent1"/>
+          </a:effectRef>
+          <a:fontRef idx="minor">
+            <a:schemeClr val="lt1"/>
+          </a:fontRef>
+        </p:style>
+        <p:txBody>
+          <a:bodyPr rtlCol="0" anchor="ctr"/>
+          <a:lstStyle/>
+          <a:p>
+            <a:pPr algn="ctr"/>
+            <a:endParaRPr lang="en-US">
+              <a:solidFill>
+                <a:prstClr val="white"/>
+              </a:solidFill>
+              <a:latin typeface="Calibri" panose="020F0502020204030204"/>
+            </a:endParaRPr>
+          </a:p>
+        </p:txBody>
+      </p:sp>
+      <p:sp>
+        <p:nvSpPr>
+          <p:cNvPr id="13" name="Rectangle 12">
+            <a:extLst>
+              <a:ext uri="{FF2B5EF4-FFF2-40B4-BE49-F238E27FC236}">
+                <a16:creationId xmlns:a16="http://schemas.microsoft.com/office/drawing/2014/main" id="{08C9B587-E65E-4B52-B37C-ABEBB6E87928}"/>
+              </a:ext>
+              <a:ext uri="{C183D7F6-B498-43B3-948B-1728B52AA6E4}">
+                <adec:decorative xmlns:adec="http://schemas.microsoft.com/office/drawing/2017/decorative" val="1"/>
+              </a:ext>
+            </a:extLst>
+          </p:cNvPr>
+          <p:cNvSpPr>
+            <a:spLocks noGrp="1" noRot="1" noChangeAspect="1" noMove="1" noResize="1" noEditPoints="1" noAdjustHandles="1" noChangeArrowheads="1" noChangeShapeType="1" noTextEdit="1"/>
+          </p:cNvSpPr>
+          <p:nvPr>
+            <p:extLst>
+              <p:ext uri="{386F3935-93C4-4BCD-93E2-E3B085C9AB24}">
+                <p16:designElem xmlns:p16="http://schemas.microsoft.com/office/powerpoint/2015/main" val="1"/>
+              </p:ext>
+            </p:extLst>
+          </p:nvPr>
+        </p:nvSpPr>
+        <p:spPr>
+          <a:xfrm>
+            <a:off x="841248" y="3241202"/>
+            <a:ext cx="10506456" cy="18288"/>
+          </a:xfrm>
+          <a:prstGeom prst="rect">
+            <a:avLst/>
+          </a:prstGeom>
+          <a:solidFill>
+            <a:schemeClr val="bg1"/>
+          </a:solidFill>
+          <a:ln w="3175">
+            <a:noFill/>
+          </a:ln>
+          <a:effectLst/>
+        </p:spPr>
+        <p:style>
+          <a:lnRef idx="2">
+            <a:schemeClr val="accent1">
+              <a:shade val="50000"/>
+            </a:schemeClr>
+          </a:lnRef>
+          <a:fillRef idx="1">
+            <a:schemeClr val="accent1"/>
+          </a:fillRef>
+          <a:effectRef idx="0">
+            <a:schemeClr val="accent1"/>
+          </a:effectRef>
+          <a:fontRef idx="minor">
+            <a:schemeClr val="lt1"/>
+          </a:fontRef>
+        </p:style>
+        <p:txBody>
+          <a:bodyPr rtlCol="0" anchor="ctr"/>
+          <a:lstStyle/>
+          <a:p>
+            <a:pPr marL="0" marR="0" lvl="0" indent="0" algn="ctr" defTabSz="914400" rtl="0" eaLnBrk="1" fontAlgn="auto" latinLnBrk="0" hangingPunct="1">
+              <a:lnSpc>
+                <a:spcPct val="100000"/>
+              </a:lnSpc>
+              <a:spcBef>
+                <a:spcPts val="0"/>
+              </a:spcBef>
+              <a:spcAft>
+                <a:spcPts val="0"/>
+              </a:spcAft>
+              <a:buClrTx/>
+              <a:buSzTx/>
+              <a:buFontTx/>
+              <a:buNone/>
+              <a:tabLst/>
+              <a:defRPr/>
+            </a:pPr>
+            <a:endParaRPr kumimoji="0" lang="en-US" sz="1800" b="0" i="0" u="none" strike="noStrike" kern="1200" cap="none" spc="0" normalizeH="0" baseline="0" noProof="0">
+              <a:ln>
+                <a:noFill/>
+              </a:ln>
+              <a:solidFill>
+                <a:prstClr val="white"/>
+              </a:solidFill>
+              <a:effectLst/>
+              <a:uLnTx/>
+              <a:uFillTx/>
+              <a:latin typeface="Calibri" panose="020F0502020204030204"/>
+              <a:ea typeface="+mn-ea"/>
+              <a:cs typeface="+mn-cs"/>
+            </a:endParaRPr>
+          </a:p>
+        </p:txBody>
+      </p:sp>
+      <p:sp>
+        <p:nvSpPr>
+          <p:cNvPr id="3" name="Content Placeholder 2">
+            <a:extLst>
+              <a:ext uri="{FF2B5EF4-FFF2-40B4-BE49-F238E27FC236}">
+                <a16:creationId xmlns:a16="http://schemas.microsoft.com/office/drawing/2014/main" id="{F207C7EE-5084-D227-6F8B-97D81504B31D}"/>
+              </a:ext>
+            </a:extLst>
+          </p:cNvPr>
+          <p:cNvSpPr>
+            <a:spLocks noGrp="1"/>
+          </p:cNvSpPr>
+          <p:nvPr>
+            <p:ph idx="1"/>
+          </p:nvPr>
+        </p:nvSpPr>
+        <p:spPr>
+          <a:xfrm>
+            <a:off x="841248" y="3502152"/>
+            <a:ext cx="10506456" cy="2670048"/>
+          </a:xfrm>
+        </p:spPr>
+        <p:txBody>
+          <a:bodyPr vert="horz" lIns="91440" tIns="45720" rIns="91440" bIns="45720" rtlCol="0" anchor="t">
+            <a:normAutofit/>
+          </a:bodyPr>
+          <a:lstStyle/>
+          <a:p>
+            <a:r>
+              <a:rPr lang="en-US" sz="2000" dirty="0" err="1">
+                <a:solidFill>
+                  <a:schemeClr val="bg1"/>
+                </a:solidFill>
+                <a:cs typeface="Calibri"/>
+              </a:rPr>
+              <a:t>Головин</a:t>
+            </a:r>
+            <a:r>
+              <a:rPr lang="en-US" sz="2000" dirty="0">
+                <a:solidFill>
+                  <a:schemeClr val="bg1"/>
+                </a:solidFill>
+                <a:cs typeface="Calibri"/>
+              </a:rPr>
+              <a:t> </a:t>
+            </a:r>
+            <a:r>
+              <a:rPr lang="en-US" sz="2000" dirty="0" err="1">
+                <a:solidFill>
+                  <a:schemeClr val="bg1"/>
+                </a:solidFill>
+                <a:cs typeface="Calibri"/>
+              </a:rPr>
+              <a:t>Егор</a:t>
+            </a:r>
+            <a:r>
+              <a:rPr lang="en-US" sz="2000" dirty="0">
+                <a:solidFill>
+                  <a:schemeClr val="bg1"/>
+                </a:solidFill>
+                <a:cs typeface="Calibri"/>
+              </a:rPr>
+              <a:t> - </a:t>
+            </a:r>
+            <a:r>
+              <a:rPr lang="en-US" sz="2000" dirty="0" err="1">
+                <a:solidFill>
+                  <a:schemeClr val="bg1"/>
+                </a:solidFill>
+                <a:ea typeface="+mn-lt"/>
+                <a:cs typeface="+mn-lt"/>
+              </a:rPr>
+              <a:t>Руководитель</a:t>
+            </a:r>
+            <a:r>
+              <a:rPr lang="en-US" sz="2000" dirty="0">
+                <a:solidFill>
+                  <a:schemeClr val="bg1"/>
+                </a:solidFill>
+                <a:ea typeface="+mn-lt"/>
+                <a:cs typeface="+mn-lt"/>
+              </a:rPr>
+              <a:t> </a:t>
+            </a:r>
+            <a:r>
+              <a:rPr lang="en-US" sz="2000" dirty="0" err="1">
+                <a:solidFill>
+                  <a:schemeClr val="bg1"/>
+                </a:solidFill>
+                <a:ea typeface="+mn-lt"/>
+                <a:cs typeface="+mn-lt"/>
+              </a:rPr>
+              <a:t>проекта</a:t>
+            </a:r>
+            <a:r>
+              <a:rPr lang="en-US" sz="2000" dirty="0">
+                <a:solidFill>
+                  <a:schemeClr val="bg1"/>
+                </a:solidFill>
+                <a:ea typeface="+mn-lt"/>
+                <a:cs typeface="+mn-lt"/>
+              </a:rPr>
+              <a:t>, </a:t>
+            </a:r>
+            <a:r>
+              <a:rPr lang="en-US" sz="2000" dirty="0" err="1">
+                <a:solidFill>
+                  <a:schemeClr val="bg1"/>
+                </a:solidFill>
+                <a:ea typeface="+mn-lt"/>
+                <a:cs typeface="+mn-lt"/>
+              </a:rPr>
+              <a:t>Бизнес-аналитик</a:t>
+            </a:r>
+            <a:r>
+              <a:rPr lang="en-US" sz="2000" dirty="0">
+                <a:solidFill>
+                  <a:schemeClr val="bg1"/>
+                </a:solidFill>
+                <a:ea typeface="+mn-lt"/>
+                <a:cs typeface="+mn-lt"/>
+              </a:rPr>
+              <a:t>, </a:t>
+            </a:r>
+            <a:r>
+              <a:rPr lang="en-US" sz="2000" dirty="0" err="1">
+                <a:solidFill>
+                  <a:schemeClr val="bg1"/>
+                </a:solidFill>
+                <a:ea typeface="+mn-lt"/>
+                <a:cs typeface="+mn-lt"/>
+              </a:rPr>
+              <a:t>Fullstack-разработчик</a:t>
+            </a:r>
+            <a:r>
+              <a:rPr lang="en-US" sz="2000" dirty="0">
+                <a:solidFill>
+                  <a:schemeClr val="bg1"/>
+                </a:solidFill>
+                <a:ea typeface="+mn-lt"/>
+                <a:cs typeface="+mn-lt"/>
+              </a:rPr>
+              <a:t>.</a:t>
+            </a:r>
+          </a:p>
+          <a:p>
+            <a:r>
+              <a:rPr lang="en-US" sz="2000" dirty="0" err="1">
+                <a:solidFill>
+                  <a:schemeClr val="bg1"/>
+                </a:solidFill>
+                <a:ea typeface="+mn-lt"/>
+                <a:cs typeface="+mn-lt"/>
+              </a:rPr>
+              <a:t>Елфимов</a:t>
+            </a:r>
+            <a:r>
+              <a:rPr lang="en-US" sz="2000" dirty="0">
+                <a:solidFill>
+                  <a:schemeClr val="bg1"/>
+                </a:solidFill>
+                <a:ea typeface="+mn-lt"/>
+                <a:cs typeface="+mn-lt"/>
+              </a:rPr>
+              <a:t> </a:t>
+            </a:r>
+            <a:r>
+              <a:rPr lang="en-US" sz="2000" dirty="0" err="1">
+                <a:solidFill>
+                  <a:schemeClr val="bg1"/>
+                </a:solidFill>
+                <a:ea typeface="+mn-lt"/>
+                <a:cs typeface="+mn-lt"/>
+              </a:rPr>
+              <a:t>Кирилл</a:t>
+            </a:r>
+            <a:r>
+              <a:rPr lang="en-US" sz="2000" dirty="0">
+                <a:solidFill>
+                  <a:schemeClr val="bg1"/>
+                </a:solidFill>
+                <a:ea typeface="+mn-lt"/>
+                <a:cs typeface="+mn-lt"/>
+              </a:rPr>
+              <a:t> - </a:t>
+            </a:r>
+            <a:r>
+              <a:rPr lang="en-US" sz="2000" dirty="0" err="1">
+                <a:solidFill>
+                  <a:schemeClr val="bg1"/>
+                </a:solidFill>
+                <a:ea typeface="+mn-lt"/>
+                <a:cs typeface="+mn-lt"/>
+              </a:rPr>
+              <a:t>Бизнес-аналитик</a:t>
+            </a:r>
+            <a:r>
+              <a:rPr lang="en-US" sz="2000" dirty="0">
+                <a:solidFill>
+                  <a:schemeClr val="bg1"/>
+                </a:solidFill>
+                <a:ea typeface="+mn-lt"/>
+                <a:cs typeface="+mn-lt"/>
+              </a:rPr>
+              <a:t>, Frontend-</a:t>
+            </a:r>
+            <a:r>
+              <a:rPr lang="en-US" sz="2000" dirty="0" err="1">
+                <a:solidFill>
+                  <a:schemeClr val="bg1"/>
+                </a:solidFill>
+                <a:ea typeface="+mn-lt"/>
+                <a:cs typeface="+mn-lt"/>
+              </a:rPr>
+              <a:t>разработчик</a:t>
+            </a:r>
+            <a:r>
+              <a:rPr lang="en-US" sz="2000" dirty="0">
+                <a:solidFill>
+                  <a:schemeClr val="bg1"/>
+                </a:solidFill>
+                <a:ea typeface="+mn-lt"/>
+                <a:cs typeface="+mn-lt"/>
+              </a:rPr>
+              <a:t>, </a:t>
+            </a:r>
+            <a:r>
+              <a:rPr lang="en-US" sz="2000" dirty="0" err="1">
+                <a:solidFill>
+                  <a:schemeClr val="bg1"/>
+                </a:solidFill>
+                <a:ea typeface="+mn-lt"/>
+                <a:cs typeface="+mn-lt"/>
+              </a:rPr>
+              <a:t>Дизайнер</a:t>
+            </a:r>
+            <a:r>
+              <a:rPr lang="en-US" sz="2000" dirty="0">
+                <a:solidFill>
+                  <a:schemeClr val="bg1"/>
+                </a:solidFill>
+                <a:ea typeface="+mn-lt"/>
+                <a:cs typeface="+mn-lt"/>
+              </a:rPr>
+              <a:t>, </a:t>
+            </a:r>
+            <a:r>
+              <a:rPr lang="en-US" sz="2000" dirty="0" err="1">
+                <a:solidFill>
+                  <a:schemeClr val="bg1"/>
+                </a:solidFill>
+                <a:ea typeface="+mn-lt"/>
+                <a:cs typeface="+mn-lt"/>
+              </a:rPr>
+              <a:t>Тестировщик</a:t>
+            </a:r>
+            <a:r>
+              <a:rPr lang="en-US" sz="2000" dirty="0">
+                <a:solidFill>
+                  <a:schemeClr val="bg1"/>
+                </a:solidFill>
+                <a:ea typeface="+mn-lt"/>
+                <a:cs typeface="+mn-lt"/>
+              </a:rPr>
+              <a:t>.</a:t>
+            </a:r>
+          </a:p>
+        </p:txBody>
+      </p:sp>
+    </p:spTree>
+    <p:extLst>
+      <p:ext uri="{BB962C8B-B14F-4D97-AF65-F5344CB8AC3E}">
+        <p14:creationId xmlns:p14="http://schemas.microsoft.com/office/powerpoint/2010/main" val="2327210027"/>
+      </p:ext>
+    </p:extLst>
+  </p:cSld>
+  <p:clrMapOvr>
+    <a:masterClrMapping/>
+  </p:clrMapOvr>
+</p:sld>
+</file>
+
+<file path=ppt/slides/slide12.xml><?xml version="1.0" encoding="utf-8"?>
+<p:sld xmlns:a="http://schemas.openxmlformats.org/drawingml/2006/main" xmlns:r="http://schemas.openxmlformats.org/officeDocument/2006/relationships" xmlns:p="http://schemas.openxmlformats.org/presentationml/2006/main">
+  <p:cSld>
+    <p:bg>
+      <p:bgPr>
+        <a:solidFill>
+          <a:schemeClr val="bg1"/>
+        </a:solidFill>
+        <a:effectLst/>
+      </p:bgPr>
+    </p:bg>
+    <p:spTree>
+      <p:nvGrpSpPr>
+        <p:cNvPr id="1" name=""/>
+        <p:cNvGrpSpPr/>
+        <p:nvPr/>
+      </p:nvGrpSpPr>
+      <p:grpSpPr>
+        <a:xfrm>
+          <a:off x="0" y="0"/>
+          <a:ext cx="0" cy="0"/>
+          <a:chOff x="0" y="0"/>
+          <a:chExt cx="0" cy="0"/>
+        </a:xfrm>
+      </p:grpSpPr>
+      <p:sp>
+        <p:nvSpPr>
+          <p:cNvPr id="19" name="!!Rectangle">
+            <a:extLst>
+              <a:ext uri="{FF2B5EF4-FFF2-40B4-BE49-F238E27FC236}">
+                <a16:creationId xmlns:a16="http://schemas.microsoft.com/office/drawing/2014/main" id="{7C432AFE-B3D2-4BFF-BF8F-96C27AFF1AC7}"/>
+              </a:ext>
+              <a:ext uri="{C183D7F6-B498-43B3-948B-1728B52AA6E4}">
+                <adec:decorative xmlns:adec="http://schemas.microsoft.com/office/drawing/2017/decorative" val="1"/>
+              </a:ext>
+            </a:extLst>
+          </p:cNvPr>
+          <p:cNvSpPr>
+            <a:spLocks noGrp="1" noRot="1" noChangeAspect="1" noMove="1" noResize="1" noEditPoints="1" noAdjustHandles="1" noChangeArrowheads="1" noChangeShapeType="1" noTextEdit="1"/>
+          </p:cNvSpPr>
+          <p:nvPr>
+            <p:extLst>
+              <p:ext uri="{386F3935-93C4-4BCD-93E2-E3B085C9AB24}">
+                <p16:designElem xmlns:p16="http://schemas.microsoft.com/office/powerpoint/2015/main" val="1"/>
+              </p:ext>
+            </p:extLst>
+          </p:nvPr>
+        </p:nvSpPr>
+        <p:spPr>
+          <a:xfrm>
+            <a:off x="0" y="0"/>
+            <a:ext cx="12192000" cy="6858000"/>
+          </a:xfrm>
+          <a:prstGeom prst="rect">
+            <a:avLst/>
+          </a:prstGeom>
+          <a:solidFill>
+            <a:schemeClr val="tx1"/>
+          </a:solidFill>
+          <a:ln>
+            <a:noFill/>
+          </a:ln>
+        </p:spPr>
+        <p:style>
+          <a:lnRef idx="2">
+            <a:schemeClr val="accent1">
+              <a:shade val="50000"/>
+            </a:schemeClr>
+          </a:lnRef>
+          <a:fillRef idx="1">
+            <a:schemeClr val="accent1"/>
+          </a:fillRef>
+          <a:effectRef idx="0">
+            <a:schemeClr val="accent1"/>
+          </a:effectRef>
+          <a:fontRef idx="minor">
+            <a:schemeClr val="lt1"/>
+          </a:fontRef>
+        </p:style>
+        <p:txBody>
+          <a:bodyPr rtlCol="0" anchor="ctr"/>
+          <a:lstStyle/>
+          <a:p>
+            <a:pPr algn="ctr"/>
+            <a:endParaRPr lang="en-US"/>
+          </a:p>
+        </p:txBody>
+      </p:sp>
+      <p:pic>
+        <p:nvPicPr>
+          <p:cNvPr id="4" name="Picture 3">
+            <a:extLst>
+              <a:ext uri="{FF2B5EF4-FFF2-40B4-BE49-F238E27FC236}">
+                <a16:creationId xmlns:a16="http://schemas.microsoft.com/office/drawing/2014/main" id="{32242F5A-BD35-4C24-D4A3-0AF493D982FC}"/>
+              </a:ext>
+            </a:extLst>
+          </p:cNvPr>
+          <p:cNvPicPr>
+            <a:picLocks noChangeAspect="1"/>
+          </p:cNvPicPr>
+          <p:nvPr/>
+        </p:nvPicPr>
+        <p:blipFill rotWithShape="1">
+          <a:blip r:embed="rId2">
+            <a:alphaModFix amt="40000"/>
+          </a:blip>
+          <a:srcRect/>
+          <a:stretch/>
+        </p:blipFill>
+        <p:spPr>
+          <a:xfrm>
+            <a:off x="0" y="0"/>
+            <a:ext cx="12192000" cy="6858000"/>
+          </a:xfrm>
+          <a:prstGeom prst="rect">
+            <a:avLst/>
+          </a:prstGeom>
+        </p:spPr>
+      </p:pic>
+      <p:sp>
+        <p:nvSpPr>
+          <p:cNvPr id="2" name="Title 1">
+            <a:extLst>
+              <a:ext uri="{FF2B5EF4-FFF2-40B4-BE49-F238E27FC236}">
+                <a16:creationId xmlns:a16="http://schemas.microsoft.com/office/drawing/2014/main" id="{B63F3C61-4D02-A553-298A-79E822898982}"/>
+              </a:ext>
+            </a:extLst>
+          </p:cNvPr>
+          <p:cNvSpPr>
+            <a:spLocks noGrp="1"/>
+          </p:cNvSpPr>
+          <p:nvPr>
+            <p:ph type="title"/>
+          </p:nvPr>
+        </p:nvSpPr>
+        <p:spPr>
+          <a:xfrm>
+            <a:off x="841249" y="941832"/>
+            <a:ext cx="10506456" cy="2057400"/>
+          </a:xfrm>
+        </p:spPr>
+        <p:txBody>
+          <a:bodyPr anchor="b">
+            <a:normAutofit/>
+          </a:bodyPr>
+          <a:lstStyle/>
+          <a:p>
+            <a:r>
+              <a:rPr lang="en-US" sz="5000">
+                <a:solidFill>
+                  <a:schemeClr val="bg1"/>
+                </a:solidFill>
+                <a:cs typeface="Calibri Light"/>
+              </a:rPr>
+              <a:t>Выводы</a:t>
+            </a:r>
+            <a:endParaRPr lang="en-US" sz="5000">
+              <a:solidFill>
+                <a:schemeClr val="bg1"/>
+              </a:solidFill>
+            </a:endParaRPr>
+          </a:p>
+        </p:txBody>
+      </p:sp>
+      <p:sp>
+        <p:nvSpPr>
+          <p:cNvPr id="20" name="Rectangle 19">
+            <a:extLst>
+              <a:ext uri="{FF2B5EF4-FFF2-40B4-BE49-F238E27FC236}">
+                <a16:creationId xmlns:a16="http://schemas.microsoft.com/office/drawing/2014/main" id="{AF2F604E-43BE-4DC3-B983-E071523364F8}"/>
+              </a:ext>
+              <a:ext uri="{C183D7F6-B498-43B3-948B-1728B52AA6E4}">
+                <adec:decorative xmlns:adec="http://schemas.microsoft.com/office/drawing/2017/decorative" val="1"/>
+              </a:ext>
+            </a:extLst>
+          </p:cNvPr>
+          <p:cNvSpPr>
+            <a:spLocks noGrp="1" noRot="1" noChangeAspect="1" noMove="1" noResize="1" noEditPoints="1" noAdjustHandles="1" noChangeArrowheads="1" noChangeShapeType="1" noTextEdit="1"/>
+          </p:cNvSpPr>
+          <p:nvPr>
+            <p:extLst>
+              <p:ext uri="{386F3935-93C4-4BCD-93E2-E3B085C9AB24}">
+                <p16:designElem xmlns:p16="http://schemas.microsoft.com/office/powerpoint/2015/main" val="1"/>
+              </p:ext>
+            </p:extLst>
+          </p:nvPr>
+        </p:nvSpPr>
+        <p:spPr>
+          <a:xfrm rot="5400000">
+            <a:off x="1120140" y="346791"/>
+            <a:ext cx="146304" cy="704088"/>
+          </a:xfrm>
+          <a:prstGeom prst="rect">
+            <a:avLst/>
+          </a:prstGeom>
+          <a:solidFill>
+            <a:schemeClr val="accent2"/>
+          </a:solidFill>
+          <a:ln>
+            <a:noFill/>
+          </a:ln>
+        </p:spPr>
+        <p:style>
+          <a:lnRef idx="2">
+            <a:schemeClr val="accent1">
+              <a:shade val="50000"/>
+            </a:schemeClr>
+          </a:lnRef>
+          <a:fillRef idx="1">
+            <a:schemeClr val="accent1"/>
+          </a:fillRef>
+          <a:effectRef idx="0">
+            <a:schemeClr val="accent1"/>
+          </a:effectRef>
+          <a:fontRef idx="minor">
+            <a:schemeClr val="lt1"/>
+          </a:fontRef>
+        </p:style>
+        <p:txBody>
+          <a:bodyPr rtlCol="0" anchor="ctr"/>
+          <a:lstStyle/>
+          <a:p>
+            <a:pPr algn="ctr"/>
+            <a:endParaRPr lang="en-US">
+              <a:solidFill>
+                <a:prstClr val="white"/>
+              </a:solidFill>
+              <a:latin typeface="Calibri" panose="020F0502020204030204"/>
+            </a:endParaRPr>
+          </a:p>
+        </p:txBody>
+      </p:sp>
+      <p:sp>
+        <p:nvSpPr>
+          <p:cNvPr id="18" name="Rectangle 17">
+            <a:extLst>
+              <a:ext uri="{FF2B5EF4-FFF2-40B4-BE49-F238E27FC236}">
+                <a16:creationId xmlns:a16="http://schemas.microsoft.com/office/drawing/2014/main" id="{08C9B587-E65E-4B52-B37C-ABEBB6E87928}"/>
+              </a:ext>
+              <a:ext uri="{C183D7F6-B498-43B3-948B-1728B52AA6E4}">
+                <adec:decorative xmlns:adec="http://schemas.microsoft.com/office/drawing/2017/decorative" val="1"/>
+              </a:ext>
+            </a:extLst>
+          </p:cNvPr>
+          <p:cNvSpPr>
+            <a:spLocks noGrp="1" noRot="1" noChangeAspect="1" noMove="1" noResize="1" noEditPoints="1" noAdjustHandles="1" noChangeArrowheads="1" noChangeShapeType="1" noTextEdit="1"/>
+          </p:cNvSpPr>
+          <p:nvPr>
+            <p:extLst>
+              <p:ext uri="{386F3935-93C4-4BCD-93E2-E3B085C9AB24}">
+                <p16:designElem xmlns:p16="http://schemas.microsoft.com/office/powerpoint/2015/main" val="1"/>
+              </p:ext>
+            </p:extLst>
+          </p:nvPr>
+        </p:nvSpPr>
+        <p:spPr>
+          <a:xfrm>
+            <a:off x="841248" y="3241202"/>
+            <a:ext cx="10506456" cy="18288"/>
+          </a:xfrm>
+          <a:prstGeom prst="rect">
+            <a:avLst/>
+          </a:prstGeom>
+          <a:solidFill>
+            <a:schemeClr val="bg1"/>
+          </a:solidFill>
+          <a:ln w="3175">
+            <a:noFill/>
+          </a:ln>
+          <a:effectLst/>
+        </p:spPr>
+        <p:style>
+          <a:lnRef idx="2">
+            <a:schemeClr val="accent1">
+              <a:shade val="50000"/>
+            </a:schemeClr>
+          </a:lnRef>
+          <a:fillRef idx="1">
+            <a:schemeClr val="accent1"/>
+          </a:fillRef>
+          <a:effectRef idx="0">
+            <a:schemeClr val="accent1"/>
+          </a:effectRef>
+          <a:fontRef idx="minor">
+            <a:schemeClr val="lt1"/>
+          </a:fontRef>
+        </p:style>
+        <p:txBody>
+          <a:bodyPr rtlCol="0" anchor="ctr"/>
+          <a:lstStyle/>
+          <a:p>
+            <a:pPr marL="0" marR="0" lvl="0" indent="0" algn="ctr" defTabSz="914400" rtl="0" eaLnBrk="1" fontAlgn="auto" latinLnBrk="0" hangingPunct="1">
+              <a:lnSpc>
+                <a:spcPct val="100000"/>
+              </a:lnSpc>
+              <a:spcBef>
+                <a:spcPts val="0"/>
+              </a:spcBef>
+              <a:spcAft>
+                <a:spcPts val="0"/>
+              </a:spcAft>
+              <a:buClrTx/>
+              <a:buSzTx/>
+              <a:buFontTx/>
+              <a:buNone/>
+              <a:tabLst/>
+              <a:defRPr/>
+            </a:pPr>
+            <a:endParaRPr kumimoji="0" lang="en-US" sz="1800" b="0" i="0" u="none" strike="noStrike" kern="1200" cap="none" spc="0" normalizeH="0" baseline="0" noProof="0">
+              <a:ln>
+                <a:noFill/>
+              </a:ln>
+              <a:solidFill>
+                <a:prstClr val="white"/>
+              </a:solidFill>
+              <a:effectLst/>
+              <a:uLnTx/>
+              <a:uFillTx/>
+              <a:latin typeface="Calibri" panose="020F0502020204030204"/>
+              <a:ea typeface="+mn-ea"/>
+              <a:cs typeface="+mn-cs"/>
+            </a:endParaRPr>
+          </a:p>
+        </p:txBody>
+      </p:sp>
+      <p:sp>
+        <p:nvSpPr>
+          <p:cNvPr id="3" name="Content Placeholder 2">
+            <a:extLst>
+              <a:ext uri="{FF2B5EF4-FFF2-40B4-BE49-F238E27FC236}">
+                <a16:creationId xmlns:a16="http://schemas.microsoft.com/office/drawing/2014/main" id="{0EBA48F5-4D78-83FA-E3C9-E24622E3EC93}"/>
+              </a:ext>
+            </a:extLst>
+          </p:cNvPr>
+          <p:cNvSpPr>
+            <a:spLocks noGrp="1"/>
+          </p:cNvSpPr>
+          <p:nvPr>
+            <p:ph idx="1"/>
+          </p:nvPr>
+        </p:nvSpPr>
+        <p:spPr>
+          <a:xfrm>
+            <a:off x="841248" y="3502152"/>
+            <a:ext cx="10506456" cy="2670048"/>
+          </a:xfrm>
+        </p:spPr>
+        <p:txBody>
+          <a:bodyPr vert="horz" lIns="91440" tIns="45720" rIns="91440" bIns="45720" rtlCol="0">
+            <a:normAutofit/>
+          </a:bodyPr>
+          <a:lstStyle/>
+          <a:p>
+            <a:pPr marL="0" indent="0">
+              <a:buNone/>
+            </a:pPr>
+            <a:r>
+              <a:rPr lang="en-US" sz="2000" dirty="0" err="1">
+                <a:solidFill>
+                  <a:schemeClr val="bg1"/>
+                </a:solidFill>
+                <a:cs typeface="Calibri"/>
+              </a:rPr>
+              <a:t>EventEase</a:t>
+            </a:r>
+            <a:r>
+              <a:rPr lang="en-US" sz="2000" dirty="0">
+                <a:solidFill>
+                  <a:schemeClr val="bg1"/>
+                </a:solidFill>
+                <a:cs typeface="Calibri"/>
+              </a:rPr>
+              <a:t> - </a:t>
+            </a:r>
+            <a:r>
+              <a:rPr lang="en-US" sz="2000" dirty="0" err="1">
+                <a:solidFill>
+                  <a:schemeClr val="bg1"/>
+                </a:solidFill>
+                <a:cs typeface="Calibri"/>
+              </a:rPr>
+              <a:t>это</a:t>
+            </a:r>
+            <a:r>
+              <a:rPr lang="en-US" sz="2000" dirty="0">
+                <a:solidFill>
+                  <a:schemeClr val="bg1"/>
+                </a:solidFill>
+                <a:cs typeface="Calibri"/>
+              </a:rPr>
+              <a:t> </a:t>
+            </a:r>
+            <a:r>
+              <a:rPr lang="en-US" sz="2000" dirty="0" err="1">
+                <a:solidFill>
+                  <a:schemeClr val="bg1"/>
+                </a:solidFill>
+                <a:cs typeface="Calibri"/>
+              </a:rPr>
+              <a:t>уникальный</a:t>
+            </a:r>
+            <a:r>
+              <a:rPr lang="en-US" sz="2000" dirty="0">
+                <a:solidFill>
+                  <a:schemeClr val="bg1"/>
+                </a:solidFill>
+                <a:cs typeface="Calibri"/>
+              </a:rPr>
+              <a:t> </a:t>
+            </a:r>
+            <a:r>
+              <a:rPr lang="en-US" sz="2000" dirty="0" err="1">
+                <a:solidFill>
+                  <a:schemeClr val="bg1"/>
+                </a:solidFill>
+                <a:cs typeface="Calibri"/>
+              </a:rPr>
+              <a:t>сервис</a:t>
+            </a:r>
+            <a:r>
+              <a:rPr lang="en-US" sz="2000" dirty="0">
+                <a:solidFill>
+                  <a:schemeClr val="bg1"/>
+                </a:solidFill>
+                <a:cs typeface="Calibri"/>
+              </a:rPr>
+              <a:t>, </a:t>
+            </a:r>
+            <a:r>
+              <a:rPr lang="en-US" sz="2000" dirty="0" err="1">
+                <a:solidFill>
+                  <a:schemeClr val="bg1"/>
+                </a:solidFill>
+                <a:ea typeface="+mn-lt"/>
+                <a:cs typeface="+mn-lt"/>
+              </a:rPr>
+              <a:t>который</a:t>
+            </a:r>
+            <a:r>
+              <a:rPr lang="en-US" sz="2000" dirty="0">
+                <a:solidFill>
+                  <a:schemeClr val="bg1"/>
+                </a:solidFill>
+                <a:ea typeface="+mn-lt"/>
+                <a:cs typeface="+mn-lt"/>
+              </a:rPr>
+              <a:t> </a:t>
+            </a:r>
+            <a:r>
+              <a:rPr lang="en-US" sz="2000" dirty="0" err="1">
+                <a:solidFill>
+                  <a:schemeClr val="bg1"/>
+                </a:solidFill>
+                <a:ea typeface="+mn-lt"/>
+                <a:cs typeface="+mn-lt"/>
+              </a:rPr>
+              <a:t>позволяет</a:t>
+            </a:r>
+            <a:r>
+              <a:rPr lang="en-US" sz="2000" dirty="0">
+                <a:solidFill>
+                  <a:schemeClr val="bg1"/>
+                </a:solidFill>
+                <a:ea typeface="+mn-lt"/>
+                <a:cs typeface="+mn-lt"/>
+              </a:rPr>
+              <a:t> </a:t>
+            </a:r>
+            <a:r>
+              <a:rPr lang="en-US" sz="2000" dirty="0" err="1">
+                <a:solidFill>
+                  <a:schemeClr val="bg1"/>
+                </a:solidFill>
+                <a:ea typeface="+mn-lt"/>
+                <a:cs typeface="+mn-lt"/>
+              </a:rPr>
+              <a:t>создавать</a:t>
+            </a:r>
+            <a:r>
+              <a:rPr lang="en-US" sz="2000" dirty="0">
+                <a:solidFill>
+                  <a:schemeClr val="bg1"/>
+                </a:solidFill>
+                <a:ea typeface="+mn-lt"/>
+                <a:cs typeface="+mn-lt"/>
+              </a:rPr>
+              <a:t> </a:t>
+            </a:r>
+            <a:r>
+              <a:rPr lang="en-US" sz="2000" dirty="0" err="1">
+                <a:solidFill>
+                  <a:schemeClr val="bg1"/>
+                </a:solidFill>
+                <a:ea typeface="+mn-lt"/>
+                <a:cs typeface="+mn-lt"/>
+              </a:rPr>
+              <a:t>персонализированные</a:t>
+            </a:r>
+            <a:r>
+              <a:rPr lang="en-US" sz="2000" dirty="0">
+                <a:solidFill>
+                  <a:schemeClr val="bg1"/>
+                </a:solidFill>
+                <a:ea typeface="+mn-lt"/>
+                <a:cs typeface="+mn-lt"/>
+              </a:rPr>
+              <a:t> </a:t>
+            </a:r>
+            <a:r>
+              <a:rPr lang="en-US" sz="2000" dirty="0" err="1">
+                <a:solidFill>
+                  <a:schemeClr val="bg1"/>
+                </a:solidFill>
+                <a:ea typeface="+mn-lt"/>
+                <a:cs typeface="+mn-lt"/>
+              </a:rPr>
+              <a:t>приглашения</a:t>
+            </a:r>
+            <a:r>
+              <a:rPr lang="en-US" sz="2000" dirty="0">
+                <a:solidFill>
+                  <a:schemeClr val="bg1"/>
+                </a:solidFill>
+                <a:ea typeface="+mn-lt"/>
+                <a:cs typeface="+mn-lt"/>
+              </a:rPr>
+              <a:t> </a:t>
+            </a:r>
+            <a:r>
+              <a:rPr lang="en-US" sz="2000" dirty="0" err="1">
+                <a:solidFill>
+                  <a:schemeClr val="bg1"/>
+                </a:solidFill>
+                <a:ea typeface="+mn-lt"/>
+                <a:cs typeface="+mn-lt"/>
+              </a:rPr>
+              <a:t>на</a:t>
+            </a:r>
+            <a:r>
+              <a:rPr lang="en-US" sz="2000" dirty="0">
+                <a:solidFill>
+                  <a:schemeClr val="bg1"/>
+                </a:solidFill>
+                <a:ea typeface="+mn-lt"/>
+                <a:cs typeface="+mn-lt"/>
+              </a:rPr>
+              <a:t> </a:t>
+            </a:r>
+            <a:r>
+              <a:rPr lang="en-US" sz="2000" dirty="0" err="1">
+                <a:solidFill>
+                  <a:schemeClr val="bg1"/>
+                </a:solidFill>
+                <a:ea typeface="+mn-lt"/>
+                <a:cs typeface="+mn-lt"/>
+              </a:rPr>
+              <a:t>мероприятия</a:t>
+            </a:r>
+            <a:r>
+              <a:rPr lang="en-US" sz="2000" dirty="0">
+                <a:solidFill>
+                  <a:schemeClr val="bg1"/>
+                </a:solidFill>
+                <a:ea typeface="+mn-lt"/>
+                <a:cs typeface="+mn-lt"/>
+              </a:rPr>
+              <a:t> с </a:t>
+            </a:r>
+            <a:r>
+              <a:rPr lang="en-US" sz="2000" dirty="0" err="1">
+                <a:solidFill>
+                  <a:schemeClr val="bg1"/>
+                </a:solidFill>
+                <a:ea typeface="+mn-lt"/>
+                <a:cs typeface="+mn-lt"/>
+              </a:rPr>
+              <a:t>указанием</a:t>
+            </a:r>
+            <a:r>
+              <a:rPr lang="en-US" sz="2000" dirty="0">
+                <a:solidFill>
+                  <a:schemeClr val="bg1"/>
+                </a:solidFill>
+                <a:ea typeface="+mn-lt"/>
+                <a:cs typeface="+mn-lt"/>
+              </a:rPr>
+              <a:t> </a:t>
+            </a:r>
+            <a:r>
+              <a:rPr lang="en-US" sz="2000" dirty="0" err="1">
+                <a:solidFill>
+                  <a:schemeClr val="bg1"/>
+                </a:solidFill>
+                <a:ea typeface="+mn-lt"/>
+                <a:cs typeface="+mn-lt"/>
+              </a:rPr>
+              <a:t>списка</a:t>
+            </a:r>
+            <a:r>
+              <a:rPr lang="en-US" sz="2000" dirty="0">
+                <a:solidFill>
+                  <a:schemeClr val="bg1"/>
+                </a:solidFill>
+                <a:ea typeface="+mn-lt"/>
+                <a:cs typeface="+mn-lt"/>
+              </a:rPr>
+              <a:t> </a:t>
+            </a:r>
+            <a:r>
+              <a:rPr lang="en-US" sz="2000" dirty="0" err="1">
+                <a:solidFill>
+                  <a:schemeClr val="bg1"/>
+                </a:solidFill>
+                <a:ea typeface="+mn-lt"/>
+                <a:cs typeface="+mn-lt"/>
+              </a:rPr>
+              <a:t>гостей</a:t>
+            </a:r>
+            <a:r>
+              <a:rPr lang="en-US" sz="2000" dirty="0">
+                <a:solidFill>
+                  <a:schemeClr val="bg1"/>
+                </a:solidFill>
+                <a:ea typeface="+mn-lt"/>
+                <a:cs typeface="+mn-lt"/>
+              </a:rPr>
+              <a:t>, </a:t>
+            </a:r>
+            <a:r>
+              <a:rPr lang="en-US" sz="2000" dirty="0" err="1">
+                <a:solidFill>
+                  <a:schemeClr val="bg1"/>
+                </a:solidFill>
+                <a:ea typeface="+mn-lt"/>
+                <a:cs typeface="+mn-lt"/>
+              </a:rPr>
+              <a:t>места</a:t>
+            </a:r>
+            <a:r>
+              <a:rPr lang="en-US" sz="2000" dirty="0">
+                <a:solidFill>
+                  <a:schemeClr val="bg1"/>
+                </a:solidFill>
+                <a:ea typeface="+mn-lt"/>
+                <a:cs typeface="+mn-lt"/>
+              </a:rPr>
+              <a:t> </a:t>
+            </a:r>
+            <a:r>
+              <a:rPr lang="en-US" sz="2000" dirty="0" err="1">
+                <a:solidFill>
+                  <a:schemeClr val="bg1"/>
+                </a:solidFill>
+                <a:ea typeface="+mn-lt"/>
+                <a:cs typeface="+mn-lt"/>
+              </a:rPr>
+              <a:t>проведения</a:t>
+            </a:r>
+            <a:r>
+              <a:rPr lang="en-US" sz="2000" dirty="0">
+                <a:solidFill>
+                  <a:schemeClr val="bg1"/>
+                </a:solidFill>
+                <a:ea typeface="+mn-lt"/>
+                <a:cs typeface="+mn-lt"/>
+              </a:rPr>
+              <a:t> и </a:t>
+            </a:r>
+            <a:r>
+              <a:rPr lang="en-US" sz="2000" dirty="0" err="1">
+                <a:solidFill>
+                  <a:schemeClr val="bg1"/>
+                </a:solidFill>
+                <a:ea typeface="+mn-lt"/>
+                <a:cs typeface="+mn-lt"/>
+              </a:rPr>
+              <a:t>других</a:t>
+            </a:r>
+            <a:r>
+              <a:rPr lang="en-US" sz="2000" dirty="0">
+                <a:solidFill>
+                  <a:schemeClr val="bg1"/>
+                </a:solidFill>
+                <a:ea typeface="+mn-lt"/>
+                <a:cs typeface="+mn-lt"/>
+              </a:rPr>
+              <a:t> </a:t>
+            </a:r>
+            <a:r>
+              <a:rPr lang="en-US" sz="2000" dirty="0" err="1">
+                <a:solidFill>
+                  <a:schemeClr val="bg1"/>
+                </a:solidFill>
+                <a:ea typeface="+mn-lt"/>
+                <a:cs typeface="+mn-lt"/>
+              </a:rPr>
+              <a:t>необходимых</a:t>
+            </a:r>
+            <a:r>
+              <a:rPr lang="en-US" sz="2000" dirty="0">
+                <a:solidFill>
+                  <a:schemeClr val="bg1"/>
+                </a:solidFill>
+                <a:ea typeface="+mn-lt"/>
+                <a:cs typeface="+mn-lt"/>
+              </a:rPr>
+              <a:t> </a:t>
+            </a:r>
+            <a:r>
+              <a:rPr lang="en-US" sz="2000" dirty="0" err="1">
+                <a:solidFill>
+                  <a:schemeClr val="bg1"/>
+                </a:solidFill>
+                <a:ea typeface="+mn-lt"/>
+                <a:cs typeface="+mn-lt"/>
+              </a:rPr>
+              <a:t>деталей</a:t>
+            </a:r>
+            <a:r>
+              <a:rPr lang="en-US" sz="2000" dirty="0">
+                <a:solidFill>
+                  <a:schemeClr val="bg1"/>
+                </a:solidFill>
+                <a:ea typeface="+mn-lt"/>
+                <a:cs typeface="+mn-lt"/>
+              </a:rPr>
+              <a:t>. </a:t>
+            </a:r>
+          </a:p>
+          <a:p>
+            <a:pPr marL="0" indent="0">
+              <a:buNone/>
+            </a:pPr>
+            <a:endParaRPr lang="en-US" sz="2000">
+              <a:solidFill>
+                <a:schemeClr val="bg1"/>
+              </a:solidFill>
+              <a:ea typeface="+mn-lt"/>
+              <a:cs typeface="+mn-lt"/>
+            </a:endParaRPr>
+          </a:p>
+          <a:p>
+            <a:pPr marL="0" indent="0">
+              <a:buNone/>
+            </a:pPr>
+            <a:r>
+              <a:rPr lang="en-US" sz="2000">
+                <a:solidFill>
+                  <a:schemeClr val="bg1"/>
+                </a:solidFill>
+                <a:ea typeface="+mn-lt"/>
+                <a:cs typeface="+mn-lt"/>
+              </a:rPr>
+              <a:t>Уникальность сервиса заключается в возможности привязывать приглашения к каждому гостю с помощью QR-кода, которые используются при проходе на мероприятие. Это делает принятие гостей более организованным и удобным, обеспечивая безопасность и контроль посещения.</a:t>
+            </a:r>
+            <a:endParaRPr lang="en-US" sz="2000">
+              <a:solidFill>
+                <a:schemeClr val="bg1"/>
+              </a:solidFill>
+              <a:cs typeface="Calibri"/>
+            </a:endParaRPr>
+          </a:p>
+        </p:txBody>
+      </p:sp>
+    </p:spTree>
+    <p:extLst>
+      <p:ext uri="{BB962C8B-B14F-4D97-AF65-F5344CB8AC3E}">
+        <p14:creationId xmlns:p14="http://schemas.microsoft.com/office/powerpoint/2010/main" val="923329488"/>
+      </p:ext>
+    </p:extLst>
+  </p:cSld>
+  <p:clrMapOvr>
+    <a:overrideClrMapping bg1="lt1" tx1="dk1" bg2="lt2" tx2="dk2" accent1="accent1" accent2="accent2" accent3="accent3" accent4="accent4" accent5="accent5" accent6="accent6" hlink="hlink" folHlink="folHlink"/>
+  </p:clrMapOvr>
+</p:sld>
+</file>
+
+<file path=ppt/slides/slide2.xml><?xml version="1.0" encoding="utf-8"?>
 <p:sld xmlns:a="http://schemas.openxmlformats.org/drawingml/2006/main" xmlns:r="http://schemas.openxmlformats.org/officeDocument/2006/relationships" xmlns:p="http://schemas.openxmlformats.org/presentationml/2006/main">
   <p:cSld>
     <p:bg>
@@ -4634,7 +5508,7 @@
       </p:grpSpPr>
       <p:sp useBgFill="1">
         <p:nvSpPr>
-          <p:cNvPr id="16" name="Rectangle 15">
+          <p:cNvPr id="58" name="Rectangle 57">
             <a:extLst>
               <a:ext uri="{FF2B5EF4-FFF2-40B4-BE49-F238E27FC236}">
                 <a16:creationId xmlns:a16="http://schemas.microsoft.com/office/drawing/2014/main" id="{8FC9BE17-9A7B-462D-AE50-3D8777387304}"/>
@@ -4710,7 +5584,7 @@
         </p:nvPicPr>
         <p:blipFill rotWithShape="1">
           <a:blip r:embed="rId2"/>
-          <a:srcRect l="17163" t="6484" r="16346" b="-1"/>
+          <a:srcRect l="21786" t="9091" r="13578"/>
           <a:stretch/>
         </p:blipFill>
         <p:spPr>
@@ -4725,7 +5599,7 @@
       </p:pic>
       <p:sp>
         <p:nvSpPr>
-          <p:cNvPr id="18" name="Rectangle 17">
+          <p:cNvPr id="60" name="Rectangle 59">
             <a:extLst>
               <a:ext uri="{FF2B5EF4-FFF2-40B4-BE49-F238E27FC236}">
                 <a16:creationId xmlns:a16="http://schemas.microsoft.com/office/drawing/2014/main" id="{3EBE8569-6AEC-4B8C-8D53-2DE337CDBA65}"/>
@@ -4827,8 +5701,8 @@
         </p:nvSpPr>
         <p:spPr>
           <a:xfrm>
-            <a:off x="371094" y="880551"/>
-            <a:ext cx="3869276" cy="1565869"/>
+            <a:off x="371094" y="1321709"/>
+            <a:ext cx="3438144" cy="1124712"/>
           </a:xfrm>
         </p:spPr>
         <p:txBody>
@@ -4838,27 +5712,13 @@
           <a:lstStyle/>
           <a:p>
             <a:r>
-              <a:rPr lang="en-US" sz="4000" b="1" dirty="0" err="1">
+              <a:rPr lang="en-US" sz="4000" b="1" err="1">
                 <a:latin typeface="Calibri"/>
                 <a:cs typeface="Calibri"/>
               </a:rPr>
-              <a:t>Предлагаемое</a:t>
-            </a:r>
-            <a:r>
-              <a:rPr lang="en-US" sz="4000" b="1" dirty="0">
-                <a:latin typeface="Calibri"/>
-                <a:cs typeface="Calibri"/>
-              </a:rPr>
-              <a:t> </a:t>
-            </a:r>
-            <a:r>
-              <a:rPr lang="en-US" sz="4000" b="1" dirty="0" err="1">
-                <a:latin typeface="Calibri"/>
-                <a:cs typeface="Calibri"/>
-              </a:rPr>
-              <a:t>решение</a:t>
-            </a:r>
-            <a:endParaRPr lang="en-US" sz="4000" b="1" dirty="0">
+              <a:t>Проблема</a:t>
+            </a:r>
+            <a:endParaRPr lang="en-US" sz="4000" b="1">
               <a:latin typeface="Calibri"/>
               <a:cs typeface="Calibri"/>
             </a:endParaRPr>
@@ -4867,7 +5727,7 @@
       </p:sp>
       <p:sp>
         <p:nvSpPr>
-          <p:cNvPr id="20" name="Rectangle 19">
+          <p:cNvPr id="62" name="Rectangle 61">
             <a:extLst>
               <a:ext uri="{FF2B5EF4-FFF2-40B4-BE49-F238E27FC236}">
                 <a16:creationId xmlns:a16="http://schemas.microsoft.com/office/drawing/2014/main" id="{55D4142C-5077-457F-A6AD-3FECFDB39685}"/>
@@ -4935,7 +5795,7 @@
       </p:sp>
       <p:sp>
         <p:nvSpPr>
-          <p:cNvPr id="22" name="Rectangle 21">
+          <p:cNvPr id="64" name="Rectangle 63">
             <a:extLst>
               <a:ext uri="{FF2B5EF4-FFF2-40B4-BE49-F238E27FC236}">
                 <a16:creationId xmlns:a16="http://schemas.microsoft.com/office/drawing/2014/main" id="{7A5F0580-5EE9-419F-96EE-B6529EF6E7D0}"/>
@@ -5030,10 +5890,10 @@
       </p:sp>
       <p:sp>
         <p:nvSpPr>
-          <p:cNvPr id="3" name="TextBox 2">
+          <p:cNvPr id="5" name="TextBox 4">
             <a:extLst>
               <a:ext uri="{FF2B5EF4-FFF2-40B4-BE49-F238E27FC236}">
-                <a16:creationId xmlns:a16="http://schemas.microsoft.com/office/drawing/2014/main" id="{C8ADB20B-8CDE-024D-3934-56C9E126D1A3}"/>
+                <a16:creationId xmlns:a16="http://schemas.microsoft.com/office/drawing/2014/main" id="{08EE4473-78A3-EB71-CEA2-1B9618CEB327}"/>
               </a:ext>
             </a:extLst>
           </p:cNvPr>
@@ -5043,7 +5903,7 @@
         <p:spPr>
           <a:xfrm>
             <a:off x="371094" y="2718054"/>
-            <a:ext cx="5404063" cy="3207258"/>
+            <a:ext cx="3438906" cy="3207258"/>
           </a:xfrm>
           <a:prstGeom prst="rect">
             <a:avLst/>
@@ -5058,292 +5918,336 @@
           </a:bodyPr>
           <a:lstStyle/>
           <a:p>
-            <a:pPr indent="-228600">
+            <a:pPr>
               <a:lnSpc>
                 <a:spcPct val="90000"/>
               </a:lnSpc>
-              <a:spcAft>
-                <a:spcPts val="600"/>
-              </a:spcAft>
-              <a:buFont typeface="Arial" panose="020B0604020202020204" pitchFamily="34" charset="0"/>
-              <a:buChar char="•"/>
+              <a:spcBef>
+                <a:spcPts val="1000"/>
+              </a:spcBef>
             </a:pPr>
             <a:r>
-              <a:rPr lang="en-US" sz="1600" dirty="0" err="1"/>
-              <a:t>EventEase</a:t>
-            </a:r>
-            <a:r>
-              <a:rPr lang="en-US" sz="1600" dirty="0"/>
-              <a:t> - </a:t>
-            </a:r>
-            <a:r>
-              <a:rPr lang="en-US" sz="1600" dirty="0" err="1"/>
-              <a:t>это</a:t>
-            </a:r>
-            <a:r>
-              <a:rPr lang="en-US" sz="1600" dirty="0"/>
+              <a:rPr lang="en-US" sz="1700" err="1">
+                <a:cs typeface="Calibri"/>
+              </a:rPr>
+              <a:t>Многие</a:t>
+            </a:r>
+            <a:r>
+              <a:rPr lang="en-US" sz="1700" dirty="0">
+                <a:cs typeface="Calibri"/>
+              </a:rPr>
               <a:t> </a:t>
             </a:r>
             <a:r>
-              <a:rPr lang="en-US" sz="1600" dirty="0" err="1"/>
-              <a:t>веб-сайт</a:t>
-            </a:r>
-            <a:r>
-              <a:rPr lang="en-US" sz="1600" dirty="0"/>
+              <a:rPr lang="en-US" sz="1700" err="1">
+                <a:cs typeface="Calibri"/>
+              </a:rPr>
+              <a:t>люди</a:t>
+            </a:r>
+            <a:r>
+              <a:rPr lang="en-US" sz="1700" dirty="0">
+                <a:cs typeface="Calibri"/>
+              </a:rPr>
+              <a:t> </a:t>
+            </a:r>
+            <a:r>
+              <a:rPr lang="en-US" sz="1700" err="1">
+                <a:cs typeface="Calibri"/>
+              </a:rPr>
+              <a:t>сталкиваются</a:t>
+            </a:r>
+            <a:r>
+              <a:rPr lang="en-US" sz="1700" dirty="0">
+                <a:cs typeface="Calibri"/>
+              </a:rPr>
+              <a:t> с </a:t>
+            </a:r>
+            <a:r>
+              <a:rPr lang="en-US" sz="1700" err="1">
+                <a:cs typeface="Calibri"/>
+              </a:rPr>
+              <a:t>тем</a:t>
+            </a:r>
+            <a:r>
+              <a:rPr lang="en-US" sz="1700" dirty="0">
+                <a:cs typeface="Calibri"/>
+              </a:rPr>
               <a:t>, </a:t>
             </a:r>
             <a:r>
-              <a:rPr lang="en-US" sz="1600" dirty="0" err="1"/>
-              <a:t>позволяющий</a:t>
-            </a:r>
-            <a:r>
-              <a:rPr lang="en-US" sz="1600" dirty="0"/>
+              <a:rPr lang="en-US" sz="1700" err="1">
+                <a:cs typeface="Calibri"/>
+              </a:rPr>
+              <a:t>что</a:t>
+            </a:r>
+            <a:r>
+              <a:rPr lang="en-US" sz="1700" dirty="0">
+                <a:cs typeface="Calibri"/>
+              </a:rPr>
               <a:t> </a:t>
             </a:r>
             <a:r>
-              <a:rPr lang="en-US" sz="1600" dirty="0" err="1"/>
-              <a:t>зарегестрированным</a:t>
-            </a:r>
-            <a:r>
-              <a:rPr lang="en-US" sz="1600" dirty="0"/>
-              <a:t> и </a:t>
-            </a:r>
-            <a:r>
-              <a:rPr lang="en-US" sz="1600" dirty="0" err="1"/>
-              <a:t>незарегестрированным</a:t>
-            </a:r>
-            <a:r>
-              <a:rPr lang="en-US" sz="1600" dirty="0"/>
+              <a:rPr lang="en-US" sz="1700" err="1">
+                <a:cs typeface="Calibri"/>
+              </a:rPr>
+              <a:t>им</a:t>
+            </a:r>
+            <a:r>
+              <a:rPr lang="en-US" sz="1700" dirty="0">
+                <a:cs typeface="Calibri"/>
+              </a:rPr>
               <a:t> </a:t>
             </a:r>
             <a:r>
-              <a:rPr lang="en-US" sz="1600" dirty="0" err="1"/>
-              <a:t>пользователям</a:t>
-            </a:r>
-            <a:r>
-              <a:rPr lang="en-US" sz="1600" dirty="0"/>
+              <a:rPr lang="en-US" sz="1700" err="1">
+                <a:cs typeface="Calibri"/>
+              </a:rPr>
+              <a:t>нужно</a:t>
+            </a:r>
+            <a:r>
+              <a:rPr lang="en-US" sz="1700" dirty="0">
+                <a:cs typeface="Calibri"/>
+              </a:rPr>
               <a:t> </a:t>
             </a:r>
             <a:r>
-              <a:rPr lang="en-US" sz="1600" dirty="0" err="1"/>
-              <a:t>быстро</a:t>
-            </a:r>
-            <a:r>
-              <a:rPr lang="en-US" sz="1600" dirty="0"/>
+              <a:rPr lang="en-US" sz="1700" err="1">
+                <a:cs typeface="Calibri"/>
+              </a:rPr>
+              <a:t>организовать</a:t>
+            </a:r>
+            <a:r>
+              <a:rPr lang="en-US" sz="1700" dirty="0">
+                <a:cs typeface="Calibri"/>
+              </a:rPr>
               <a:t> </a:t>
             </a:r>
             <a:r>
-              <a:rPr lang="en-US" sz="1600" dirty="0" err="1"/>
-              <a:t>создавать</a:t>
-            </a:r>
-            <a:r>
-              <a:rPr lang="en-US" sz="1600" dirty="0"/>
+              <a:rPr lang="en-US" sz="1700" err="1">
+                <a:cs typeface="Calibri"/>
+              </a:rPr>
+              <a:t>какое-либо</a:t>
+            </a:r>
+            <a:r>
+              <a:rPr lang="en-US" sz="1700" dirty="0">
+                <a:cs typeface="Calibri"/>
+              </a:rPr>
               <a:t> </a:t>
             </a:r>
             <a:r>
-              <a:rPr lang="en-US" sz="1600" dirty="0" err="1"/>
-              <a:t>мероприятия</a:t>
-            </a:r>
-            <a:r>
-              <a:rPr lang="en-US" sz="1600" dirty="0"/>
-              <a:t>, </a:t>
-            </a:r>
-            <a:r>
-              <a:rPr lang="en-US" sz="1600" dirty="0" err="1"/>
-              <a:t>приглашение</a:t>
-            </a:r>
-            <a:r>
-              <a:rPr lang="en-US" sz="1600" dirty="0"/>
-              <a:t> к </a:t>
-            </a:r>
-            <a:r>
-              <a:rPr lang="en-US" sz="1600" dirty="0" err="1"/>
-              <a:t>ним</a:t>
-            </a:r>
-            <a:r>
-              <a:rPr lang="en-US" sz="1600" dirty="0"/>
+              <a:rPr lang="en-US" sz="1700" err="1">
+                <a:cs typeface="Calibri"/>
+              </a:rPr>
+              <a:t>мероприятие</a:t>
+            </a:r>
+            <a:r>
+              <a:rPr lang="en-US" sz="1700" dirty="0">
+                <a:cs typeface="Calibri"/>
+              </a:rPr>
               <a:t>, а </a:t>
             </a:r>
             <a:r>
-              <a:rPr lang="en-US" sz="1600" dirty="0" err="1"/>
-              <a:t>также</a:t>
-            </a:r>
-            <a:r>
-              <a:rPr lang="en-US" sz="1600" dirty="0"/>
+              <a:rPr lang="en-US" sz="1700" err="1">
+                <a:cs typeface="Calibri"/>
+              </a:rPr>
+              <a:t>некоторые</a:t>
+            </a:r>
+            <a:r>
+              <a:rPr lang="en-US" sz="1700" dirty="0">
+                <a:cs typeface="Calibri"/>
+              </a:rPr>
               <a:t> </a:t>
             </a:r>
             <a:r>
-              <a:rPr lang="en-US" sz="1600" dirty="0" err="1"/>
-              <a:t>находить</a:t>
-            </a:r>
-            <a:r>
-              <a:rPr lang="en-US" sz="1600" dirty="0"/>
+              <a:rPr lang="en-US" sz="1700" err="1">
+                <a:cs typeface="Calibri"/>
+              </a:rPr>
+              <a:t>даже</a:t>
+            </a:r>
+            <a:r>
+              <a:rPr lang="en-US" sz="1700" dirty="0">
+                <a:cs typeface="Calibri"/>
+              </a:rPr>
               <a:t> </a:t>
             </a:r>
             <a:r>
-              <a:rPr lang="en-US" sz="1600" dirty="0" err="1"/>
-              <a:t>открытые</a:t>
-            </a:r>
-            <a:r>
-              <a:rPr lang="en-US" sz="1600" dirty="0"/>
+              <a:rPr lang="en-US" sz="1700" err="1">
+                <a:cs typeface="Calibri"/>
+              </a:rPr>
+              <a:t>зарабатывают</a:t>
+            </a:r>
+            <a:r>
+              <a:rPr lang="en-US" sz="1700" dirty="0">
+                <a:cs typeface="Calibri"/>
+              </a:rPr>
               <a:t> </a:t>
             </a:r>
             <a:r>
-              <a:rPr lang="en-US" sz="1600" dirty="0" err="1"/>
-              <a:t>мероприятия</a:t>
-            </a:r>
-            <a:r>
-              <a:rPr lang="en-US" sz="1600" dirty="0"/>
-              <a:t> в </a:t>
-            </a:r>
-            <a:r>
-              <a:rPr lang="en-US" sz="1600" dirty="0" err="1"/>
-              <a:t>вашем</a:t>
-            </a:r>
-            <a:r>
-              <a:rPr lang="en-US" sz="1600" dirty="0"/>
+              <a:rPr lang="en-US" sz="1700" err="1">
+                <a:cs typeface="Calibri"/>
+              </a:rPr>
+              <a:t>себе</a:t>
+            </a:r>
+            <a:r>
+              <a:rPr lang="en-US" sz="1700" dirty="0">
+                <a:cs typeface="Calibri"/>
+              </a:rPr>
               <a:t> </a:t>
             </a:r>
             <a:r>
-              <a:rPr lang="en-US" sz="1600" dirty="0" err="1"/>
-              <a:t>городе</a:t>
-            </a:r>
-            <a:r>
-              <a:rPr lang="en-US" sz="1600" dirty="0"/>
+              <a:rPr lang="en-US" sz="1700" err="1">
+                <a:cs typeface="Calibri"/>
+              </a:rPr>
+              <a:t>на</a:t>
+            </a:r>
+            <a:r>
+              <a:rPr lang="en-US" sz="1700" dirty="0">
+                <a:cs typeface="Calibri"/>
+              </a:rPr>
+              <a:t> </a:t>
+            </a:r>
+            <a:r>
+              <a:rPr lang="en-US" sz="1700" err="1">
+                <a:cs typeface="Calibri"/>
+              </a:rPr>
+              <a:t>хлеб</a:t>
+            </a:r>
+            <a:r>
+              <a:rPr lang="en-US" sz="1700" dirty="0">
+                <a:cs typeface="Calibri"/>
+              </a:rPr>
+              <a:t> </a:t>
+            </a:r>
+            <a:r>
+              <a:rPr lang="en-US" sz="1700" err="1">
+                <a:cs typeface="Calibri"/>
+              </a:rPr>
+              <a:t>этим</a:t>
+            </a:r>
+            <a:r>
+              <a:rPr lang="en-US" sz="1700" dirty="0">
+                <a:cs typeface="Calibri"/>
+              </a:rPr>
               <a:t>. </a:t>
             </a:r>
-            <a:br>
-              <a:rPr lang="en-US" sz="1600" dirty="0"/>
-            </a:br>
-            <a:br>
-              <a:rPr lang="en-US" sz="1600" dirty="0"/>
-            </a:br>
-            <a:r>
-              <a:rPr lang="en-US" sz="1600" dirty="0" err="1"/>
-              <a:t>Платформа</a:t>
-            </a:r>
-            <a:r>
-              <a:rPr lang="en-US" sz="1600" dirty="0"/>
+            <a:endParaRPr lang="en-US"/>
+          </a:p>
+          <a:p>
+            <a:pPr>
+              <a:lnSpc>
+                <a:spcPct val="90000"/>
+              </a:lnSpc>
+              <a:spcBef>
+                <a:spcPts val="1000"/>
+              </a:spcBef>
+            </a:pPr>
+            <a:endParaRPr lang="en-US" sz="1700" dirty="0">
+              <a:cs typeface="Calibri"/>
+            </a:endParaRPr>
+          </a:p>
+          <a:p>
+            <a:pPr>
+              <a:lnSpc>
+                <a:spcPct val="90000"/>
+              </a:lnSpc>
+              <a:spcBef>
+                <a:spcPts val="1000"/>
+              </a:spcBef>
+            </a:pPr>
+            <a:r>
+              <a:rPr lang="en-US" sz="1700" dirty="0" err="1">
+                <a:cs typeface="Calibri"/>
+              </a:rPr>
+              <a:t>Данный</a:t>
+            </a:r>
+            <a:r>
+              <a:rPr lang="en-US" sz="1700" dirty="0">
+                <a:cs typeface="Calibri"/>
+              </a:rPr>
               <a:t> </a:t>
             </a:r>
             <a:r>
-              <a:rPr lang="en-US" sz="1600" dirty="0" err="1"/>
-              <a:t>предлагает</a:t>
-            </a:r>
-            <a:r>
-              <a:rPr lang="en-US" sz="1600" dirty="0"/>
+              <a:rPr lang="en-US" sz="1700" dirty="0" err="1">
+                <a:cs typeface="Calibri"/>
+              </a:rPr>
+              <a:t>сервис</a:t>
+            </a:r>
+            <a:r>
+              <a:rPr lang="en-US" sz="1700" dirty="0">
+                <a:cs typeface="Calibri"/>
+              </a:rPr>
               <a:t> </a:t>
             </a:r>
             <a:r>
-              <a:rPr lang="en-US" sz="1600" dirty="0" err="1"/>
-              <a:t>быстрое</a:t>
-            </a:r>
-            <a:r>
-              <a:rPr lang="en-US" sz="1600" dirty="0"/>
-              <a:t> и </a:t>
-            </a:r>
-            <a:r>
-              <a:rPr lang="en-US" sz="1600" dirty="0" err="1"/>
-              <a:t>легкое</a:t>
-            </a:r>
-            <a:r>
-              <a:rPr lang="en-US" sz="1600" dirty="0"/>
+              <a:rPr lang="en-US" sz="1700" dirty="0" err="1">
+                <a:cs typeface="Calibri"/>
+              </a:rPr>
+              <a:t>направлен</a:t>
+            </a:r>
+            <a:r>
+              <a:rPr lang="en-US" sz="1700" dirty="0">
+                <a:cs typeface="Calibri"/>
+              </a:rPr>
+              <a:t> </a:t>
+            </a:r>
+            <a:r>
+              <a:rPr lang="en-US" sz="1700" dirty="0" err="1">
+                <a:cs typeface="Calibri"/>
+              </a:rPr>
+              <a:t>на</a:t>
+            </a:r>
+            <a:r>
+              <a:rPr lang="en-US" sz="1700" dirty="0">
+                <a:cs typeface="Calibri"/>
+              </a:rPr>
+              <a:t> </a:t>
+            </a:r>
+            <a:r>
+              <a:rPr lang="en-US" sz="1700" dirty="0" err="1">
+                <a:cs typeface="Calibri"/>
+              </a:rPr>
+              <a:t>облегчение</a:t>
+            </a:r>
+            <a:r>
+              <a:rPr lang="en-US" sz="1700" dirty="0">
+                <a:cs typeface="Calibri"/>
+              </a:rPr>
               <a:t> </a:t>
             </a:r>
             <a:r>
-              <a:rPr lang="en-US" sz="1600" dirty="0" err="1"/>
-              <a:t>использования</a:t>
-            </a:r>
-            <a:r>
-              <a:rPr lang="en-US" sz="1600" dirty="0"/>
+              <a:rPr lang="en-US" sz="1700" dirty="0" err="1">
+                <a:cs typeface="Calibri"/>
+              </a:rPr>
+              <a:t>процесса</a:t>
+            </a:r>
+            <a:r>
+              <a:rPr lang="en-US" sz="1700" dirty="0">
+                <a:cs typeface="Calibri"/>
+              </a:rPr>
+              <a:t> </a:t>
+            </a:r>
+            <a:r>
+              <a:rPr lang="en-US" sz="1700" dirty="0" err="1">
+                <a:cs typeface="Calibri"/>
+              </a:rPr>
+              <a:t>организации</a:t>
+            </a:r>
+            <a:r>
+              <a:rPr lang="en-US" sz="1700" dirty="0">
+                <a:cs typeface="Calibri"/>
+              </a:rPr>
               <a:t> </a:t>
             </a:r>
             <a:r>
-              <a:rPr lang="en-US" sz="1600" dirty="0" err="1"/>
-              <a:t>интерфейса</a:t>
-            </a:r>
-            <a:r>
-              <a:rPr lang="en-US" sz="1600" dirty="0"/>
-              <a:t>, </a:t>
-            </a:r>
-            <a:r>
-              <a:rPr lang="en-US" sz="1600" dirty="0" err="1"/>
-              <a:t>креативное</a:t>
-            </a:r>
-            <a:r>
-              <a:rPr lang="en-US" sz="1600" dirty="0"/>
-              <a:t> </a:t>
-            </a:r>
-            <a:r>
-              <a:rPr lang="en-US" sz="1600" dirty="0" err="1"/>
-              <a:t>создание</a:t>
-            </a:r>
-            <a:r>
-              <a:rPr lang="en-US" sz="1600" dirty="0"/>
-              <a:t> </a:t>
-            </a:r>
-            <a:r>
-              <a:rPr lang="en-US" sz="1600" dirty="0" err="1"/>
-              <a:t>пригласительных</a:t>
-            </a:r>
-            <a:r>
-              <a:rPr lang="en-US" sz="1600" dirty="0"/>
-              <a:t>,  а </a:t>
-            </a:r>
-            <a:r>
-              <a:rPr lang="en-US" sz="1600" dirty="0" err="1"/>
-              <a:t>также</a:t>
-            </a:r>
-            <a:r>
-              <a:rPr lang="en-US" sz="1600" dirty="0"/>
-              <a:t> </a:t>
-            </a:r>
-            <a:r>
-              <a:rPr lang="en-US" sz="1600" dirty="0" err="1"/>
-              <a:t>работу</a:t>
-            </a:r>
-            <a:r>
-              <a:rPr lang="en-US" sz="1600" dirty="0"/>
-              <a:t> </a:t>
-            </a:r>
-            <a:r>
-              <a:rPr lang="en-US" sz="1600" dirty="0" err="1"/>
-              <a:t>со</a:t>
-            </a:r>
-            <a:r>
-              <a:rPr lang="en-US" sz="1600" dirty="0"/>
-              <a:t> </a:t>
-            </a:r>
-            <a:r>
-              <a:rPr lang="en-US" sz="1600" dirty="0" err="1"/>
-              <a:t>списком</a:t>
-            </a:r>
-            <a:r>
-              <a:rPr lang="en-US" sz="1600" dirty="0"/>
-              <a:t> </a:t>
-            </a:r>
-            <a:r>
-              <a:rPr lang="en-US" sz="1600" dirty="0" err="1"/>
-              <a:t>гостей</a:t>
-            </a:r>
-            <a:r>
-              <a:rPr lang="en-US" sz="1600" dirty="0"/>
-              <a:t> с </a:t>
-            </a:r>
-            <a:r>
-              <a:rPr lang="en-US" sz="1600" dirty="0" err="1"/>
-              <a:t>помощью</a:t>
-            </a:r>
-            <a:r>
-              <a:rPr lang="en-US" sz="1600" dirty="0"/>
-              <a:t> QR-</a:t>
-            </a:r>
-            <a:r>
-              <a:rPr lang="en-US" sz="1600" dirty="0" err="1"/>
-              <a:t>кода</a:t>
-            </a:r>
-            <a:r>
-              <a:rPr lang="en-US" sz="1600" dirty="0"/>
+              <a:rPr lang="en-US" sz="1700" dirty="0" err="1">
+                <a:cs typeface="Calibri"/>
+              </a:rPr>
+              <a:t>мероприятий</a:t>
+            </a:r>
+            <a:r>
+              <a:rPr lang="en-US" sz="1700" dirty="0">
+                <a:cs typeface="Calibri"/>
+              </a:rPr>
               <a:t>.</a:t>
             </a:r>
           </a:p>
@@ -5352,7 +6256,7 @@
     </p:spTree>
     <p:extLst>
       <p:ext uri="{BB962C8B-B14F-4D97-AF65-F5344CB8AC3E}">
-        <p14:creationId xmlns:p14="http://schemas.microsoft.com/office/powerpoint/2010/main" val="4181414363"/>
+        <p14:creationId xmlns:p14="http://schemas.microsoft.com/office/powerpoint/2010/main" val="1250352577"/>
       </p:ext>
     </p:extLst>
   </p:cSld>
@@ -5362,7 +6266,7 @@
 </p:sld>
 </file>
 
-<file path=ppt/slides/slide5.xml><?xml version="1.0" encoding="utf-8"?>
+<file path=ppt/slides/slide3.xml><?xml version="1.0" encoding="utf-8"?>
 <p:sld xmlns:a="http://schemas.openxmlformats.org/drawingml/2006/main" xmlns:r="http://schemas.openxmlformats.org/officeDocument/2006/relationships" xmlns:p="http://schemas.openxmlformats.org/presentationml/2006/main">
   <p:cSld>
     <p:bg>
@@ -5389,7 +6293,7 @@
       </p:grpSpPr>
       <p:sp useBgFill="1">
         <p:nvSpPr>
-          <p:cNvPr id="57" name="Rectangle 56">
+          <p:cNvPr id="23" name="Rectangle 22">
             <a:extLst>
               <a:ext uri="{FF2B5EF4-FFF2-40B4-BE49-F238E27FC236}">
                 <a16:creationId xmlns:a16="http://schemas.microsoft.com/office/drawing/2014/main" id="{8FC9BE17-9A7B-462D-AE50-3D8777387304}"/>
@@ -5452,18 +6356,20 @@
           <p:cNvPr id="4" name="Content Placeholder 3">
             <a:extLst>
               <a:ext uri="{FF2B5EF4-FFF2-40B4-BE49-F238E27FC236}">
-                <a16:creationId xmlns:a16="http://schemas.microsoft.com/office/drawing/2014/main" id="{E22BCBA4-D8D8-E55D-EE1C-205EA2EB14A5}"/>
+                <a16:creationId xmlns:a16="http://schemas.microsoft.com/office/drawing/2014/main" id="{5157459D-8D7C-20D2-D2EF-B7467BCBCB35}"/>
               </a:ext>
             </a:extLst>
           </p:cNvPr>
           <p:cNvPicPr>
-            <a:picLocks noChangeAspect="1"/>
+            <a:picLocks noGrp="1" noChangeAspect="1"/>
           </p:cNvPicPr>
-          <p:nvPr/>
+          <p:nvPr>
+            <p:ph idx="1"/>
+          </p:nvPr>
         </p:nvPicPr>
         <p:blipFill rotWithShape="1">
           <a:blip r:embed="rId2"/>
-          <a:srcRect l="21786" t="9091" r="13578"/>
+          <a:srcRect l="17163" t="6484" r="16346" b="-1"/>
           <a:stretch/>
         </p:blipFill>
         <p:spPr>
@@ -5478,7 +6384,7 @@
       </p:pic>
       <p:sp>
         <p:nvSpPr>
-          <p:cNvPr id="59" name="Rectangle 58">
+          <p:cNvPr id="25" name="Rectangle 24">
             <a:extLst>
               <a:ext uri="{FF2B5EF4-FFF2-40B4-BE49-F238E27FC236}">
                 <a16:creationId xmlns:a16="http://schemas.microsoft.com/office/drawing/2014/main" id="{3EBE8569-6AEC-4B8C-8D53-2DE337CDBA65}"/>
@@ -5567,7 +6473,7 @@
           <p:cNvPr id="2" name="Title 1">
             <a:extLst>
               <a:ext uri="{FF2B5EF4-FFF2-40B4-BE49-F238E27FC236}">
-                <a16:creationId xmlns:a16="http://schemas.microsoft.com/office/drawing/2014/main" id="{72D34ED8-7BCC-67D6-13C9-F042F9FB3426}"/>
+                <a16:creationId xmlns:a16="http://schemas.microsoft.com/office/drawing/2014/main" id="{9FB8DBAE-7700-304C-FFCE-3F3AB0318E37}"/>
               </a:ext>
             </a:extLst>
           </p:cNvPr>
@@ -5591,25 +6497,18 @@
           <a:lstStyle/>
           <a:p>
             <a:r>
+              <a:rPr lang="en-US" sz="4000" b="1" dirty="0">
+                <a:latin typeface="Calibri"/>
+                <a:cs typeface="Calibri"/>
+              </a:rPr>
+              <a:t>Целевая </a:t>
+            </a:r>
+            <a:r>
               <a:rPr lang="en-US" sz="4000" b="1" err="1">
                 <a:latin typeface="Calibri"/>
-                <a:cs typeface="Calibri Light"/>
-              </a:rPr>
-              <a:t>Технологии</a:t>
-            </a:r>
-            <a:r>
-              <a:rPr lang="en-US" sz="4000" b="1" dirty="0">
-                <a:latin typeface="Calibri"/>
-                <a:cs typeface="Calibri Light"/>
-              </a:rPr>
-              <a:t> и </a:t>
-            </a:r>
-            <a:r>
-              <a:rPr lang="en-US" sz="4000" b="1" err="1">
-                <a:latin typeface="Calibri"/>
-                <a:cs typeface="Calibri Light"/>
-              </a:rPr>
-              <a:t>инновации</a:t>
+                <a:cs typeface="Calibri"/>
+              </a:rPr>
+              <a:t>аудитория</a:t>
             </a:r>
             <a:endParaRPr lang="en-US" sz="4000" b="1">
               <a:latin typeface="Calibri"/>
@@ -5620,7 +6519,7 @@
       </p:sp>
       <p:sp>
         <p:nvSpPr>
-          <p:cNvPr id="61" name="Rectangle 60">
+          <p:cNvPr id="27" name="Rectangle 26">
             <a:extLst>
               <a:ext uri="{FF2B5EF4-FFF2-40B4-BE49-F238E27FC236}">
                 <a16:creationId xmlns:a16="http://schemas.microsoft.com/office/drawing/2014/main" id="{55D4142C-5077-457F-A6AD-3FECFDB39685}"/>
@@ -5688,7 +6587,7 @@
       </p:sp>
       <p:sp>
         <p:nvSpPr>
-          <p:cNvPr id="63" name="Rectangle 62">
+          <p:cNvPr id="29" name="Rectangle 28">
             <a:extLst>
               <a:ext uri="{FF2B5EF4-FFF2-40B4-BE49-F238E27FC236}">
                 <a16:creationId xmlns:a16="http://schemas.microsoft.com/office/drawing/2014/main" id="{7A5F0580-5EE9-419F-96EE-B6529EF6E7D0}"/>
@@ -5783,204 +6682,162 @@
       </p:sp>
       <p:sp>
         <p:nvSpPr>
-          <p:cNvPr id="52" name="Content Placeholder 7">
+          <p:cNvPr id="3" name="TextBox 2">
             <a:extLst>
               <a:ext uri="{FF2B5EF4-FFF2-40B4-BE49-F238E27FC236}">
-                <a16:creationId xmlns:a16="http://schemas.microsoft.com/office/drawing/2014/main" id="{D1AF7A18-FE24-7F4E-FE5F-D6F9B7454128}"/>
+                <a16:creationId xmlns:a16="http://schemas.microsoft.com/office/drawing/2014/main" id="{25BCF974-C5BB-BDAC-D48E-3433611FC7DD}"/>
               </a:ext>
             </a:extLst>
           </p:cNvPr>
-          <p:cNvSpPr>
-            <a:spLocks noGrp="1"/>
-          </p:cNvSpPr>
-          <p:nvPr>
-            <p:ph idx="1"/>
-          </p:nvPr>
+          <p:cNvSpPr txBox="1"/>
+          <p:nvPr/>
         </p:nvSpPr>
         <p:spPr>
           <a:xfrm>
             <a:off x="371094" y="2718054"/>
-            <a:ext cx="3438906" cy="3207258"/>
+            <a:ext cx="3649458" cy="3207258"/>
           </a:xfrm>
+          <a:prstGeom prst="rect">
+            <a:avLst/>
+          </a:prstGeom>
         </p:spPr>
         <p:txBody>
-          <a:bodyPr anchor="t">
+          <a:bodyPr rot="0" spcFirstLastPara="0" vertOverflow="overflow" horzOverflow="overflow" vert="horz" lIns="91440" tIns="45720" rIns="91440" bIns="45720" numCol="1" spcCol="0" rtlCol="0" fromWordArt="0" anchor="t" anchorCtr="0" forceAA="0" compatLnSpc="1">
+            <a:prstTxWarp prst="textNoShape">
+              <a:avLst/>
+            </a:prstTxWarp>
             <a:normAutofit/>
           </a:bodyPr>
           <a:lstStyle/>
           <a:p>
-            <a:r>
-              <a:rPr lang="en-US" sz="1700">
-                <a:cs typeface="Calibri"/>
-              </a:rPr>
-              <a:t>Серверная</a:t>
-            </a:r>
-            <a:r>
-              <a:rPr lang="en-US" sz="1700" dirty="0">
-                <a:cs typeface="Calibri"/>
-              </a:rPr>
-              <a:t> </a:t>
-            </a:r>
-            <a:r>
-              <a:rPr lang="en-US" sz="1700">
-                <a:cs typeface="Calibri"/>
-              </a:rPr>
-              <a:t>часть</a:t>
-            </a:r>
-          </a:p>
-          <a:p>
-            <a:pPr lvl="1">
-              <a:buFont typeface="Courier New" panose="020B0604020202020204" pitchFamily="34" charset="0"/>
-              <a:buChar char="o"/>
+            <a:pPr indent="-228600">
+              <a:lnSpc>
+                <a:spcPct val="90000"/>
+              </a:lnSpc>
+              <a:spcAft>
+                <a:spcPts val="600"/>
+              </a:spcAft>
+              <a:buFont typeface="Arial" panose="020B0604020202020204" pitchFamily="34" charset="0"/>
+              <a:buChar char="•"/>
             </a:pPr>
             <a:r>
-              <a:rPr lang="en-US" sz="1700">
-                <a:ea typeface="+mn-lt"/>
-                <a:cs typeface="+mn-lt"/>
-              </a:rPr>
-              <a:t>Java 17 версии</a:t>
-            </a:r>
-          </a:p>
-          <a:p>
-            <a:pPr lvl="1">
-              <a:buFont typeface="Courier New" panose="020B0604020202020204" pitchFamily="34" charset="0"/>
-              <a:buChar char="o"/>
+              <a:rPr lang="en-US" sz="1400"/>
+              <a:t>Профессиональные планировщики мероприятий</a:t>
+            </a:r>
+          </a:p>
+          <a:p>
+            <a:pPr indent="-228600">
+              <a:lnSpc>
+                <a:spcPct val="90000"/>
+              </a:lnSpc>
+              <a:spcAft>
+                <a:spcPts val="600"/>
+              </a:spcAft>
+              <a:buFont typeface="Arial" panose="020B0604020202020204" pitchFamily="34" charset="0"/>
+              <a:buChar char="•"/>
             </a:pPr>
-            <a:r>
-              <a:rPr lang="en-US" sz="1700">
-                <a:ea typeface="+mn-lt"/>
-                <a:cs typeface="+mn-lt"/>
-              </a:rPr>
-              <a:t>Spring Boot 3.1.9</a:t>
-            </a:r>
-            <a:endParaRPr lang="en-US" sz="1700">
-              <a:cs typeface="Calibri"/>
-            </a:endParaRPr>
-          </a:p>
-          <a:p>
-            <a:pPr lvl="1">
-              <a:buFont typeface="Courier New" panose="020B0604020202020204" pitchFamily="34" charset="0"/>
-              <a:buChar char="o"/>
+            <a:endParaRPr lang="en-US" sz="1400"/>
+          </a:p>
+          <a:p>
+            <a:pPr indent="-228600">
+              <a:lnSpc>
+                <a:spcPct val="90000"/>
+              </a:lnSpc>
+              <a:spcAft>
+                <a:spcPts val="600"/>
+              </a:spcAft>
+              <a:buFont typeface="Arial" panose="020B0604020202020204" pitchFamily="34" charset="0"/>
+              <a:buChar char="•"/>
             </a:pPr>
             <a:r>
-              <a:rPr lang="en-US" sz="1700">
-                <a:ea typeface="+mn-lt"/>
-                <a:cs typeface="+mn-lt"/>
-              </a:rPr>
-              <a:t>PostgreSQL 16.2</a:t>
-            </a:r>
-            <a:endParaRPr lang="en-US" sz="1700">
-              <a:cs typeface="Calibri"/>
-            </a:endParaRPr>
-          </a:p>
-          <a:p>
-            <a:r>
-              <a:rPr lang="en-US" sz="1700" dirty="0" err="1">
-                <a:cs typeface="Calibri"/>
-              </a:rPr>
-              <a:t>Клиентская</a:t>
-            </a:r>
-            <a:r>
-              <a:rPr lang="en-US" sz="1700" dirty="0">
-                <a:cs typeface="Calibri"/>
-              </a:rPr>
-              <a:t> </a:t>
-            </a:r>
-            <a:r>
-              <a:rPr lang="en-US" sz="1700" dirty="0" err="1">
-                <a:cs typeface="Calibri"/>
-              </a:rPr>
-              <a:t>часть</a:t>
-            </a:r>
-          </a:p>
-          <a:p>
-            <a:pPr lvl="1">
-              <a:buFont typeface="Courier New,monospace" panose="020B0604020202020204" pitchFamily="34" charset="0"/>
-              <a:buChar char="o"/>
+              <a:rPr lang="en-US" sz="1400"/>
+              <a:t>Частные организаторы мероприятий</a:t>
+            </a:r>
+            <a:br>
+              <a:rPr lang="en-US" sz="1400"/>
+            </a:br>
+            <a:endParaRPr lang="en-US" sz="1400"/>
+          </a:p>
+          <a:p>
+            <a:pPr indent="-228600">
+              <a:lnSpc>
+                <a:spcPct val="90000"/>
+              </a:lnSpc>
+              <a:spcAft>
+                <a:spcPts val="600"/>
+              </a:spcAft>
+              <a:buFont typeface="Arial" panose="020B0604020202020204" pitchFamily="34" charset="0"/>
+              <a:buChar char="•"/>
             </a:pPr>
             <a:r>
-              <a:rPr lang="en-US" sz="1700" dirty="0">
-                <a:cs typeface="Calibri"/>
-              </a:rPr>
-              <a:t>HTML5</a:t>
-            </a:r>
-          </a:p>
-          <a:p>
-            <a:pPr lvl="1">
-              <a:buFont typeface="Courier New,monospace" panose="020B0604020202020204" pitchFamily="34" charset="0"/>
-              <a:buChar char="o"/>
+              <a:rPr lang="en-US" sz="1400"/>
+              <a:t>Корпоративные клиенты</a:t>
+            </a:r>
+          </a:p>
+          <a:p>
+            <a:pPr indent="-228600">
+              <a:lnSpc>
+                <a:spcPct val="90000"/>
+              </a:lnSpc>
+              <a:spcAft>
+                <a:spcPts val="600"/>
+              </a:spcAft>
+              <a:buFont typeface="Arial" panose="020B0604020202020204" pitchFamily="34" charset="0"/>
+              <a:buChar char="•"/>
             </a:pPr>
-            <a:r>
-              <a:rPr lang="en-US" sz="1700" dirty="0">
-                <a:cs typeface="Calibri"/>
-              </a:rPr>
-              <a:t>CSS3</a:t>
-            </a:r>
-          </a:p>
-          <a:p>
-            <a:pPr lvl="1">
-              <a:buFont typeface="Courier New,monospace" panose="020B0604020202020204" pitchFamily="34" charset="0"/>
-              <a:buChar char="o"/>
+            <a:endParaRPr lang="en-US" sz="1400"/>
+          </a:p>
+          <a:p>
+            <a:pPr indent="-228600">
+              <a:lnSpc>
+                <a:spcPct val="90000"/>
+              </a:lnSpc>
+              <a:spcAft>
+                <a:spcPts val="600"/>
+              </a:spcAft>
+              <a:buFont typeface="Arial" panose="020B0604020202020204" pitchFamily="34" charset="0"/>
+              <a:buChar char="•"/>
             </a:pPr>
             <a:r>
-              <a:rPr lang="en-US" sz="1700" dirty="0">
-                <a:cs typeface="Calibri"/>
-              </a:rPr>
-              <a:t>PHP </a:t>
-            </a:r>
-            <a:r>
-              <a:rPr lang="en-US" sz="1700" dirty="0" err="1">
-                <a:cs typeface="Calibri"/>
-              </a:rPr>
-              <a:t>версии</a:t>
-            </a:r>
-            <a:r>
-              <a:rPr lang="en-US" sz="1700" dirty="0">
-                <a:cs typeface="Calibri"/>
-              </a:rPr>
-              <a:t> 8.1</a:t>
-            </a:r>
-          </a:p>
-          <a:p>
-            <a:pPr lvl="1">
-              <a:buFont typeface="Courier New,monospace" panose="020B0604020202020204" pitchFamily="34" charset="0"/>
-              <a:buChar char="o"/>
+              <a:rPr lang="en-US" sz="1400"/>
+              <a:t>Профессионалы в сфере маркетинга и PR</a:t>
+            </a:r>
+          </a:p>
+          <a:p>
+            <a:pPr indent="-228600">
+              <a:lnSpc>
+                <a:spcPct val="90000"/>
+              </a:lnSpc>
+              <a:spcAft>
+                <a:spcPts val="600"/>
+              </a:spcAft>
+              <a:buFont typeface="Arial" panose="020B0604020202020204" pitchFamily="34" charset="0"/>
+              <a:buChar char="•"/>
             </a:pPr>
-            <a:r>
-              <a:rPr lang="en-US" sz="1700">
-                <a:cs typeface="Calibri"/>
-              </a:rPr>
-              <a:t>JavaScript версии 1.8.5</a:t>
-            </a:r>
-          </a:p>
-          <a:p>
-            <a:pPr lvl="1">
-              <a:buFont typeface="Courier New,monospace" panose="020B0604020202020204" pitchFamily="34" charset="0"/>
-              <a:buChar char="o"/>
+            <a:endParaRPr lang="en-US" sz="1400"/>
+          </a:p>
+          <a:p>
+            <a:pPr indent="-228600">
+              <a:lnSpc>
+                <a:spcPct val="90000"/>
+              </a:lnSpc>
+              <a:spcAft>
+                <a:spcPts val="600"/>
+              </a:spcAft>
+              <a:buFont typeface="Arial" panose="020B0604020202020204" pitchFamily="34" charset="0"/>
+              <a:buChar char="•"/>
             </a:pPr>
             <a:r>
-              <a:rPr lang="en-US" sz="1700">
-                <a:cs typeface="Calibri"/>
-              </a:rPr>
-              <a:t>Docker версии 24.0.5</a:t>
-            </a:r>
-            <a:endParaRPr lang="en-US" sz="1700"/>
-          </a:p>
-          <a:p>
-            <a:pPr lvl="1">
-              <a:buFont typeface="Courier New" panose="020B0604020202020204" pitchFamily="34" charset="0"/>
-              <a:buChar char="o"/>
-            </a:pPr>
-            <a:endParaRPr lang="en-US" sz="1700">
-              <a:cs typeface="Calibri"/>
-            </a:endParaRPr>
+              <a:rPr lang="en-US" sz="1400"/>
+              <a:t>Различные заведения, занимающиеся регулярной организацией мероприятий</a:t>
+            </a:r>
           </a:p>
         </p:txBody>
       </p:sp>
     </p:spTree>
     <p:extLst>
       <p:ext uri="{BB962C8B-B14F-4D97-AF65-F5344CB8AC3E}">
-        <p14:creationId xmlns:p14="http://schemas.microsoft.com/office/powerpoint/2010/main" val="176590559"/>
+        <p14:creationId xmlns:p14="http://schemas.microsoft.com/office/powerpoint/2010/main" val="2535101501"/>
       </p:ext>
     </p:extLst>
   </p:cSld>
@@ -5990,7 +6847,7 @@
 </p:sld>
 </file>
 
-<file path=ppt/slides/slide6.xml><?xml version="1.0" encoding="utf-8"?>
+<file path=ppt/slides/slide4.xml><?xml version="1.0" encoding="utf-8"?>
 <p:sld xmlns:a="http://schemas.openxmlformats.org/drawingml/2006/main" xmlns:r="http://schemas.openxmlformats.org/officeDocument/2006/relationships" xmlns:p="http://schemas.openxmlformats.org/presentationml/2006/main">
   <p:cSld>
     <p:bg>
@@ -6017,7 +6874,7 @@
       </p:grpSpPr>
       <p:sp useBgFill="1">
         <p:nvSpPr>
-          <p:cNvPr id="10" name="Rectangle 9">
+          <p:cNvPr id="16" name="Rectangle 15">
             <a:extLst>
               <a:ext uri="{FF2B5EF4-FFF2-40B4-BE49-F238E27FC236}">
                 <a16:creationId xmlns:a16="http://schemas.microsoft.com/office/drawing/2014/main" id="{8FC9BE17-9A7B-462D-AE50-3D8777387304}"/>
@@ -6080,7 +6937,7 @@
           <p:cNvPr id="4" name="Content Placeholder 3">
             <a:extLst>
               <a:ext uri="{FF2B5EF4-FFF2-40B4-BE49-F238E27FC236}">
-                <a16:creationId xmlns:a16="http://schemas.microsoft.com/office/drawing/2014/main" id="{41C5375D-82CA-43E4-B254-79507938CCD7}"/>
+                <a16:creationId xmlns:a16="http://schemas.microsoft.com/office/drawing/2014/main" id="{5157459D-8D7C-20D2-D2EF-B7467BCBCB35}"/>
               </a:ext>
             </a:extLst>
           </p:cNvPr>
@@ -6093,7 +6950,7 @@
         </p:nvPicPr>
         <p:blipFill rotWithShape="1">
           <a:blip r:embed="rId2"/>
-          <a:srcRect l="21786" t="9091" r="13578"/>
+          <a:srcRect l="17163" t="6484" r="16346" b="-1"/>
           <a:stretch/>
         </p:blipFill>
         <p:spPr>
@@ -6108,7 +6965,7 @@
       </p:pic>
       <p:sp>
         <p:nvSpPr>
-          <p:cNvPr id="12" name="Rectangle 11">
+          <p:cNvPr id="18" name="Rectangle 17">
             <a:extLst>
               <a:ext uri="{FF2B5EF4-FFF2-40B4-BE49-F238E27FC236}">
                 <a16:creationId xmlns:a16="http://schemas.microsoft.com/office/drawing/2014/main" id="{3EBE8569-6AEC-4B8C-8D53-2DE337CDBA65}"/>
@@ -6197,7 +7054,7 @@
           <p:cNvPr id="2" name="Title 1">
             <a:extLst>
               <a:ext uri="{FF2B5EF4-FFF2-40B4-BE49-F238E27FC236}">
-                <a16:creationId xmlns:a16="http://schemas.microsoft.com/office/drawing/2014/main" id="{236A0BE2-258A-E2C8-B498-2C882B84CD40}"/>
+                <a16:creationId xmlns:a16="http://schemas.microsoft.com/office/drawing/2014/main" id="{9FB8DBAE-7700-304C-FFCE-3F3AB0318E37}"/>
               </a:ext>
             </a:extLst>
           </p:cNvPr>
@@ -6210,22 +7067,22 @@
         </p:nvSpPr>
         <p:spPr>
           <a:xfrm>
-            <a:off x="371094" y="1251525"/>
-            <a:ext cx="3578512" cy="1124712"/>
+            <a:off x="371094" y="880551"/>
+            <a:ext cx="3869276" cy="1565869"/>
           </a:xfrm>
         </p:spPr>
         <p:txBody>
           <a:bodyPr vert="horz" lIns="91440" tIns="45720" rIns="91440" bIns="45720" rtlCol="0" anchor="b">
-            <a:noAutofit/>
+            <a:normAutofit/>
           </a:bodyPr>
           <a:lstStyle/>
           <a:p>
             <a:r>
-              <a:rPr lang="en-US" sz="4000" b="1" err="1">
+              <a:rPr lang="en-US" sz="4000" b="1" dirty="0" err="1">
                 <a:latin typeface="Calibri"/>
                 <a:cs typeface="Calibri"/>
               </a:rPr>
-              <a:t>Конкуретное</a:t>
+              <a:t>Предлагаемое</a:t>
             </a:r>
             <a:r>
               <a:rPr lang="en-US" sz="4000" b="1" dirty="0">
@@ -6235,13 +7092,13 @@
               <a:t> </a:t>
             </a:r>
             <a:r>
-              <a:rPr lang="en-US" sz="4000" b="1" err="1">
+              <a:rPr lang="en-US" sz="4000" b="1" dirty="0" err="1">
                 <a:latin typeface="Calibri"/>
                 <a:cs typeface="Calibri"/>
               </a:rPr>
-              <a:t>преимущество</a:t>
-            </a:r>
-            <a:endParaRPr lang="en-US" sz="4000" b="1">
+              <a:t>решение</a:t>
+            </a:r>
+            <a:endParaRPr lang="en-US" sz="4000" b="1" dirty="0">
               <a:latin typeface="Calibri"/>
               <a:cs typeface="Calibri"/>
             </a:endParaRPr>
@@ -6250,7 +7107,7 @@
       </p:sp>
       <p:sp>
         <p:nvSpPr>
-          <p:cNvPr id="14" name="Rectangle 13">
+          <p:cNvPr id="20" name="Rectangle 19">
             <a:extLst>
               <a:ext uri="{FF2B5EF4-FFF2-40B4-BE49-F238E27FC236}">
                 <a16:creationId xmlns:a16="http://schemas.microsoft.com/office/drawing/2014/main" id="{55D4142C-5077-457F-A6AD-3FECFDB39685}"/>
@@ -6318,7 +7175,7 @@
       </p:sp>
       <p:sp>
         <p:nvSpPr>
-          <p:cNvPr id="16" name="Rectangle 15">
+          <p:cNvPr id="22" name="Rectangle 21">
             <a:extLst>
               <a:ext uri="{FF2B5EF4-FFF2-40B4-BE49-F238E27FC236}">
                 <a16:creationId xmlns:a16="http://schemas.microsoft.com/office/drawing/2014/main" id="{7A5F0580-5EE9-419F-96EE-B6529EF6E7D0}"/>
@@ -6413,10 +7270,10 @@
       </p:sp>
       <p:sp>
         <p:nvSpPr>
-          <p:cNvPr id="5" name="TextBox 4">
+          <p:cNvPr id="3" name="TextBox 2">
             <a:extLst>
               <a:ext uri="{FF2B5EF4-FFF2-40B4-BE49-F238E27FC236}">
-                <a16:creationId xmlns:a16="http://schemas.microsoft.com/office/drawing/2014/main" id="{6562C4E6-3802-33A4-40AF-A73F588B064F}"/>
+                <a16:creationId xmlns:a16="http://schemas.microsoft.com/office/drawing/2014/main" id="{C8ADB20B-8CDE-024D-3934-56C9E126D1A3}"/>
               </a:ext>
             </a:extLst>
           </p:cNvPr>
@@ -6426,7 +7283,7 @@
         <p:spPr>
           <a:xfrm>
             <a:off x="371094" y="2718054"/>
-            <a:ext cx="3809879" cy="3207258"/>
+            <a:ext cx="5404063" cy="3207258"/>
           </a:xfrm>
           <a:prstGeom prst="rect">
             <a:avLst/>
@@ -6452,219 +7309,290 @@
               <a:buChar char="•"/>
             </a:pPr>
             <a:r>
-              <a:rPr lang="en-US" sz="1700" dirty="0" err="1"/>
-              <a:t>Создание</a:t>
-            </a:r>
-            <a:r>
-              <a:rPr lang="en-US" sz="1700" dirty="0"/>
+              <a:rPr lang="en-US" sz="1600" dirty="0" err="1"/>
+              <a:t>EventEase</a:t>
+            </a:r>
+            <a:r>
+              <a:rPr lang="en-US" sz="1600" dirty="0"/>
+              <a:t> - </a:t>
+            </a:r>
+            <a:r>
+              <a:rPr lang="en-US" sz="1600" dirty="0" err="1"/>
+              <a:t>это</a:t>
+            </a:r>
+            <a:r>
+              <a:rPr lang="en-US" sz="1600" dirty="0"/>
               <a:t> </a:t>
             </a:r>
             <a:r>
-              <a:rPr lang="en-US" sz="1700" dirty="0" err="1"/>
-              <a:t>стилизованного</a:t>
-            </a:r>
-            <a:r>
-              <a:rPr lang="en-US" sz="1700" dirty="0"/>
+              <a:rPr lang="en-US" sz="1600" dirty="0" err="1"/>
+              <a:t>веб-сайт</a:t>
+            </a:r>
+            <a:r>
+              <a:rPr lang="en-US" sz="1600" dirty="0"/>
+              <a:t>, </a:t>
+            </a:r>
+            <a:r>
+              <a:rPr lang="en-US" sz="1600" dirty="0" err="1"/>
+              <a:t>позволяющий</a:t>
+            </a:r>
+            <a:r>
+              <a:rPr lang="en-US" sz="1600" dirty="0"/>
               <a:t> </a:t>
             </a:r>
             <a:r>
-              <a:rPr lang="en-US" sz="1700" dirty="0" err="1"/>
+              <a:rPr lang="en-US" sz="1600" dirty="0" err="1"/>
+              <a:t>зарегистрированным</a:t>
+            </a:r>
+            <a:r>
+              <a:rPr lang="en-US" sz="1600" dirty="0"/>
+              <a:t> и </a:t>
+            </a:r>
+            <a:r>
+              <a:rPr lang="en-US" sz="1600" dirty="0" err="1"/>
+              <a:t>незарегистрированным</a:t>
+            </a:r>
+            <a:r>
+              <a:rPr lang="en-US" sz="1600" dirty="0"/>
+              <a:t> </a:t>
+            </a:r>
+            <a:r>
+              <a:rPr lang="en-US" sz="1600" dirty="0" err="1"/>
+              <a:t>пользователям</a:t>
+            </a:r>
+            <a:r>
+              <a:rPr lang="en-US" sz="1600" dirty="0"/>
+              <a:t> </a:t>
+            </a:r>
+            <a:r>
+              <a:rPr lang="en-US" sz="1600" dirty="0" err="1"/>
+              <a:t>быстро</a:t>
+            </a:r>
+            <a:r>
+              <a:rPr lang="en-US" sz="1600" dirty="0"/>
+              <a:t> </a:t>
+            </a:r>
+            <a:r>
+              <a:rPr lang="en-US" sz="1600" dirty="0" err="1"/>
+              <a:t>создавать</a:t>
+            </a:r>
+            <a:r>
+              <a:rPr lang="en-US" sz="1600" dirty="0"/>
+              <a:t> </a:t>
+            </a:r>
+            <a:r>
+              <a:rPr lang="en-US" sz="1600" dirty="0" err="1"/>
+              <a:t>мероприятия</a:t>
+            </a:r>
+            <a:r>
+              <a:rPr lang="en-US" sz="1600" dirty="0"/>
+              <a:t>, </a:t>
+            </a:r>
+            <a:r>
+              <a:rPr lang="en-US" sz="1600" dirty="0" err="1"/>
               <a:t>приглашения</a:t>
             </a:r>
+            <a:r>
+              <a:rPr lang="en-US" sz="1600" dirty="0"/>
+              <a:t> к </a:t>
+            </a:r>
+            <a:r>
+              <a:rPr lang="en-US" sz="1600" dirty="0" err="1"/>
+              <a:t>ним</a:t>
+            </a:r>
+            <a:r>
+              <a:rPr lang="en-US" sz="1600" dirty="0"/>
+              <a:t>, а </a:t>
+            </a:r>
+            <a:r>
+              <a:rPr lang="en-US" sz="1600" dirty="0" err="1"/>
+              <a:t>также</a:t>
+            </a:r>
+            <a:r>
+              <a:rPr lang="en-US" sz="1600" dirty="0"/>
+              <a:t> </a:t>
+            </a:r>
+            <a:r>
+              <a:rPr lang="en-US" sz="1600" dirty="0" err="1"/>
+              <a:t>находить</a:t>
+            </a:r>
+            <a:r>
+              <a:rPr lang="en-US" sz="1600" dirty="0"/>
+              <a:t> </a:t>
+            </a:r>
+            <a:r>
+              <a:rPr lang="en-US" sz="1600" dirty="0" err="1"/>
+              <a:t>открытые</a:t>
+            </a:r>
+            <a:r>
+              <a:rPr lang="en-US" sz="1600" dirty="0"/>
+              <a:t> </a:t>
+            </a:r>
+            <a:r>
+              <a:rPr lang="en-US" sz="1600" dirty="0" err="1"/>
+              <a:t>мероприятия</a:t>
+            </a:r>
+            <a:r>
+              <a:rPr lang="en-US" sz="1600" dirty="0"/>
+              <a:t> в </a:t>
+            </a:r>
+            <a:r>
+              <a:rPr lang="en-US" sz="1600" dirty="0" err="1"/>
+              <a:t>вашем</a:t>
+            </a:r>
+            <a:r>
+              <a:rPr lang="en-US" sz="1600" dirty="0"/>
+              <a:t> </a:t>
+            </a:r>
+            <a:r>
+              <a:rPr lang="en-US" sz="1600" dirty="0" err="1"/>
+              <a:t>городе</a:t>
+            </a:r>
+            <a:r>
+              <a:rPr lang="en-US" sz="1600" dirty="0"/>
+              <a:t>. </a:t>
+            </a:r>
             <a:br>
-              <a:rPr lang="en-US" sz="1700" dirty="0"/>
+              <a:rPr lang="en-US" sz="1600" dirty="0"/>
             </a:br>
-            <a:endParaRPr lang="en-US" sz="1700" dirty="0"/>
-          </a:p>
-          <a:p>
-            <a:pPr indent="-228600">
-              <a:lnSpc>
-                <a:spcPct val="90000"/>
-              </a:lnSpc>
-              <a:spcAft>
-                <a:spcPts val="600"/>
-              </a:spcAft>
-              <a:buFont typeface="Arial" panose="020B0604020202020204" pitchFamily="34" charset="0"/>
-              <a:buChar char="•"/>
-            </a:pPr>
-            <a:r>
-              <a:rPr lang="en-US" sz="1700" dirty="0" err="1"/>
-              <a:t>Использование</a:t>
-            </a:r>
-            <a:r>
-              <a:rPr lang="en-US" sz="1700" dirty="0"/>
+            <a:br>
+              <a:rPr lang="en-US" sz="1600" dirty="0"/>
+            </a:br>
+            <a:r>
+              <a:rPr lang="en-US" sz="1600" dirty="0" err="1"/>
+              <a:t>Платформа</a:t>
+            </a:r>
+            <a:r>
+              <a:rPr lang="en-US" sz="1600" dirty="0"/>
+              <a:t> </a:t>
+            </a:r>
+            <a:r>
+              <a:rPr lang="en-US" sz="1600" dirty="0" err="1"/>
+              <a:t>предлагает</a:t>
+            </a:r>
+            <a:r>
+              <a:rPr lang="en-US" sz="1600" dirty="0"/>
+              <a:t> </a:t>
+            </a:r>
+            <a:r>
+              <a:rPr lang="en-US" sz="1600" dirty="0" err="1"/>
+              <a:t>быстрое</a:t>
+            </a:r>
+            <a:r>
+              <a:rPr lang="en-US" sz="1600" dirty="0"/>
+              <a:t> и </a:t>
+            </a:r>
+            <a:r>
+              <a:rPr lang="en-US" sz="1600" dirty="0" err="1"/>
+              <a:t>легкое</a:t>
+            </a:r>
+            <a:r>
+              <a:rPr lang="en-US" sz="1600" dirty="0"/>
+              <a:t> </a:t>
+            </a:r>
+            <a:r>
+              <a:rPr lang="en-US" sz="1600" dirty="0" err="1"/>
+              <a:t>использования</a:t>
+            </a:r>
+            <a:r>
+              <a:rPr lang="en-US" sz="1600" dirty="0"/>
+              <a:t> </a:t>
+            </a:r>
+            <a:r>
+              <a:rPr lang="en-US" sz="1600" dirty="0" err="1"/>
+              <a:t>интерфейса</a:t>
+            </a:r>
+            <a:r>
+              <a:rPr lang="en-US" sz="1600" dirty="0"/>
+              <a:t>, </a:t>
+            </a:r>
+            <a:r>
+              <a:rPr lang="en-US" sz="1600" dirty="0" err="1"/>
+              <a:t>креативное</a:t>
+            </a:r>
+            <a:r>
+              <a:rPr lang="en-US" sz="1600" dirty="0"/>
+              <a:t> </a:t>
+            </a:r>
+            <a:r>
+              <a:rPr lang="en-US" sz="1600" dirty="0" err="1"/>
+              <a:t>создание</a:t>
+            </a:r>
+            <a:r>
+              <a:rPr lang="en-US" sz="1600" dirty="0"/>
+              <a:t> </a:t>
+            </a:r>
+            <a:r>
+              <a:rPr lang="en-US" sz="1600" dirty="0" err="1"/>
+              <a:t>пригласительных</a:t>
+            </a:r>
+            <a:r>
+              <a:rPr lang="en-US" sz="1600" dirty="0"/>
+              <a:t>,  а </a:t>
+            </a:r>
+            <a:r>
+              <a:rPr lang="en-US" sz="1600" dirty="0" err="1"/>
+              <a:t>также</a:t>
+            </a:r>
+            <a:r>
+              <a:rPr lang="en-US" sz="1600" dirty="0"/>
+              <a:t> </a:t>
+            </a:r>
+            <a:r>
+              <a:rPr lang="en-US" sz="1600" dirty="0" err="1"/>
+              <a:t>работу</a:t>
+            </a:r>
+            <a:r>
+              <a:rPr lang="en-US" sz="1600" dirty="0"/>
+              <a:t> </a:t>
+            </a:r>
+            <a:r>
+              <a:rPr lang="en-US" sz="1600" dirty="0" err="1"/>
+              <a:t>со</a:t>
+            </a:r>
+            <a:r>
+              <a:rPr lang="en-US" sz="1600" dirty="0"/>
+              <a:t> </a:t>
+            </a:r>
+            <a:r>
+              <a:rPr lang="en-US" sz="1600" dirty="0" err="1"/>
+              <a:t>списком</a:t>
+            </a:r>
+            <a:r>
+              <a:rPr lang="en-US" sz="1600" dirty="0"/>
+              <a:t> </a:t>
+            </a:r>
+            <a:r>
+              <a:rPr lang="en-US" sz="1600" dirty="0" err="1"/>
+              <a:t>гостей</a:t>
+            </a:r>
+            <a:r>
+              <a:rPr lang="en-US" sz="1600" dirty="0"/>
+              <a:t> с </a:t>
+            </a:r>
+            <a:r>
+              <a:rPr lang="en-US" sz="1600" dirty="0" err="1"/>
+              <a:t>помощью</a:t>
+            </a:r>
+            <a:r>
+              <a:rPr lang="en-US" sz="1600" dirty="0"/>
               <a:t> QR-</a:t>
             </a:r>
             <a:r>
-              <a:rPr lang="en-US" sz="1700" dirty="0" err="1"/>
+              <a:rPr lang="en-US" sz="1600" dirty="0" err="1"/>
               <a:t>кода</a:t>
             </a:r>
             <a:r>
-              <a:rPr lang="en-US" sz="1700" dirty="0"/>
-              <a:t> </a:t>
-            </a:r>
-            <a:r>
-              <a:rPr lang="en-US" sz="1700" dirty="0" err="1"/>
-              <a:t>для</a:t>
-            </a:r>
-            <a:r>
-              <a:rPr lang="en-US" sz="1700" dirty="0"/>
-              <a:t> </a:t>
-            </a:r>
-            <a:r>
-              <a:rPr lang="en-US" sz="1700" dirty="0" err="1"/>
-              <a:t>индефикации</a:t>
-            </a:r>
-            <a:r>
-              <a:rPr lang="en-US" sz="1700" dirty="0"/>
-              <a:t> </a:t>
-            </a:r>
-            <a:r>
-              <a:rPr lang="en-US" sz="1700" dirty="0" err="1"/>
-              <a:t>человека</a:t>
-            </a:r>
-            <a:r>
-              <a:rPr lang="en-US" sz="1700" dirty="0"/>
-              <a:t>, а </a:t>
-            </a:r>
-            <a:r>
-              <a:rPr lang="en-US" sz="1700" dirty="0" err="1"/>
-              <a:t>также</a:t>
-            </a:r>
-            <a:r>
-              <a:rPr lang="en-US" sz="1700" dirty="0"/>
-              <a:t> </a:t>
-            </a:r>
-            <a:r>
-              <a:rPr lang="en-US" sz="1700" dirty="0" err="1"/>
-              <a:t>как</a:t>
-            </a:r>
-            <a:r>
-              <a:rPr lang="en-US" sz="1700" dirty="0"/>
-              <a:t> </a:t>
-            </a:r>
-            <a:r>
-              <a:rPr lang="en-US" sz="1700" dirty="0" err="1"/>
-              <a:t>пропуск</a:t>
-            </a:r>
-            <a:r>
-              <a:rPr lang="en-US" sz="1700" dirty="0"/>
-              <a:t> </a:t>
-            </a:r>
-            <a:r>
-              <a:rPr lang="en-US" sz="1700" dirty="0" err="1"/>
-              <a:t>на</a:t>
-            </a:r>
-            <a:r>
-              <a:rPr lang="en-US" sz="1700" dirty="0"/>
-              <a:t> </a:t>
-            </a:r>
-            <a:r>
-              <a:rPr lang="en-US" sz="1700" dirty="0" err="1"/>
-              <a:t>мероприятие</a:t>
-            </a:r>
-            <a:br>
-              <a:rPr lang="en-US" sz="1700" dirty="0"/>
-            </a:br>
-            <a:endParaRPr lang="en-US" sz="1700" dirty="0">
-              <a:cs typeface="Calibri"/>
-            </a:endParaRPr>
-          </a:p>
-          <a:p>
-            <a:pPr indent="-228600">
-              <a:lnSpc>
-                <a:spcPct val="90000"/>
-              </a:lnSpc>
-              <a:spcAft>
-                <a:spcPts val="600"/>
-              </a:spcAft>
-              <a:buFont typeface="Arial" panose="020B0604020202020204" pitchFamily="34" charset="0"/>
-              <a:buChar char="•"/>
-            </a:pPr>
-            <a:r>
-              <a:rPr lang="en-US" sz="1700" dirty="0" err="1"/>
-              <a:t>Возможность</a:t>
-            </a:r>
-            <a:r>
-              <a:rPr lang="en-US" sz="1700" dirty="0"/>
-              <a:t> </a:t>
-            </a:r>
-            <a:r>
-              <a:rPr lang="en-US" sz="1700" dirty="0" err="1"/>
-              <a:t>создать</a:t>
-            </a:r>
-            <a:r>
-              <a:rPr lang="en-US" sz="1700" dirty="0"/>
-              <a:t> </a:t>
-            </a:r>
-            <a:r>
-              <a:rPr lang="en-US" sz="1700" dirty="0" err="1"/>
-              <a:t>мероприятие</a:t>
-            </a:r>
-            <a:r>
-              <a:rPr lang="en-US" sz="1700" dirty="0"/>
-              <a:t> </a:t>
-            </a:r>
-            <a:r>
-              <a:rPr lang="en-US" sz="1700" dirty="0" err="1"/>
-              <a:t>без</a:t>
-            </a:r>
-            <a:r>
-              <a:rPr lang="en-US" sz="1700" dirty="0"/>
-              <a:t> </a:t>
-            </a:r>
-            <a:r>
-              <a:rPr lang="en-US" sz="1700" dirty="0" err="1"/>
-              <a:t>регистрации</a:t>
-            </a:r>
-            <a:br>
-              <a:rPr lang="en-US" sz="1700" dirty="0"/>
-            </a:br>
-            <a:endParaRPr lang="en-US" sz="1700">
-              <a:cs typeface="Calibri"/>
-            </a:endParaRPr>
-          </a:p>
-          <a:p>
-            <a:pPr indent="-228600">
-              <a:lnSpc>
-                <a:spcPct val="90000"/>
-              </a:lnSpc>
-              <a:spcAft>
-                <a:spcPts val="600"/>
-              </a:spcAft>
-              <a:buFont typeface="Arial" panose="020B0604020202020204" pitchFamily="34" charset="0"/>
-              <a:buChar char="•"/>
-            </a:pPr>
-            <a:r>
-              <a:rPr lang="en-US" sz="1700" dirty="0" err="1"/>
-              <a:t>Абсолютно</a:t>
-            </a:r>
-            <a:r>
-              <a:rPr lang="en-US" sz="1700" dirty="0"/>
-              <a:t> </a:t>
-            </a:r>
-            <a:r>
-              <a:rPr lang="en-US" sz="1700" dirty="0" err="1"/>
-              <a:t>бесплатный</a:t>
-            </a:r>
-            <a:r>
-              <a:rPr lang="en-US" sz="1700" dirty="0"/>
-              <a:t> </a:t>
-            </a:r>
-            <a:r>
-              <a:rPr lang="en-US" sz="1700" dirty="0" err="1"/>
-              <a:t>сервис</a:t>
-            </a:r>
-            <a:endParaRPr lang="en-US" sz="1700" dirty="0">
-              <a:cs typeface="Calibri"/>
-            </a:endParaRPr>
+              <a:rPr lang="en-US" sz="1600" dirty="0"/>
+              <a:t>.</a:t>
+            </a:r>
           </a:p>
         </p:txBody>
       </p:sp>
     </p:spTree>
     <p:extLst>
       <p:ext uri="{BB962C8B-B14F-4D97-AF65-F5344CB8AC3E}">
-        <p14:creationId xmlns:p14="http://schemas.microsoft.com/office/powerpoint/2010/main" val="3336646313"/>
+        <p14:creationId xmlns:p14="http://schemas.microsoft.com/office/powerpoint/2010/main" val="4181414363"/>
       </p:ext>
     </p:extLst>
   </p:cSld>
@@ -6674,7 +7602,7 @@
 </p:sld>
 </file>
 
-<file path=ppt/slides/slide7.xml><?xml version="1.0" encoding="utf-8"?>
+<file path=ppt/slides/slide5.xml><?xml version="1.0" encoding="utf-8"?>
 <p:sld xmlns:a="http://schemas.openxmlformats.org/drawingml/2006/main" xmlns:r="http://schemas.openxmlformats.org/officeDocument/2006/relationships" xmlns:p="http://schemas.openxmlformats.org/presentationml/2006/main">
   <p:cSld>
     <p:bg>
@@ -6701,10 +7629,10 @@
       </p:grpSpPr>
       <p:sp useBgFill="1">
         <p:nvSpPr>
-          <p:cNvPr id="12" name="Rectangle 11">
+          <p:cNvPr id="57" name="Rectangle 56">
             <a:extLst>
               <a:ext uri="{FF2B5EF4-FFF2-40B4-BE49-F238E27FC236}">
-                <a16:creationId xmlns:a16="http://schemas.microsoft.com/office/drawing/2014/main" id="{C1A1C5D3-C053-4EE9-BE1A-419B6E27CCAE}"/>
+                <a16:creationId xmlns:a16="http://schemas.microsoft.com/office/drawing/2014/main" id="{8FC9BE17-9A7B-462D-AE50-3D8777387304}"/>
               </a:ext>
               <a:ext uri="{C183D7F6-B498-43B3-948B-1728B52AA6E4}">
                 <adec:decorative xmlns:adec="http://schemas.microsoft.com/office/drawing/2017/decorative" val="1"/>
@@ -6761,10 +7689,10 @@
       </p:sp>
       <p:pic>
         <p:nvPicPr>
-          <p:cNvPr id="8" name="Picture 7">
+          <p:cNvPr id="4" name="Content Placeholder 3">
             <a:extLst>
               <a:ext uri="{FF2B5EF4-FFF2-40B4-BE49-F238E27FC236}">
-                <a16:creationId xmlns:a16="http://schemas.microsoft.com/office/drawing/2014/main" id="{0DAB32DE-2393-0C2E-6045-C2902D86BD68}"/>
+                <a16:creationId xmlns:a16="http://schemas.microsoft.com/office/drawing/2014/main" id="{E22BCBA4-D8D8-E55D-EE1C-205EA2EB14A5}"/>
               </a:ext>
             </a:extLst>
           </p:cNvPr>
@@ -6772,388 +7700,6 @@
             <a:picLocks noChangeAspect="1"/>
           </p:cNvPicPr>
           <p:nvPr/>
-        </p:nvPicPr>
-        <p:blipFill>
-          <a:blip r:embed="rId2"/>
-          <a:stretch>
-            <a:fillRect/>
-          </a:stretch>
-        </p:blipFill>
-        <p:spPr>
-          <a:xfrm>
-            <a:off x="0" y="0"/>
-            <a:ext cx="12192000" cy="6858000"/>
-          </a:xfrm>
-          <a:prstGeom prst="rect">
-            <a:avLst/>
-          </a:prstGeom>
-        </p:spPr>
-      </p:pic>
-      <p:sp useBgFill="1">
-        <p:nvSpPr>
-          <p:cNvPr id="14" name="Rectangle 13">
-            <a:extLst>
-              <a:ext uri="{FF2B5EF4-FFF2-40B4-BE49-F238E27FC236}">
-                <a16:creationId xmlns:a16="http://schemas.microsoft.com/office/drawing/2014/main" id="{A3473CF9-37EB-43E7-89EF-D2D1C53D1DAC}"/>
-              </a:ext>
-              <a:ext uri="{C183D7F6-B498-43B3-948B-1728B52AA6E4}">
-                <adec:decorative xmlns:adec="http://schemas.microsoft.com/office/drawing/2017/decorative" val="1"/>
-              </a:ext>
-            </a:extLst>
-          </p:cNvPr>
-          <p:cNvSpPr>
-            <a:spLocks noGrp="1" noRot="1" noChangeAspect="1" noMove="1" noResize="1" noEditPoints="1" noAdjustHandles="1" noChangeArrowheads="1" noChangeShapeType="1" noTextEdit="1"/>
-          </p:cNvSpPr>
-          <p:nvPr>
-            <p:extLst>
-              <p:ext uri="{386F3935-93C4-4BCD-93E2-E3B085C9AB24}">
-                <p16:designElem xmlns:p16="http://schemas.microsoft.com/office/powerpoint/2015/main" val="1"/>
-              </p:ext>
-            </p:extLst>
-          </p:nvPr>
-        </p:nvSpPr>
-        <p:spPr>
-          <a:xfrm>
-            <a:off x="1903615" y="221673"/>
-            <a:ext cx="8384770" cy="1332634"/>
-          </a:xfrm>
-          <a:prstGeom prst="rect">
-            <a:avLst/>
-          </a:prstGeom>
-          <a:ln w="12700">
-            <a:solidFill>
-              <a:srgbClr val="E1E1E1"/>
-            </a:solidFill>
-          </a:ln>
-          <a:effectLst>
-            <a:outerShdw blurRad="50800" dist="38100" dir="2700000" algn="tl" rotWithShape="0">
-              <a:schemeClr val="bg2">
-                <a:lumMod val="85000"/>
-                <a:alpha val="50000"/>
-              </a:schemeClr>
-            </a:outerShdw>
-          </a:effectLst>
-        </p:spPr>
-        <p:style>
-          <a:lnRef idx="2">
-            <a:schemeClr val="accent1">
-              <a:shade val="50000"/>
-            </a:schemeClr>
-          </a:lnRef>
-          <a:fillRef idx="1">
-            <a:schemeClr val="accent1"/>
-          </a:fillRef>
-          <a:effectRef idx="0">
-            <a:schemeClr val="accent1"/>
-          </a:effectRef>
-          <a:fontRef idx="minor">
-            <a:schemeClr val="lt1"/>
-          </a:fontRef>
-        </p:style>
-        <p:txBody>
-          <a:bodyPr rtlCol="0" anchor="ctr"/>
-          <a:lstStyle/>
-          <a:p>
-            <a:pPr marL="0" marR="0" lvl="0" indent="0" algn="ctr" defTabSz="914400" rtl="0" eaLnBrk="1" fontAlgn="auto" latinLnBrk="0" hangingPunct="1">
-              <a:lnSpc>
-                <a:spcPct val="100000"/>
-              </a:lnSpc>
-              <a:spcBef>
-                <a:spcPts val="0"/>
-              </a:spcBef>
-              <a:spcAft>
-                <a:spcPts val="0"/>
-              </a:spcAft>
-              <a:buClrTx/>
-              <a:buSzTx/>
-              <a:buFontTx/>
-              <a:buNone/>
-              <a:tabLst/>
-              <a:defRPr/>
-            </a:pPr>
-            <a:endParaRPr kumimoji="0" lang="en-US" sz="1800" b="0" i="0" u="none" strike="noStrike" kern="1200" cap="none" spc="0" normalizeH="0" baseline="0" noProof="0">
-              <a:ln>
-                <a:noFill/>
-              </a:ln>
-              <a:solidFill>
-                <a:prstClr val="white"/>
-              </a:solidFill>
-              <a:effectLst/>
-              <a:uLnTx/>
-              <a:uFillTx/>
-              <a:latin typeface="Calibri" panose="020F0502020204030204"/>
-              <a:ea typeface="+mn-ea"/>
-              <a:cs typeface="+mn-cs"/>
-            </a:endParaRPr>
-          </a:p>
-        </p:txBody>
-      </p:sp>
-      <p:sp>
-        <p:nvSpPr>
-          <p:cNvPr id="2" name="Title 1">
-            <a:extLst>
-              <a:ext uri="{FF2B5EF4-FFF2-40B4-BE49-F238E27FC236}">
-                <a16:creationId xmlns:a16="http://schemas.microsoft.com/office/drawing/2014/main" id="{0D26777B-B8BB-E15A-0F32-9D7F11668644}"/>
-              </a:ext>
-            </a:extLst>
-          </p:cNvPr>
-          <p:cNvSpPr>
-            <a:spLocks noGrp="1"/>
-          </p:cNvSpPr>
-          <p:nvPr>
-            <p:ph type="title"/>
-          </p:nvPr>
-        </p:nvSpPr>
-        <p:spPr>
-          <a:xfrm>
-            <a:off x="2103121" y="310343"/>
-            <a:ext cx="7985759" cy="868823"/>
-          </a:xfrm>
-        </p:spPr>
-        <p:txBody>
-          <a:bodyPr vert="horz" lIns="91440" tIns="45720" rIns="91440" bIns="45720" rtlCol="0" anchor="ctr">
-            <a:normAutofit/>
-          </a:bodyPr>
-          <a:lstStyle/>
-          <a:p>
-            <a:pPr algn="ctr"/>
-            <a:r>
-              <a:rPr lang="en-US" sz="4000" b="1" kern="1200">
-                <a:solidFill>
-                  <a:schemeClr val="tx1"/>
-                </a:solidFill>
-                <a:latin typeface="+mj-lt"/>
-                <a:ea typeface="+mj-ea"/>
-                <a:cs typeface="+mj-cs"/>
-              </a:rPr>
-              <a:t>Демонстрация</a:t>
-            </a:r>
-            <a:endParaRPr lang="en-US" sz="4000" kern="1200">
-              <a:solidFill>
-                <a:schemeClr val="tx1"/>
-              </a:solidFill>
-              <a:latin typeface="+mj-lt"/>
-              <a:ea typeface="+mj-ea"/>
-              <a:cs typeface="+mj-cs"/>
-            </a:endParaRPr>
-          </a:p>
-        </p:txBody>
-      </p:sp>
-      <p:sp>
-        <p:nvSpPr>
-          <p:cNvPr id="16" name="Rectangle: Rounded Corners 15">
-            <a:extLst>
-              <a:ext uri="{FF2B5EF4-FFF2-40B4-BE49-F238E27FC236}">
-                <a16:creationId xmlns:a16="http://schemas.microsoft.com/office/drawing/2014/main" id="{586B4EF9-43BA-4655-A6FF-1D8E21574C95}"/>
-              </a:ext>
-              <a:ext uri="{C183D7F6-B498-43B3-948B-1728B52AA6E4}">
-                <adec:decorative xmlns:adec="http://schemas.microsoft.com/office/drawing/2017/decorative" val="1"/>
-              </a:ext>
-            </a:extLst>
-          </p:cNvPr>
-          <p:cNvSpPr>
-            <a:spLocks noGrp="1" noRot="1" noChangeAspect="1" noMove="1" noResize="1" noEditPoints="1" noAdjustHandles="1" noChangeArrowheads="1" noChangeShapeType="1" noTextEdit="1"/>
-          </p:cNvSpPr>
-          <p:nvPr>
-            <p:extLst>
-              <p:ext uri="{386F3935-93C4-4BCD-93E2-E3B085C9AB24}">
-                <p16:designElem xmlns:p16="http://schemas.microsoft.com/office/powerpoint/2015/main" val="1"/>
-              </p:ext>
-            </p:extLst>
-          </p:nvPr>
-        </p:nvSpPr>
-        <p:spPr>
-          <a:xfrm>
-            <a:off x="2483110" y="1211407"/>
-            <a:ext cx="7225780" cy="685800"/>
-          </a:xfrm>
-          <a:prstGeom prst="roundRect">
-            <a:avLst>
-              <a:gd name="adj" fmla="val 0"/>
-            </a:avLst>
-          </a:prstGeom>
-          <a:solidFill>
-            <a:schemeClr val="accent2"/>
-          </a:solidFill>
-          <a:ln>
-            <a:noFill/>
-          </a:ln>
-        </p:spPr>
-        <p:style>
-          <a:lnRef idx="2">
-            <a:schemeClr val="accent1">
-              <a:shade val="50000"/>
-            </a:schemeClr>
-          </a:lnRef>
-          <a:fillRef idx="1">
-            <a:schemeClr val="accent1"/>
-          </a:fillRef>
-          <a:effectRef idx="0">
-            <a:schemeClr val="accent1"/>
-          </a:effectRef>
-          <a:fontRef idx="minor">
-            <a:schemeClr val="lt1"/>
-          </a:fontRef>
-        </p:style>
-        <p:txBody>
-          <a:bodyPr rtlCol="0" anchor="ctr"/>
-          <a:lstStyle/>
-          <a:p>
-            <a:pPr algn="ctr"/>
-            <a:endParaRPr lang="en-US">
-              <a:solidFill>
-                <a:prstClr val="white"/>
-              </a:solidFill>
-              <a:latin typeface="Calibri" panose="020F0502020204030204"/>
-            </a:endParaRPr>
-          </a:p>
-        </p:txBody>
-      </p:sp>
-      <p:pic>
-        <p:nvPicPr>
-          <p:cNvPr id="5" name="Content Placeholder 4" descr="A screenshot of a computer&#10;&#10;Description automatically generated">
-            <a:extLst>
-              <a:ext uri="{FF2B5EF4-FFF2-40B4-BE49-F238E27FC236}">
-                <a16:creationId xmlns:a16="http://schemas.microsoft.com/office/drawing/2014/main" id="{E8C56464-6F51-0A3E-B5F4-A57AB1C78504}"/>
-              </a:ext>
-            </a:extLst>
-          </p:cNvPr>
-          <p:cNvPicPr>
-            <a:picLocks noGrp="1" noChangeAspect="1"/>
-          </p:cNvPicPr>
-          <p:nvPr>
-            <p:ph idx="1"/>
-          </p:nvPr>
-        </p:nvPicPr>
-        <p:blipFill>
-          <a:blip r:embed="rId3"/>
-          <a:stretch>
-            <a:fillRect/>
-          </a:stretch>
-        </p:blipFill>
-        <p:spPr>
-          <a:xfrm>
-            <a:off x="1304757" y="2139484"/>
-            <a:ext cx="9582486" cy="4096512"/>
-          </a:xfrm>
-          <a:prstGeom prst="rect">
-            <a:avLst/>
-          </a:prstGeom>
-        </p:spPr>
-      </p:pic>
-    </p:spTree>
-    <p:extLst>
-      <p:ext uri="{BB962C8B-B14F-4D97-AF65-F5344CB8AC3E}">
-        <p14:creationId xmlns:p14="http://schemas.microsoft.com/office/powerpoint/2010/main" val="3314056251"/>
-      </p:ext>
-    </p:extLst>
-  </p:cSld>
-  <p:clrMapOvr>
-    <a:masterClrMapping/>
-  </p:clrMapOvr>
-</p:sld>
-</file>
-
-<file path=ppt/slides/slide8.xml><?xml version="1.0" encoding="utf-8"?>
-<p:sld xmlns:a="http://schemas.openxmlformats.org/drawingml/2006/main" xmlns:r="http://schemas.openxmlformats.org/officeDocument/2006/relationships" xmlns:p="http://schemas.openxmlformats.org/presentationml/2006/main">
-  <p:cSld>
-    <p:bg>
-      <p:bgPr>
-        <a:solidFill>
-          <a:schemeClr val="bg1"/>
-        </a:solidFill>
-        <a:effectLst/>
-      </p:bgPr>
-    </p:bg>
-    <p:spTree>
-      <p:nvGrpSpPr>
-        <p:cNvPr id="1" name=""/>
-        <p:cNvGrpSpPr/>
-        <p:nvPr/>
-      </p:nvGrpSpPr>
-      <p:grpSpPr>
-        <a:xfrm>
-          <a:off x="0" y="0"/>
-          <a:ext cx="0" cy="0"/>
-          <a:chOff x="0" y="0"/>
-          <a:chExt cx="0" cy="0"/>
-        </a:xfrm>
-      </p:grpSpPr>
-      <p:sp useBgFill="1">
-        <p:nvSpPr>
-          <p:cNvPr id="10" name="Rectangle 9">
-            <a:extLst>
-              <a:ext uri="{FF2B5EF4-FFF2-40B4-BE49-F238E27FC236}">
-                <a16:creationId xmlns:a16="http://schemas.microsoft.com/office/drawing/2014/main" id="{8FC9BE17-9A7B-462D-AE50-3D8777387304}"/>
-              </a:ext>
-              <a:ext uri="{C183D7F6-B498-43B3-948B-1728B52AA6E4}">
-                <adec:decorative xmlns:adec="http://schemas.microsoft.com/office/drawing/2017/decorative" val="1"/>
-              </a:ext>
-            </a:extLst>
-          </p:cNvPr>
-          <p:cNvSpPr>
-            <a:spLocks noGrp="1" noRot="1" noChangeAspect="1" noMove="1" noResize="1" noEditPoints="1" noAdjustHandles="1" noChangeArrowheads="1" noChangeShapeType="1" noTextEdit="1"/>
-          </p:cNvSpPr>
-          <p:nvPr>
-            <p:extLst>
-              <p:ext uri="{386F3935-93C4-4BCD-93E2-E3B085C9AB24}">
-                <p16:designElem xmlns:p16="http://schemas.microsoft.com/office/powerpoint/2015/main" val="1"/>
-              </p:ext>
-            </p:extLst>
-          </p:nvPr>
-        </p:nvSpPr>
-        <p:spPr>
-          <a:xfrm>
-            <a:off x="0" y="0"/>
-            <a:ext cx="12192000" cy="6858000"/>
-          </a:xfrm>
-          <a:prstGeom prst="rect">
-            <a:avLst/>
-          </a:prstGeom>
-          <a:ln>
-            <a:noFill/>
-          </a:ln>
-        </p:spPr>
-        <p:style>
-          <a:lnRef idx="2">
-            <a:schemeClr val="accent1">
-              <a:shade val="50000"/>
-            </a:schemeClr>
-          </a:lnRef>
-          <a:fillRef idx="1">
-            <a:schemeClr val="accent1"/>
-          </a:fillRef>
-          <a:effectRef idx="0">
-            <a:schemeClr val="accent1"/>
-          </a:effectRef>
-          <a:fontRef idx="minor">
-            <a:schemeClr val="lt1"/>
-          </a:fontRef>
-        </p:style>
-        <p:txBody>
-          <a:bodyPr rtlCol="0" anchor="ctr"/>
-          <a:lstStyle/>
-          <a:p>
-            <a:pPr algn="ctr"/>
-            <a:endParaRPr lang="en-US"/>
-          </a:p>
-        </p:txBody>
-      </p:sp>
-      <p:pic>
-        <p:nvPicPr>
-          <p:cNvPr id="4" name="Content Placeholder 3">
-            <a:extLst>
-              <a:ext uri="{FF2B5EF4-FFF2-40B4-BE49-F238E27FC236}">
-                <a16:creationId xmlns:a16="http://schemas.microsoft.com/office/drawing/2014/main" id="{C7CF7130-8AB4-054A-59B0-782AC9C2AAF0}"/>
-              </a:ext>
-            </a:extLst>
-          </p:cNvPr>
-          <p:cNvPicPr>
-            <a:picLocks noGrp="1" noChangeAspect="1"/>
-          </p:cNvPicPr>
-          <p:nvPr>
-            <p:ph idx="1"/>
-          </p:nvPr>
         </p:nvPicPr>
         <p:blipFill rotWithShape="1">
           <a:blip r:embed="rId2"/>
@@ -7172,7 +7718,7 @@
       </p:pic>
       <p:sp>
         <p:nvSpPr>
-          <p:cNvPr id="12" name="Rectangle 11">
+          <p:cNvPr id="59" name="Rectangle 58">
             <a:extLst>
               <a:ext uri="{FF2B5EF4-FFF2-40B4-BE49-F238E27FC236}">
                 <a16:creationId xmlns:a16="http://schemas.microsoft.com/office/drawing/2014/main" id="{3EBE8569-6AEC-4B8C-8D53-2DE337CDBA65}"/>
@@ -7261,7 +7807,7 @@
           <p:cNvPr id="2" name="Title 1">
             <a:extLst>
               <a:ext uri="{FF2B5EF4-FFF2-40B4-BE49-F238E27FC236}">
-                <a16:creationId xmlns:a16="http://schemas.microsoft.com/office/drawing/2014/main" id="{AADB40AC-95BD-363B-69DB-2144C537DB2E}"/>
+                <a16:creationId xmlns:a16="http://schemas.microsoft.com/office/drawing/2014/main" id="{72D34ED8-7BCC-67D6-13C9-F042F9FB3426}"/>
               </a:ext>
             </a:extLst>
           </p:cNvPr>
@@ -7275,7 +7821,7 @@
         <p:spPr>
           <a:xfrm>
             <a:off x="371094" y="1321709"/>
-            <a:ext cx="3758986" cy="1124712"/>
+            <a:ext cx="3438144" cy="1124712"/>
           </a:xfrm>
         </p:spPr>
         <p:txBody>
@@ -7287,9 +7833,23 @@
             <a:r>
               <a:rPr lang="en-US" sz="4000" b="1" err="1">
                 <a:latin typeface="Calibri"/>
-                <a:cs typeface="Calibri"/>
-              </a:rPr>
-              <a:t>Бизнес-модель</a:t>
+                <a:cs typeface="Calibri Light"/>
+              </a:rPr>
+              <a:t>Технологии</a:t>
+            </a:r>
+            <a:r>
+              <a:rPr lang="en-US" sz="4000" b="1" dirty="0">
+                <a:latin typeface="Calibri"/>
+                <a:cs typeface="Calibri Light"/>
+              </a:rPr>
+              <a:t> и </a:t>
+            </a:r>
+            <a:r>
+              <a:rPr lang="en-US" sz="4000" b="1" err="1">
+                <a:latin typeface="Calibri"/>
+                <a:cs typeface="Calibri Light"/>
+              </a:rPr>
+              <a:t>инновации</a:t>
             </a:r>
             <a:endParaRPr lang="en-US" sz="4000" b="1">
               <a:latin typeface="Calibri"/>
@@ -7300,7 +7860,7 @@
       </p:sp>
       <p:sp>
         <p:nvSpPr>
-          <p:cNvPr id="14" name="Rectangle 13">
+          <p:cNvPr id="61" name="Rectangle 60">
             <a:extLst>
               <a:ext uri="{FF2B5EF4-FFF2-40B4-BE49-F238E27FC236}">
                 <a16:creationId xmlns:a16="http://schemas.microsoft.com/office/drawing/2014/main" id="{55D4142C-5077-457F-A6AD-3FECFDB39685}"/>
@@ -7368,7 +7928,7 @@
       </p:sp>
       <p:sp>
         <p:nvSpPr>
-          <p:cNvPr id="16" name="Rectangle 15">
+          <p:cNvPr id="63" name="Rectangle 62">
             <a:extLst>
               <a:ext uri="{FF2B5EF4-FFF2-40B4-BE49-F238E27FC236}">
                 <a16:creationId xmlns:a16="http://schemas.microsoft.com/office/drawing/2014/main" id="{7A5F0580-5EE9-419F-96EE-B6529EF6E7D0}"/>
@@ -7463,294 +8023,221 @@
       </p:sp>
       <p:sp>
         <p:nvSpPr>
-          <p:cNvPr id="5" name="TextBox 4">
+          <p:cNvPr id="52" name="Content Placeholder 7">
             <a:extLst>
               <a:ext uri="{FF2B5EF4-FFF2-40B4-BE49-F238E27FC236}">
-                <a16:creationId xmlns:a16="http://schemas.microsoft.com/office/drawing/2014/main" id="{923BB869-1F94-8DED-34C5-CB2FC100EA93}"/>
+                <a16:creationId xmlns:a16="http://schemas.microsoft.com/office/drawing/2014/main" id="{D1AF7A18-FE24-7F4E-FE5F-D6F9B7454128}"/>
               </a:ext>
             </a:extLst>
           </p:cNvPr>
-          <p:cNvSpPr txBox="1"/>
-          <p:nvPr/>
+          <p:cNvSpPr>
+            <a:spLocks noGrp="1"/>
+          </p:cNvSpPr>
+          <p:nvPr>
+            <p:ph idx="1"/>
+          </p:nvPr>
         </p:nvSpPr>
         <p:spPr>
           <a:xfrm>
             <a:off x="371094" y="2718054"/>
             <a:ext cx="3438906" cy="3207258"/>
           </a:xfrm>
-          <a:prstGeom prst="rect">
-            <a:avLst/>
-          </a:prstGeom>
         </p:spPr>
         <p:txBody>
-          <a:bodyPr rot="0" spcFirstLastPara="0" vertOverflow="overflow" horzOverflow="overflow" vert="horz" lIns="91440" tIns="45720" rIns="91440" bIns="45720" numCol="1" spcCol="0" rtlCol="0" fromWordArt="0" anchor="t" anchorCtr="0" forceAA="0" compatLnSpc="1">
-            <a:prstTxWarp prst="textNoShape">
-              <a:avLst/>
-            </a:prstTxWarp>
-            <a:normAutofit lnSpcReduction="10000"/>
+          <a:bodyPr anchor="t">
+            <a:normAutofit/>
           </a:bodyPr>
           <a:lstStyle/>
           <a:p>
-            <a:pPr indent="-228600">
-              <a:lnSpc>
-                <a:spcPct val="90000"/>
-              </a:lnSpc>
-              <a:spcAft>
-                <a:spcPts val="600"/>
-              </a:spcAft>
-              <a:buFont typeface="Arial" panose="020B0604020202020204" pitchFamily="34" charset="0"/>
-              <a:buChar char="•"/>
+            <a:r>
+              <a:rPr lang="en-US" sz="1700" dirty="0" err="1">
+                <a:cs typeface="Calibri"/>
+              </a:rPr>
+              <a:t>Серверная</a:t>
+            </a:r>
+            <a:r>
+              <a:rPr lang="en-US" sz="1700" dirty="0">
+                <a:cs typeface="Calibri"/>
+              </a:rPr>
+              <a:t> </a:t>
+            </a:r>
+            <a:r>
+              <a:rPr lang="en-US" sz="1700" dirty="0" err="1">
+                <a:cs typeface="Calibri"/>
+              </a:rPr>
+              <a:t>часть</a:t>
+            </a:r>
+          </a:p>
+          <a:p>
+            <a:pPr lvl="1">
+              <a:buFont typeface="Courier New" panose="020B0604020202020204" pitchFamily="34" charset="0"/>
+              <a:buChar char="o"/>
             </a:pPr>
             <a:r>
-              <a:rPr lang="en-US" sz="1700" dirty="0" err="1"/>
-              <a:t>Заработок</a:t>
-            </a:r>
-            <a:r>
-              <a:rPr lang="en-US" sz="1700" dirty="0"/>
-              <a:t> </a:t>
-            </a:r>
-            <a:r>
-              <a:rPr lang="en-US" sz="1700" dirty="0" err="1"/>
-              <a:t>планируется</a:t>
-            </a:r>
-            <a:r>
-              <a:rPr lang="en-US" sz="1700" dirty="0"/>
-              <a:t> </a:t>
-            </a:r>
-            <a:r>
-              <a:rPr lang="en-US" sz="1700" dirty="0" err="1"/>
-              <a:t>через</a:t>
-            </a:r>
-            <a:r>
-              <a:rPr lang="en-US" sz="1700" dirty="0"/>
-              <a:t> </a:t>
-            </a:r>
-            <a:r>
-              <a:rPr lang="en-US" sz="1700" dirty="0" err="1"/>
-              <a:t>премиум</a:t>
-            </a:r>
-            <a:r>
-              <a:rPr lang="en-US" sz="1700" dirty="0"/>
-              <a:t> </a:t>
-            </a:r>
-            <a:r>
-              <a:rPr lang="en-US" sz="1700" dirty="0" err="1"/>
-              <a:t>подписки</a:t>
-            </a:r>
-            <a:r>
-              <a:rPr lang="en-US" sz="1700" dirty="0"/>
-              <a:t>, </a:t>
-            </a:r>
-            <a:r>
-              <a:rPr lang="en-US" sz="1700" dirty="0" err="1"/>
-              <a:t>которые</a:t>
-            </a:r>
-            <a:r>
-              <a:rPr lang="en-US" sz="1700" dirty="0"/>
-              <a:t> </a:t>
-            </a:r>
-            <a:r>
-              <a:rPr lang="en-US" sz="1700" dirty="0" err="1"/>
-              <a:t>открывают</a:t>
-            </a:r>
-            <a:r>
-              <a:rPr lang="en-US" sz="1700" dirty="0"/>
-              <a:t> </a:t>
-            </a:r>
-            <a:r>
-              <a:rPr lang="en-US" sz="1700" dirty="0" err="1"/>
-              <a:t>возможность</a:t>
-            </a:r>
-            <a:r>
-              <a:rPr lang="en-US" sz="1700" dirty="0"/>
-              <a:t> к </a:t>
-            </a:r>
-            <a:r>
-              <a:rPr lang="en-US" sz="1700" dirty="0" err="1"/>
-              <a:t>созданию</a:t>
-            </a:r>
-            <a:r>
-              <a:rPr lang="en-US" sz="1700" dirty="0"/>
-              <a:t> </a:t>
-            </a:r>
-            <a:r>
-              <a:rPr lang="en-US" sz="1700" dirty="0" err="1"/>
-              <a:t>большего</a:t>
-            </a:r>
-            <a:r>
-              <a:rPr lang="en-US" sz="1700" dirty="0"/>
-              <a:t> </a:t>
-            </a:r>
-            <a:r>
-              <a:rPr lang="en-US" sz="1700" dirty="0" err="1"/>
-              <a:t>количества</a:t>
-            </a:r>
-            <a:r>
-              <a:rPr lang="en-US" sz="1700" dirty="0"/>
-              <a:t> </a:t>
-            </a:r>
-            <a:r>
-              <a:rPr lang="en-US" sz="1700" dirty="0" err="1"/>
-              <a:t>мероприятий</a:t>
-            </a:r>
-            <a:r>
-              <a:rPr lang="en-US" sz="1700" dirty="0"/>
-              <a:t>, а </a:t>
-            </a:r>
-            <a:r>
-              <a:rPr lang="en-US" sz="1700" dirty="0" err="1"/>
-              <a:t>также</a:t>
-            </a:r>
-            <a:r>
-              <a:rPr lang="en-US" sz="1700" dirty="0"/>
-              <a:t> </a:t>
-            </a:r>
-            <a:r>
-              <a:rPr lang="en-US" sz="1700" dirty="0" err="1"/>
-              <a:t>приглашений</a:t>
-            </a:r>
-            <a:r>
-              <a:rPr lang="en-US" sz="1700" dirty="0"/>
-              <a:t> с </a:t>
-            </a:r>
-            <a:r>
-              <a:rPr lang="en-US" sz="1700" dirty="0" err="1"/>
-              <a:t>большим</a:t>
-            </a:r>
-            <a:r>
-              <a:rPr lang="en-US" sz="1700" dirty="0"/>
-              <a:t> </a:t>
-            </a:r>
-            <a:r>
-              <a:rPr lang="en-US" sz="1700" dirty="0" err="1"/>
-              <a:t>количеством</a:t>
-            </a:r>
-            <a:r>
-              <a:rPr lang="en-US" sz="1700" dirty="0"/>
-              <a:t> </a:t>
-            </a:r>
-            <a:r>
-              <a:rPr lang="en-US" sz="1700" dirty="0" err="1"/>
-              <a:t>стилей</a:t>
-            </a:r>
-            <a:endParaRPr lang="en-US" dirty="0" err="1"/>
-          </a:p>
-          <a:p>
-            <a:pPr indent="-228600">
-              <a:lnSpc>
-                <a:spcPct val="90000"/>
-              </a:lnSpc>
-              <a:spcAft>
-                <a:spcPts val="600"/>
-              </a:spcAft>
-              <a:buFont typeface="Arial" panose="020B0604020202020204" pitchFamily="34" charset="0"/>
-              <a:buChar char="•"/>
+              <a:rPr lang="en-US" sz="1700" dirty="0">
+                <a:ea typeface="+mn-lt"/>
+                <a:cs typeface="+mn-lt"/>
+              </a:rPr>
+              <a:t>Java 17 </a:t>
+            </a:r>
+            <a:r>
+              <a:rPr lang="en-US" sz="1700" dirty="0" err="1">
+                <a:ea typeface="+mn-lt"/>
+                <a:cs typeface="+mn-lt"/>
+              </a:rPr>
+              <a:t>версии</a:t>
+            </a:r>
+          </a:p>
+          <a:p>
+            <a:pPr lvl="1">
+              <a:buFont typeface="Courier New" panose="020B0604020202020204" pitchFamily="34" charset="0"/>
+              <a:buChar char="o"/>
             </a:pPr>
-            <a:endParaRPr lang="en-US" sz="1700" dirty="0"/>
-          </a:p>
-          <a:p>
-            <a:pPr indent="-228600">
-              <a:lnSpc>
-                <a:spcPct val="90000"/>
-              </a:lnSpc>
-              <a:spcAft>
-                <a:spcPts val="600"/>
-              </a:spcAft>
-              <a:buFont typeface="Arial" panose="020B0604020202020204" pitchFamily="34" charset="0"/>
-              <a:buChar char="•"/>
-            </a:pPr>
-            <a:r>
-              <a:rPr lang="en-US" sz="1700" dirty="0" err="1"/>
-              <a:t>Реклама</a:t>
-            </a:r>
-            <a:r>
-              <a:rPr lang="en-US" sz="1700" dirty="0"/>
-              <a:t> и </a:t>
-            </a:r>
-            <a:r>
-              <a:rPr lang="en-US" sz="1700" dirty="0" err="1"/>
-              <a:t>спонсорство</a:t>
-            </a:r>
-            <a:r>
-              <a:rPr lang="en-US" sz="1700" dirty="0"/>
-              <a:t> </a:t>
-            </a:r>
-            <a:r>
-              <a:rPr lang="en-US" sz="1700" dirty="0" err="1"/>
-              <a:t>через</a:t>
-            </a:r>
-            <a:r>
-              <a:rPr lang="en-US" sz="1700" dirty="0"/>
-              <a:t> </a:t>
-            </a:r>
-            <a:r>
-              <a:rPr lang="en-US" sz="1700" dirty="0" err="1"/>
-              <a:t>банеры</a:t>
-            </a:r>
-            <a:br>
-              <a:rPr lang="en-US" sz="1700" dirty="0"/>
-            </a:br>
+            <a:r>
+              <a:rPr lang="en-US" sz="1700" dirty="0">
+                <a:ea typeface="+mn-lt"/>
+                <a:cs typeface="+mn-lt"/>
+              </a:rPr>
+              <a:t>Spring Boot 3.1.9</a:t>
+            </a:r>
             <a:endParaRPr lang="en-US" sz="1700" dirty="0">
               <a:cs typeface="Calibri"/>
             </a:endParaRPr>
           </a:p>
           <a:p>
-            <a:pPr indent="-228600">
-              <a:lnSpc>
-                <a:spcPct val="90000"/>
-              </a:lnSpc>
-              <a:spcAft>
-                <a:spcPts val="600"/>
-              </a:spcAft>
-              <a:buFont typeface="Arial" panose="020B0604020202020204" pitchFamily="34" charset="0"/>
-              <a:buChar char="•"/>
+            <a:pPr lvl="1">
+              <a:buFont typeface="Courier New" panose="020B0604020202020204" pitchFamily="34" charset="0"/>
+              <a:buChar char="o"/>
             </a:pPr>
             <a:r>
-              <a:rPr lang="en-US" sz="1700" dirty="0" err="1"/>
-              <a:t>Платное</a:t>
-            </a:r>
-            <a:r>
-              <a:rPr lang="en-US" sz="1700" dirty="0"/>
-              <a:t> </a:t>
-            </a:r>
-            <a:r>
-              <a:rPr lang="en-US" sz="1700" dirty="0" err="1"/>
-              <a:t>продвижение</a:t>
-            </a:r>
-            <a:r>
-              <a:rPr lang="en-US" sz="1700" dirty="0"/>
-              <a:t> </a:t>
-            </a:r>
-            <a:r>
-              <a:rPr lang="en-US" sz="1700" dirty="0" err="1"/>
-              <a:t>открытых</a:t>
-            </a:r>
-            <a:r>
-              <a:rPr lang="en-US" sz="1700" dirty="0"/>
-              <a:t> </a:t>
-            </a:r>
-            <a:r>
-              <a:rPr lang="en-US" sz="1700" dirty="0" err="1"/>
-              <a:t>мероприятий</a:t>
-            </a:r>
-            <a:r>
-              <a:rPr lang="en-US" sz="1700" dirty="0"/>
-              <a:t> в </a:t>
-            </a:r>
-            <a:r>
-              <a:rPr lang="en-US" sz="1700" dirty="0" err="1"/>
-              <a:t>ленте</a:t>
+              <a:rPr lang="en-US" sz="1700" dirty="0">
+                <a:ea typeface="+mn-lt"/>
+                <a:cs typeface="+mn-lt"/>
+              </a:rPr>
+              <a:t>PostgreSQL 16.2</a:t>
+            </a:r>
+            <a:endParaRPr lang="en-US" sz="1700">
+              <a:cs typeface="Calibri"/>
+            </a:endParaRPr>
+          </a:p>
+          <a:p>
+            <a:pPr lvl="1">
+              <a:buFont typeface="Courier New" panose="020B0604020202020204" pitchFamily="34" charset="0"/>
+              <a:buChar char="o"/>
+            </a:pPr>
+            <a:r>
+              <a:rPr lang="en-US" sz="1700" dirty="0">
+                <a:cs typeface="Calibri"/>
+              </a:rPr>
+              <a:t>PHP </a:t>
+            </a:r>
+            <a:r>
+              <a:rPr lang="en-US" sz="1700" dirty="0" err="1">
+                <a:cs typeface="Calibri"/>
+              </a:rPr>
+              <a:t>версии</a:t>
+            </a:r>
+            <a:r>
+              <a:rPr lang="en-US" sz="1700" dirty="0">
+                <a:cs typeface="Calibri"/>
+              </a:rPr>
+              <a:t> 8.1</a:t>
+            </a:r>
+          </a:p>
+          <a:p>
+            <a:r>
+              <a:rPr lang="en-US" sz="1700" dirty="0" err="1">
+                <a:cs typeface="Calibri"/>
+              </a:rPr>
+              <a:t>Клиентская</a:t>
+            </a:r>
+            <a:r>
+              <a:rPr lang="en-US" sz="1700" dirty="0">
+                <a:cs typeface="Calibri"/>
+              </a:rPr>
+              <a:t> </a:t>
+            </a:r>
+            <a:r>
+              <a:rPr lang="en-US" sz="1700" dirty="0" err="1">
+                <a:cs typeface="Calibri"/>
+              </a:rPr>
+              <a:t>часть</a:t>
             </a:r>
             <a:endParaRPr lang="en-US" sz="1700" dirty="0">
               <a:cs typeface="Calibri"/>
             </a:endParaRPr>
           </a:p>
+          <a:p>
+            <a:pPr lvl="1">
+              <a:buFont typeface="Courier New,monospace" panose="020B0604020202020204" pitchFamily="34" charset="0"/>
+              <a:buChar char="o"/>
+            </a:pPr>
+            <a:r>
+              <a:rPr lang="en-US" sz="1700" dirty="0">
+                <a:cs typeface="Calibri"/>
+              </a:rPr>
+              <a:t>HTML5</a:t>
+            </a:r>
+          </a:p>
+          <a:p>
+            <a:pPr lvl="1">
+              <a:buFont typeface="Courier New,monospace" panose="020B0604020202020204" pitchFamily="34" charset="0"/>
+              <a:buChar char="o"/>
+            </a:pPr>
+            <a:r>
+              <a:rPr lang="en-US" sz="1700" dirty="0">
+                <a:cs typeface="Calibri"/>
+              </a:rPr>
+              <a:t>CSS3</a:t>
+            </a:r>
+          </a:p>
+          <a:p>
+            <a:pPr lvl="1">
+              <a:buFont typeface="Courier New,monospace" panose="020B0604020202020204" pitchFamily="34" charset="0"/>
+              <a:buChar char="o"/>
+            </a:pPr>
+            <a:r>
+              <a:rPr lang="en-US" sz="1700" dirty="0">
+                <a:cs typeface="Calibri"/>
+              </a:rPr>
+              <a:t>JavaScript </a:t>
+            </a:r>
+            <a:r>
+              <a:rPr lang="en-US" sz="1700" dirty="0" err="1">
+                <a:cs typeface="Calibri"/>
+              </a:rPr>
+              <a:t>версии</a:t>
+            </a:r>
+            <a:r>
+              <a:rPr lang="en-US" sz="1700" dirty="0">
+                <a:cs typeface="Calibri"/>
+              </a:rPr>
+              <a:t> 1.8.5</a:t>
+            </a:r>
+          </a:p>
+          <a:p>
+            <a:pPr marL="457200" lvl="1" indent="0">
+              <a:buNone/>
+            </a:pPr>
+            <a:endParaRPr lang="en-US" sz="1700" dirty="0">
+              <a:cs typeface="Calibri"/>
+            </a:endParaRPr>
+          </a:p>
+          <a:p>
+            <a:pPr lvl="1">
+              <a:buFont typeface="Courier New" panose="020B0604020202020204" pitchFamily="34" charset="0"/>
+              <a:buChar char="o"/>
+            </a:pPr>
+            <a:endParaRPr lang="en-US" sz="1700">
+              <a:cs typeface="Calibri"/>
+            </a:endParaRPr>
+          </a:p>
         </p:txBody>
       </p:sp>
     </p:spTree>
     <p:extLst>
       <p:ext uri="{BB962C8B-B14F-4D97-AF65-F5344CB8AC3E}">
-        <p14:creationId xmlns:p14="http://schemas.microsoft.com/office/powerpoint/2010/main" val="4140361545"/>
+        <p14:creationId xmlns:p14="http://schemas.microsoft.com/office/powerpoint/2010/main" val="176590559"/>
       </p:ext>
     </p:extLst>
   </p:cSld>
@@ -7760,7 +8247,7 @@
 </p:sld>
 </file>
 
-<file path=ppt/slides/slide9.xml><?xml version="1.0" encoding="utf-8"?>
+<file path=ppt/slides/slide6.xml><?xml version="1.0" encoding="utf-8"?>
 <p:sld xmlns:a="http://schemas.openxmlformats.org/drawingml/2006/main" xmlns:r="http://schemas.openxmlformats.org/officeDocument/2006/relationships" xmlns:p="http://schemas.openxmlformats.org/presentationml/2006/main">
   <p:cSld>
     <p:bg>
@@ -7787,7 +8274,7 @@
       </p:grpSpPr>
       <p:sp useBgFill="1">
         <p:nvSpPr>
-          <p:cNvPr id="12" name="Rectangle 11">
+          <p:cNvPr id="10" name="Rectangle 9">
             <a:extLst>
               <a:ext uri="{FF2B5EF4-FFF2-40B4-BE49-F238E27FC236}">
                 <a16:creationId xmlns:a16="http://schemas.microsoft.com/office/drawing/2014/main" id="{8FC9BE17-9A7B-462D-AE50-3D8777387304}"/>
@@ -7847,17 +8334,19 @@
       </p:sp>
       <p:pic>
         <p:nvPicPr>
-          <p:cNvPr id="7" name="Picture 6">
+          <p:cNvPr id="4" name="Content Placeholder 3">
             <a:extLst>
               <a:ext uri="{FF2B5EF4-FFF2-40B4-BE49-F238E27FC236}">
-                <a16:creationId xmlns:a16="http://schemas.microsoft.com/office/drawing/2014/main" id="{C7DD55F8-9572-2301-D71A-F0F18665D69C}"/>
+                <a16:creationId xmlns:a16="http://schemas.microsoft.com/office/drawing/2014/main" id="{41C5375D-82CA-43E4-B254-79507938CCD7}"/>
               </a:ext>
             </a:extLst>
           </p:cNvPr>
           <p:cNvPicPr>
-            <a:picLocks noChangeAspect="1"/>
+            <a:picLocks noGrp="1" noChangeAspect="1"/>
           </p:cNvPicPr>
-          <p:nvPr/>
+          <p:nvPr>
+            <p:ph idx="1"/>
+          </p:nvPr>
         </p:nvPicPr>
         <p:blipFill rotWithShape="1">
           <a:blip r:embed="rId2"/>
@@ -7876,7 +8365,7 @@
       </p:pic>
       <p:sp>
         <p:nvSpPr>
-          <p:cNvPr id="14" name="Rectangle 13">
+          <p:cNvPr id="12" name="Rectangle 11">
             <a:extLst>
               <a:ext uri="{FF2B5EF4-FFF2-40B4-BE49-F238E27FC236}">
                 <a16:creationId xmlns:a16="http://schemas.microsoft.com/office/drawing/2014/main" id="{3EBE8569-6AEC-4B8C-8D53-2DE337CDBA65}"/>
@@ -7965,7 +8454,7 @@
           <p:cNvPr id="2" name="Title 1">
             <a:extLst>
               <a:ext uri="{FF2B5EF4-FFF2-40B4-BE49-F238E27FC236}">
-                <a16:creationId xmlns:a16="http://schemas.microsoft.com/office/drawing/2014/main" id="{F42B3ED2-4A96-3F9E-6629-2CFE161C55DB}"/>
+                <a16:creationId xmlns:a16="http://schemas.microsoft.com/office/drawing/2014/main" id="{236A0BE2-258A-E2C8-B498-2C882B84CD40}"/>
               </a:ext>
             </a:extLst>
           </p:cNvPr>
@@ -7978,38 +8467,38 @@
         </p:nvSpPr>
         <p:spPr>
           <a:xfrm>
-            <a:off x="371094" y="1161288"/>
-            <a:ext cx="3438144" cy="1124712"/>
+            <a:off x="421225" y="1321710"/>
+            <a:ext cx="3578512" cy="1124712"/>
           </a:xfrm>
         </p:spPr>
         <p:txBody>
-          <a:bodyPr anchor="b">
-            <a:normAutofit/>
+          <a:bodyPr vert="horz" lIns="91440" tIns="45720" rIns="91440" bIns="45720" rtlCol="0" anchor="b">
+            <a:noAutofit/>
           </a:bodyPr>
           <a:lstStyle/>
           <a:p>
             <a:r>
-              <a:rPr lang="en-US" sz="4000" b="1" err="1">
+              <a:rPr lang="en-US" sz="4000" b="1" dirty="0" err="1">
                 <a:latin typeface="Calibri"/>
-                <a:cs typeface="Calibri Light"/>
-              </a:rPr>
-              <a:t>План</a:t>
+                <a:cs typeface="Calibri"/>
+              </a:rPr>
+              <a:t>Конкурентное</a:t>
             </a:r>
             <a:r>
               <a:rPr lang="en-US" sz="4000" b="1" dirty="0">
                 <a:latin typeface="Calibri"/>
-                <a:cs typeface="Calibri Light"/>
+                <a:cs typeface="Calibri"/>
               </a:rPr>
               <a:t> </a:t>
             </a:r>
             <a:r>
-              <a:rPr lang="en-US" sz="4000" b="1" err="1">
+              <a:rPr lang="en-US" sz="4000" b="1" dirty="0" err="1">
                 <a:latin typeface="Calibri"/>
-                <a:cs typeface="Calibri Light"/>
-              </a:rPr>
-              <a:t>развития</a:t>
-            </a:r>
-            <a:endParaRPr lang="en-US" sz="2800" dirty="0" err="1">
+                <a:cs typeface="Calibri"/>
+              </a:rPr>
+              <a:t>преимущество</a:t>
+            </a:r>
+            <a:endParaRPr lang="en-US" sz="4000" b="1" dirty="0">
               <a:latin typeface="Calibri"/>
               <a:cs typeface="Calibri"/>
             </a:endParaRPr>
@@ -8018,7 +8507,7 @@
       </p:sp>
       <p:sp>
         <p:nvSpPr>
-          <p:cNvPr id="16" name="Rectangle 15">
+          <p:cNvPr id="14" name="Rectangle 13">
             <a:extLst>
               <a:ext uri="{FF2B5EF4-FFF2-40B4-BE49-F238E27FC236}">
                 <a16:creationId xmlns:a16="http://schemas.microsoft.com/office/drawing/2014/main" id="{55D4142C-5077-457F-A6AD-3FECFDB39685}"/>
@@ -8086,7 +8575,7 @@
       </p:sp>
       <p:sp>
         <p:nvSpPr>
-          <p:cNvPr id="18" name="Rectangle 17">
+          <p:cNvPr id="16" name="Rectangle 15">
             <a:extLst>
               <a:ext uri="{FF2B5EF4-FFF2-40B4-BE49-F238E27FC236}">
                 <a16:creationId xmlns:a16="http://schemas.microsoft.com/office/drawing/2014/main" id="{7A5F0580-5EE9-419F-96EE-B6529EF6E7D0}"/>
@@ -8181,138 +8670,249 @@
       </p:sp>
       <p:sp>
         <p:nvSpPr>
-          <p:cNvPr id="3" name="Content Placeholder 2">
+          <p:cNvPr id="5" name="TextBox 4">
             <a:extLst>
               <a:ext uri="{FF2B5EF4-FFF2-40B4-BE49-F238E27FC236}">
-                <a16:creationId xmlns:a16="http://schemas.microsoft.com/office/drawing/2014/main" id="{3DFDF4DA-8452-D07B-FE52-327D28CD3B37}"/>
+                <a16:creationId xmlns:a16="http://schemas.microsoft.com/office/drawing/2014/main" id="{6562C4E6-3802-33A4-40AF-A73F588B064F}"/>
               </a:ext>
             </a:extLst>
           </p:cNvPr>
-          <p:cNvSpPr>
-            <a:spLocks noGrp="1"/>
-          </p:cNvSpPr>
-          <p:nvPr>
-            <p:ph idx="1"/>
-          </p:nvPr>
+          <p:cNvSpPr txBox="1"/>
+          <p:nvPr/>
         </p:nvSpPr>
         <p:spPr>
           <a:xfrm>
             <a:off x="371094" y="2718054"/>
-            <a:ext cx="3549195" cy="3207258"/>
+            <a:ext cx="3809879" cy="3207258"/>
           </a:xfrm>
+          <a:prstGeom prst="rect">
+            <a:avLst/>
+          </a:prstGeom>
         </p:spPr>
         <p:txBody>
-          <a:bodyPr vert="horz" lIns="91440" tIns="45720" rIns="91440" bIns="45720" rtlCol="0" anchor="t">
+          <a:bodyPr rot="0" spcFirstLastPara="0" vertOverflow="overflow" horzOverflow="overflow" vert="horz" lIns="91440" tIns="45720" rIns="91440" bIns="45720" numCol="1" spcCol="0" rtlCol="0" fromWordArt="0" anchor="t" anchorCtr="0" forceAA="0" compatLnSpc="1">
+            <a:prstTxWarp prst="textNoShape">
+              <a:avLst/>
+            </a:prstTxWarp>
             <a:normAutofit/>
           </a:bodyPr>
           <a:lstStyle/>
           <a:p>
-            <a:r>
-              <a:rPr lang="en-US" sz="1600">
-                <a:cs typeface="Calibri"/>
-              </a:rPr>
-              <a:t>Краткосрочный</a:t>
-            </a:r>
-          </a:p>
-          <a:p>
-            <a:pPr lvl="1">
-              <a:buFont typeface="Courier New" panose="020B0604020202020204" pitchFamily="34" charset="0"/>
-              <a:buChar char="o"/>
+            <a:pPr indent="-228600">
+              <a:lnSpc>
+                <a:spcPct val="90000"/>
+              </a:lnSpc>
+              <a:spcAft>
+                <a:spcPts val="600"/>
+              </a:spcAft>
+              <a:buFont typeface="Arial" panose="020B0604020202020204" pitchFamily="34" charset="0"/>
+              <a:buChar char="•"/>
             </a:pPr>
             <a:r>
-              <a:rPr lang="en-US" sz="1600">
-                <a:cs typeface="Calibri"/>
-              </a:rPr>
-              <a:t>Запуск MVP</a:t>
-            </a:r>
-          </a:p>
-          <a:p>
-            <a:pPr lvl="1">
-              <a:buFont typeface="Courier New" panose="020B0604020202020204" pitchFamily="34" charset="0"/>
-              <a:buChar char="o"/>
+              <a:rPr lang="en-US" sz="1700" dirty="0" err="1"/>
+              <a:t>Создание</a:t>
+            </a:r>
+            <a:r>
+              <a:rPr lang="en-US" sz="1700" dirty="0"/>
+              <a:t> </a:t>
+            </a:r>
+            <a:r>
+              <a:rPr lang="en-US" sz="1700" dirty="0" err="1"/>
+              <a:t>стилизованного</a:t>
+            </a:r>
+            <a:r>
+              <a:rPr lang="en-US" sz="1700" dirty="0"/>
+              <a:t> </a:t>
+            </a:r>
+            <a:r>
+              <a:rPr lang="en-US" sz="1700" dirty="0" err="1"/>
+              <a:t>приглашения</a:t>
+            </a:r>
+            <a:br>
+              <a:rPr lang="en-US" sz="1700" dirty="0"/>
+            </a:br>
+            <a:endParaRPr lang="en-US" sz="1700" dirty="0"/>
+          </a:p>
+          <a:p>
+            <a:pPr indent="-228600">
+              <a:lnSpc>
+                <a:spcPct val="90000"/>
+              </a:lnSpc>
+              <a:spcAft>
+                <a:spcPts val="600"/>
+              </a:spcAft>
+              <a:buFont typeface="Arial" panose="020B0604020202020204" pitchFamily="34" charset="0"/>
+              <a:buChar char="•"/>
             </a:pPr>
             <a:r>
-              <a:rPr lang="en-US" sz="1600">
-                <a:cs typeface="Calibri"/>
-              </a:rPr>
-              <a:t>Привлечение пользователей</a:t>
-            </a:r>
-          </a:p>
-          <a:p>
-            <a:pPr lvl="1">
-              <a:buFont typeface="Courier New" panose="020B0604020202020204" pitchFamily="34" charset="0"/>
-              <a:buChar char="o"/>
+              <a:rPr lang="en-US" sz="1700" dirty="0" err="1"/>
+              <a:t>Использование</a:t>
+            </a:r>
+            <a:r>
+              <a:rPr lang="en-US" sz="1700" dirty="0"/>
+              <a:t> QR-</a:t>
+            </a:r>
+            <a:r>
+              <a:rPr lang="en-US" sz="1700" dirty="0" err="1"/>
+              <a:t>кода</a:t>
+            </a:r>
+            <a:r>
+              <a:rPr lang="en-US" sz="1700" dirty="0"/>
+              <a:t> </a:t>
+            </a:r>
+            <a:r>
+              <a:rPr lang="en-US" sz="1700" dirty="0" err="1"/>
+              <a:t>для</a:t>
+            </a:r>
+            <a:r>
+              <a:rPr lang="en-US" sz="1700" dirty="0"/>
+              <a:t> </a:t>
+            </a:r>
+            <a:r>
+              <a:rPr lang="en-US" sz="1700" dirty="0" err="1"/>
+              <a:t>индефикации</a:t>
+            </a:r>
+            <a:r>
+              <a:rPr lang="en-US" sz="1700" dirty="0"/>
+              <a:t> </a:t>
+            </a:r>
+            <a:r>
+              <a:rPr lang="en-US" sz="1700" dirty="0" err="1"/>
+              <a:t>человека</a:t>
+            </a:r>
+            <a:r>
+              <a:rPr lang="en-US" sz="1700" dirty="0"/>
+              <a:t>, а </a:t>
+            </a:r>
+            <a:r>
+              <a:rPr lang="en-US" sz="1700" dirty="0" err="1"/>
+              <a:t>также</a:t>
+            </a:r>
+            <a:r>
+              <a:rPr lang="en-US" sz="1700" dirty="0"/>
+              <a:t> </a:t>
+            </a:r>
+            <a:r>
+              <a:rPr lang="en-US" sz="1700" dirty="0" err="1"/>
+              <a:t>как</a:t>
+            </a:r>
+            <a:r>
+              <a:rPr lang="en-US" sz="1700" dirty="0"/>
+              <a:t> </a:t>
+            </a:r>
+            <a:r>
+              <a:rPr lang="en-US" sz="1700" dirty="0" err="1"/>
+              <a:t>пропуск</a:t>
+            </a:r>
+            <a:r>
+              <a:rPr lang="en-US" sz="1700" dirty="0"/>
+              <a:t> </a:t>
+            </a:r>
+            <a:r>
+              <a:rPr lang="en-US" sz="1700" dirty="0" err="1"/>
+              <a:t>на</a:t>
+            </a:r>
+            <a:r>
+              <a:rPr lang="en-US" sz="1700" dirty="0"/>
+              <a:t> </a:t>
+            </a:r>
+            <a:r>
+              <a:rPr lang="en-US" sz="1700" dirty="0" err="1"/>
+              <a:t>мероприятие</a:t>
+            </a:r>
+            <a:br>
+              <a:rPr lang="en-US" sz="1700" dirty="0"/>
+            </a:br>
+            <a:endParaRPr lang="en-US" sz="1700" dirty="0">
+              <a:cs typeface="Calibri"/>
+            </a:endParaRPr>
+          </a:p>
+          <a:p>
+            <a:pPr indent="-228600">
+              <a:lnSpc>
+                <a:spcPct val="90000"/>
+              </a:lnSpc>
+              <a:spcAft>
+                <a:spcPts val="600"/>
+              </a:spcAft>
+              <a:buFont typeface="Arial" panose="020B0604020202020204" pitchFamily="34" charset="0"/>
+              <a:buChar char="•"/>
             </a:pPr>
             <a:r>
-              <a:rPr lang="en-US" sz="1600">
-                <a:cs typeface="Calibri"/>
-              </a:rPr>
-              <a:t>Сбор и анализ данных</a:t>
-            </a:r>
-          </a:p>
-          <a:p>
-            <a:pPr lvl="1">
-              <a:buFont typeface="Courier New" panose="020B0604020202020204" pitchFamily="34" charset="0"/>
-              <a:buChar char="o"/>
+              <a:rPr lang="en-US" sz="1700" dirty="0" err="1"/>
+              <a:t>Возможность</a:t>
+            </a:r>
+            <a:r>
+              <a:rPr lang="en-US" sz="1700" dirty="0"/>
+              <a:t> </a:t>
+            </a:r>
+            <a:r>
+              <a:rPr lang="en-US" sz="1700" dirty="0" err="1"/>
+              <a:t>создать</a:t>
+            </a:r>
+            <a:r>
+              <a:rPr lang="en-US" sz="1700" dirty="0"/>
+              <a:t> </a:t>
+            </a:r>
+            <a:r>
+              <a:rPr lang="en-US" sz="1700" dirty="0" err="1"/>
+              <a:t>мероприятие</a:t>
+            </a:r>
+            <a:r>
+              <a:rPr lang="en-US" sz="1700" dirty="0"/>
+              <a:t> </a:t>
+            </a:r>
+            <a:r>
+              <a:rPr lang="en-US" sz="1700" dirty="0" err="1"/>
+              <a:t>без</a:t>
+            </a:r>
+            <a:r>
+              <a:rPr lang="en-US" sz="1700" dirty="0"/>
+              <a:t> </a:t>
+            </a:r>
+            <a:r>
+              <a:rPr lang="en-US" sz="1700" dirty="0" err="1"/>
+              <a:t>регистрации</a:t>
+            </a:r>
+            <a:br>
+              <a:rPr lang="en-US" sz="1700" dirty="0"/>
+            </a:br>
+            <a:endParaRPr lang="en-US" sz="1700">
+              <a:cs typeface="Calibri"/>
+            </a:endParaRPr>
+          </a:p>
+          <a:p>
+            <a:pPr indent="-228600">
+              <a:lnSpc>
+                <a:spcPct val="90000"/>
+              </a:lnSpc>
+              <a:spcAft>
+                <a:spcPts val="600"/>
+              </a:spcAft>
+              <a:buFont typeface="Arial" panose="020B0604020202020204" pitchFamily="34" charset="0"/>
+              <a:buChar char="•"/>
             </a:pPr>
             <a:r>
-              <a:rPr lang="en-US" sz="1600">
-                <a:cs typeface="Calibri"/>
-              </a:rPr>
-              <a:t>Доработка сервиса</a:t>
-            </a:r>
-          </a:p>
-          <a:p>
-            <a:r>
-              <a:rPr lang="en-US" sz="1600" dirty="0" err="1">
-                <a:cs typeface="Calibri"/>
-              </a:rPr>
-              <a:t>Долгосрочный</a:t>
-            </a:r>
-          </a:p>
-          <a:p>
-            <a:pPr lvl="1">
-              <a:buFont typeface="Courier New,monospace" panose="020B0604020202020204" pitchFamily="34" charset="0"/>
-              <a:buChar char="o"/>
-            </a:pPr>
-            <a:r>
-              <a:rPr lang="en-US" sz="1600">
-                <a:cs typeface="Calibri"/>
-              </a:rPr>
-              <a:t>Создание фильтров, тегов для поиска мероприятий</a:t>
-            </a:r>
-          </a:p>
-          <a:p>
-            <a:pPr lvl="1">
-              <a:buFont typeface="Courier New,monospace" panose="020B0604020202020204" pitchFamily="34" charset="0"/>
-              <a:buChar char="o"/>
-            </a:pPr>
-            <a:r>
-              <a:rPr lang="en-US" sz="1600">
-                <a:cs typeface="Calibri"/>
-              </a:rPr>
-              <a:t>Предложение мест по тегам</a:t>
-            </a:r>
-          </a:p>
-          <a:p>
-            <a:pPr lvl="1">
-              <a:buFont typeface="Courier New,monospace" panose="020B0604020202020204" pitchFamily="34" charset="0"/>
-              <a:buChar char="o"/>
-            </a:pPr>
-            <a:r>
-              <a:rPr lang="en-US" sz="1600">
-                <a:cs typeface="Calibri"/>
-              </a:rPr>
-              <a:t>Создание API</a:t>
-            </a:r>
-            <a:endParaRPr lang="en-US" sz="1600"/>
-          </a:p>
-          <a:p>
-            <a:pPr lvl="1">
-              <a:buFont typeface="Courier New" panose="020B0604020202020204" pitchFamily="34" charset="0"/>
-              <a:buChar char="o"/>
-            </a:pPr>
-            <a:endParaRPr lang="en-US" sz="1600">
+              <a:rPr lang="en-US" sz="1700" dirty="0" err="1"/>
+              <a:t>Абсолютно</a:t>
+            </a:r>
+            <a:r>
+              <a:rPr lang="en-US" sz="1700" dirty="0"/>
+              <a:t> </a:t>
+            </a:r>
+            <a:r>
+              <a:rPr lang="en-US" sz="1700" dirty="0" err="1"/>
+              <a:t>бесплатный</a:t>
+            </a:r>
+            <a:r>
+              <a:rPr lang="en-US" sz="1700" dirty="0"/>
+              <a:t> </a:t>
+            </a:r>
+            <a:r>
+              <a:rPr lang="en-US" sz="1700" dirty="0" err="1"/>
+              <a:t>сервис</a:t>
+            </a:r>
+            <a:endParaRPr lang="en-US" sz="1700" dirty="0">
               <a:cs typeface="Calibri"/>
             </a:endParaRPr>
           </a:p>
@@ -8321,7 +8921,1467 @@
     </p:spTree>
     <p:extLst>
       <p:ext uri="{BB962C8B-B14F-4D97-AF65-F5344CB8AC3E}">
-        <p14:creationId xmlns:p14="http://schemas.microsoft.com/office/powerpoint/2010/main" val="213943881"/>
+        <p14:creationId xmlns:p14="http://schemas.microsoft.com/office/powerpoint/2010/main" val="3336646313"/>
+      </p:ext>
+    </p:extLst>
+  </p:cSld>
+  <p:clrMapOvr>
+    <a:masterClrMapping/>
+  </p:clrMapOvr>
+</p:sld>
+</file>
+
+<file path=ppt/slides/slide7.xml><?xml version="1.0" encoding="utf-8"?>
+<p:sld xmlns:a="http://schemas.openxmlformats.org/drawingml/2006/main" xmlns:r="http://schemas.openxmlformats.org/officeDocument/2006/relationships" xmlns:p="http://schemas.openxmlformats.org/presentationml/2006/main">
+  <p:cSld>
+    <p:bg>
+      <p:bgPr>
+        <a:solidFill>
+          <a:schemeClr val="bg1"/>
+        </a:solidFill>
+        <a:effectLst/>
+      </p:bgPr>
+    </p:bg>
+    <p:spTree>
+      <p:nvGrpSpPr>
+        <p:cNvPr id="1" name=""/>
+        <p:cNvGrpSpPr/>
+        <p:nvPr/>
+      </p:nvGrpSpPr>
+      <p:grpSpPr>
+        <a:xfrm>
+          <a:off x="0" y="0"/>
+          <a:ext cx="0" cy="0"/>
+          <a:chOff x="0" y="0"/>
+          <a:chExt cx="0" cy="0"/>
+        </a:xfrm>
+      </p:grpSpPr>
+      <p:sp useBgFill="1">
+        <p:nvSpPr>
+          <p:cNvPr id="12" name="Rectangle 11">
+            <a:extLst>
+              <a:ext uri="{FF2B5EF4-FFF2-40B4-BE49-F238E27FC236}">
+                <a16:creationId xmlns:a16="http://schemas.microsoft.com/office/drawing/2014/main" id="{C1A1C5D3-C053-4EE9-BE1A-419B6E27CCAE}"/>
+              </a:ext>
+              <a:ext uri="{C183D7F6-B498-43B3-948B-1728B52AA6E4}">
+                <adec:decorative xmlns:adec="http://schemas.microsoft.com/office/drawing/2017/decorative" val="1"/>
+              </a:ext>
+            </a:extLst>
+          </p:cNvPr>
+          <p:cNvSpPr>
+            <a:spLocks noGrp="1" noRot="1" noChangeAspect="1" noMove="1" noResize="1" noEditPoints="1" noAdjustHandles="1" noChangeArrowheads="1" noChangeShapeType="1" noTextEdit="1"/>
+          </p:cNvSpPr>
+          <p:nvPr>
+            <p:extLst>
+              <p:ext uri="{386F3935-93C4-4BCD-93E2-E3B085C9AB24}">
+                <p16:designElem xmlns:p16="http://schemas.microsoft.com/office/powerpoint/2015/main" val="1"/>
+              </p:ext>
+            </p:extLst>
+          </p:nvPr>
+        </p:nvSpPr>
+        <p:spPr>
+          <a:xfrm>
+            <a:off x="0" y="0"/>
+            <a:ext cx="12192000" cy="6858000"/>
+          </a:xfrm>
+          <a:prstGeom prst="rect">
+            <a:avLst/>
+          </a:prstGeom>
+          <a:ln>
+            <a:noFill/>
+          </a:ln>
+        </p:spPr>
+        <p:style>
+          <a:lnRef idx="2">
+            <a:schemeClr val="accent1">
+              <a:shade val="50000"/>
+            </a:schemeClr>
+          </a:lnRef>
+          <a:fillRef idx="1">
+            <a:schemeClr val="accent1"/>
+          </a:fillRef>
+          <a:effectRef idx="0">
+            <a:schemeClr val="accent1"/>
+          </a:effectRef>
+          <a:fontRef idx="minor">
+            <a:schemeClr val="lt1"/>
+          </a:fontRef>
+        </p:style>
+        <p:txBody>
+          <a:bodyPr rtlCol="0" anchor="ctr"/>
+          <a:lstStyle/>
+          <a:p>
+            <a:pPr algn="ctr"/>
+            <a:endParaRPr lang="en-US"/>
+          </a:p>
+        </p:txBody>
+      </p:sp>
+      <p:pic>
+        <p:nvPicPr>
+          <p:cNvPr id="8" name="Picture 7">
+            <a:extLst>
+              <a:ext uri="{FF2B5EF4-FFF2-40B4-BE49-F238E27FC236}">
+                <a16:creationId xmlns:a16="http://schemas.microsoft.com/office/drawing/2014/main" id="{0DAB32DE-2393-0C2E-6045-C2902D86BD68}"/>
+              </a:ext>
+            </a:extLst>
+          </p:cNvPr>
+          <p:cNvPicPr>
+            <a:picLocks noChangeAspect="1"/>
+          </p:cNvPicPr>
+          <p:nvPr/>
+        </p:nvPicPr>
+        <p:blipFill>
+          <a:blip r:embed="rId2"/>
+          <a:stretch>
+            <a:fillRect/>
+          </a:stretch>
+        </p:blipFill>
+        <p:spPr>
+          <a:xfrm>
+            <a:off x="0" y="0"/>
+            <a:ext cx="12192000" cy="6858000"/>
+          </a:xfrm>
+          <a:prstGeom prst="rect">
+            <a:avLst/>
+          </a:prstGeom>
+        </p:spPr>
+      </p:pic>
+      <p:sp useBgFill="1">
+        <p:nvSpPr>
+          <p:cNvPr id="14" name="Rectangle 13">
+            <a:extLst>
+              <a:ext uri="{FF2B5EF4-FFF2-40B4-BE49-F238E27FC236}">
+                <a16:creationId xmlns:a16="http://schemas.microsoft.com/office/drawing/2014/main" id="{A3473CF9-37EB-43E7-89EF-D2D1C53D1DAC}"/>
+              </a:ext>
+              <a:ext uri="{C183D7F6-B498-43B3-948B-1728B52AA6E4}">
+                <adec:decorative xmlns:adec="http://schemas.microsoft.com/office/drawing/2017/decorative" val="1"/>
+              </a:ext>
+            </a:extLst>
+          </p:cNvPr>
+          <p:cNvSpPr>
+            <a:spLocks noGrp="1" noRot="1" noChangeAspect="1" noMove="1" noResize="1" noEditPoints="1" noAdjustHandles="1" noChangeArrowheads="1" noChangeShapeType="1" noTextEdit="1"/>
+          </p:cNvSpPr>
+          <p:nvPr>
+            <p:extLst>
+              <p:ext uri="{386F3935-93C4-4BCD-93E2-E3B085C9AB24}">
+                <p16:designElem xmlns:p16="http://schemas.microsoft.com/office/powerpoint/2015/main" val="1"/>
+              </p:ext>
+            </p:extLst>
+          </p:nvPr>
+        </p:nvSpPr>
+        <p:spPr>
+          <a:xfrm>
+            <a:off x="1903615" y="221673"/>
+            <a:ext cx="8384770" cy="1332634"/>
+          </a:xfrm>
+          <a:prstGeom prst="rect">
+            <a:avLst/>
+          </a:prstGeom>
+          <a:ln w="12700">
+            <a:solidFill>
+              <a:srgbClr val="E1E1E1"/>
+            </a:solidFill>
+          </a:ln>
+          <a:effectLst>
+            <a:outerShdw blurRad="50800" dist="38100" dir="2700000" algn="tl" rotWithShape="0">
+              <a:schemeClr val="bg2">
+                <a:lumMod val="85000"/>
+                <a:alpha val="50000"/>
+              </a:schemeClr>
+            </a:outerShdw>
+          </a:effectLst>
+        </p:spPr>
+        <p:style>
+          <a:lnRef idx="2">
+            <a:schemeClr val="accent1">
+              <a:shade val="50000"/>
+            </a:schemeClr>
+          </a:lnRef>
+          <a:fillRef idx="1">
+            <a:schemeClr val="accent1"/>
+          </a:fillRef>
+          <a:effectRef idx="0">
+            <a:schemeClr val="accent1"/>
+          </a:effectRef>
+          <a:fontRef idx="minor">
+            <a:schemeClr val="lt1"/>
+          </a:fontRef>
+        </p:style>
+        <p:txBody>
+          <a:bodyPr rtlCol="0" anchor="ctr"/>
+          <a:lstStyle/>
+          <a:p>
+            <a:pPr marL="0" marR="0" lvl="0" indent="0" algn="ctr" defTabSz="914400" rtl="0" eaLnBrk="1" fontAlgn="auto" latinLnBrk="0" hangingPunct="1">
+              <a:lnSpc>
+                <a:spcPct val="100000"/>
+              </a:lnSpc>
+              <a:spcBef>
+                <a:spcPts val="0"/>
+              </a:spcBef>
+              <a:spcAft>
+                <a:spcPts val="0"/>
+              </a:spcAft>
+              <a:buClrTx/>
+              <a:buSzTx/>
+              <a:buFontTx/>
+              <a:buNone/>
+              <a:tabLst/>
+              <a:defRPr/>
+            </a:pPr>
+            <a:endParaRPr kumimoji="0" lang="en-US" sz="1800" b="0" i="0" u="none" strike="noStrike" kern="1200" cap="none" spc="0" normalizeH="0" baseline="0" noProof="0">
+              <a:ln>
+                <a:noFill/>
+              </a:ln>
+              <a:solidFill>
+                <a:prstClr val="white"/>
+              </a:solidFill>
+              <a:effectLst/>
+              <a:uLnTx/>
+              <a:uFillTx/>
+              <a:latin typeface="Calibri" panose="020F0502020204030204"/>
+              <a:ea typeface="+mn-ea"/>
+              <a:cs typeface="+mn-cs"/>
+            </a:endParaRPr>
+          </a:p>
+        </p:txBody>
+      </p:sp>
+      <p:sp>
+        <p:nvSpPr>
+          <p:cNvPr id="2" name="Title 1">
+            <a:extLst>
+              <a:ext uri="{FF2B5EF4-FFF2-40B4-BE49-F238E27FC236}">
+                <a16:creationId xmlns:a16="http://schemas.microsoft.com/office/drawing/2014/main" id="{0D26777B-B8BB-E15A-0F32-9D7F11668644}"/>
+              </a:ext>
+            </a:extLst>
+          </p:cNvPr>
+          <p:cNvSpPr>
+            <a:spLocks noGrp="1"/>
+          </p:cNvSpPr>
+          <p:nvPr>
+            <p:ph type="title"/>
+          </p:nvPr>
+        </p:nvSpPr>
+        <p:spPr>
+          <a:xfrm>
+            <a:off x="2103121" y="310343"/>
+            <a:ext cx="7985759" cy="868823"/>
+          </a:xfrm>
+        </p:spPr>
+        <p:txBody>
+          <a:bodyPr vert="horz" lIns="91440" tIns="45720" rIns="91440" bIns="45720" rtlCol="0" anchor="ctr">
+            <a:normAutofit/>
+          </a:bodyPr>
+          <a:lstStyle/>
+          <a:p>
+            <a:pPr algn="ctr"/>
+            <a:r>
+              <a:rPr lang="en-US" sz="4000" b="1" kern="1200">
+                <a:solidFill>
+                  <a:schemeClr val="tx1"/>
+                </a:solidFill>
+                <a:latin typeface="+mj-lt"/>
+                <a:ea typeface="+mj-ea"/>
+                <a:cs typeface="+mj-cs"/>
+              </a:rPr>
+              <a:t>Демонстрация</a:t>
+            </a:r>
+            <a:endParaRPr lang="en-US" sz="4000" kern="1200">
+              <a:solidFill>
+                <a:schemeClr val="tx1"/>
+              </a:solidFill>
+              <a:latin typeface="+mj-lt"/>
+              <a:ea typeface="+mj-ea"/>
+              <a:cs typeface="+mj-cs"/>
+            </a:endParaRPr>
+          </a:p>
+        </p:txBody>
+      </p:sp>
+      <p:sp>
+        <p:nvSpPr>
+          <p:cNvPr id="16" name="Rectangle: Rounded Corners 15">
+            <a:extLst>
+              <a:ext uri="{FF2B5EF4-FFF2-40B4-BE49-F238E27FC236}">
+                <a16:creationId xmlns:a16="http://schemas.microsoft.com/office/drawing/2014/main" id="{586B4EF9-43BA-4655-A6FF-1D8E21574C95}"/>
+              </a:ext>
+              <a:ext uri="{C183D7F6-B498-43B3-948B-1728B52AA6E4}">
+                <adec:decorative xmlns:adec="http://schemas.microsoft.com/office/drawing/2017/decorative" val="1"/>
+              </a:ext>
+            </a:extLst>
+          </p:cNvPr>
+          <p:cNvSpPr>
+            <a:spLocks noGrp="1" noRot="1" noChangeAspect="1" noMove="1" noResize="1" noEditPoints="1" noAdjustHandles="1" noChangeArrowheads="1" noChangeShapeType="1" noTextEdit="1"/>
+          </p:cNvSpPr>
+          <p:nvPr>
+            <p:extLst>
+              <p:ext uri="{386F3935-93C4-4BCD-93E2-E3B085C9AB24}">
+                <p16:designElem xmlns:p16="http://schemas.microsoft.com/office/powerpoint/2015/main" val="1"/>
+              </p:ext>
+            </p:extLst>
+          </p:nvPr>
+        </p:nvSpPr>
+        <p:spPr>
+          <a:xfrm>
+            <a:off x="2483110" y="1211407"/>
+            <a:ext cx="7225780" cy="685800"/>
+          </a:xfrm>
+          <a:prstGeom prst="roundRect">
+            <a:avLst>
+              <a:gd name="adj" fmla="val 0"/>
+            </a:avLst>
+          </a:prstGeom>
+          <a:solidFill>
+            <a:schemeClr val="accent2"/>
+          </a:solidFill>
+          <a:ln>
+            <a:noFill/>
+          </a:ln>
+        </p:spPr>
+        <p:style>
+          <a:lnRef idx="2">
+            <a:schemeClr val="accent1">
+              <a:shade val="50000"/>
+            </a:schemeClr>
+          </a:lnRef>
+          <a:fillRef idx="1">
+            <a:schemeClr val="accent1"/>
+          </a:fillRef>
+          <a:effectRef idx="0">
+            <a:schemeClr val="accent1"/>
+          </a:effectRef>
+          <a:fontRef idx="minor">
+            <a:schemeClr val="lt1"/>
+          </a:fontRef>
+        </p:style>
+        <p:txBody>
+          <a:bodyPr rtlCol="0" anchor="ctr"/>
+          <a:lstStyle/>
+          <a:p>
+            <a:pPr algn="ctr"/>
+            <a:endParaRPr lang="en-US">
+              <a:solidFill>
+                <a:prstClr val="white"/>
+              </a:solidFill>
+              <a:latin typeface="Calibri" panose="020F0502020204030204"/>
+            </a:endParaRPr>
+          </a:p>
+        </p:txBody>
+      </p:sp>
+      <p:pic>
+        <p:nvPicPr>
+          <p:cNvPr id="10" name="Content Placeholder 9" descr="A screenshot of a computer&#10;&#10;Description automatically generated">
+            <a:extLst>
+              <a:ext uri="{FF2B5EF4-FFF2-40B4-BE49-F238E27FC236}">
+                <a16:creationId xmlns:a16="http://schemas.microsoft.com/office/drawing/2014/main" id="{75B6129F-A9E1-E3B2-3AAF-F65AE7AEB82D}"/>
+              </a:ext>
+            </a:extLst>
+          </p:cNvPr>
+          <p:cNvPicPr>
+            <a:picLocks noGrp="1" noChangeAspect="1"/>
+          </p:cNvPicPr>
+          <p:nvPr>
+            <p:ph idx="1"/>
+          </p:nvPr>
+        </p:nvPicPr>
+        <p:blipFill>
+          <a:blip r:embed="rId3"/>
+          <a:stretch>
+            <a:fillRect/>
+          </a:stretch>
+        </p:blipFill>
+        <p:spPr>
+          <a:xfrm>
+            <a:off x="1946312" y="2040501"/>
+            <a:ext cx="8299374" cy="4656042"/>
+          </a:xfrm>
+        </p:spPr>
+      </p:pic>
+    </p:spTree>
+    <p:extLst>
+      <p:ext uri="{BB962C8B-B14F-4D97-AF65-F5344CB8AC3E}">
+        <p14:creationId xmlns:p14="http://schemas.microsoft.com/office/powerpoint/2010/main" val="3314056251"/>
+      </p:ext>
+    </p:extLst>
+  </p:cSld>
+  <p:clrMapOvr>
+    <a:masterClrMapping/>
+  </p:clrMapOvr>
+</p:sld>
+</file>
+
+<file path=ppt/slides/slide8.xml><?xml version="1.0" encoding="utf-8"?>
+<p:sld xmlns:a="http://schemas.openxmlformats.org/drawingml/2006/main" xmlns:r="http://schemas.openxmlformats.org/officeDocument/2006/relationships" xmlns:p="http://schemas.openxmlformats.org/presentationml/2006/main">
+  <p:cSld>
+    <p:bg>
+      <p:bgPr>
+        <a:solidFill>
+          <a:schemeClr val="bg1"/>
+        </a:solidFill>
+        <a:effectLst/>
+      </p:bgPr>
+    </p:bg>
+    <p:spTree>
+      <p:nvGrpSpPr>
+        <p:cNvPr id="1" name=""/>
+        <p:cNvGrpSpPr/>
+        <p:nvPr/>
+      </p:nvGrpSpPr>
+      <p:grpSpPr>
+        <a:xfrm>
+          <a:off x="0" y="0"/>
+          <a:ext cx="0" cy="0"/>
+          <a:chOff x="0" y="0"/>
+          <a:chExt cx="0" cy="0"/>
+        </a:xfrm>
+      </p:grpSpPr>
+      <p:sp useBgFill="1">
+        <p:nvSpPr>
+          <p:cNvPr id="12" name="Rectangle 11">
+            <a:extLst>
+              <a:ext uri="{FF2B5EF4-FFF2-40B4-BE49-F238E27FC236}">
+                <a16:creationId xmlns:a16="http://schemas.microsoft.com/office/drawing/2014/main" id="{C1A1C5D3-C053-4EE9-BE1A-419B6E27CCAE}"/>
+              </a:ext>
+              <a:ext uri="{C183D7F6-B498-43B3-948B-1728B52AA6E4}">
+                <adec:decorative xmlns:adec="http://schemas.microsoft.com/office/drawing/2017/decorative" val="1"/>
+              </a:ext>
+            </a:extLst>
+          </p:cNvPr>
+          <p:cNvSpPr>
+            <a:spLocks noGrp="1" noRot="1" noChangeAspect="1" noMove="1" noResize="1" noEditPoints="1" noAdjustHandles="1" noChangeArrowheads="1" noChangeShapeType="1" noTextEdit="1"/>
+          </p:cNvSpPr>
+          <p:nvPr>
+            <p:extLst>
+              <p:ext uri="{386F3935-93C4-4BCD-93E2-E3B085C9AB24}">
+                <p16:designElem xmlns:p16="http://schemas.microsoft.com/office/powerpoint/2015/main" val="1"/>
+              </p:ext>
+            </p:extLst>
+          </p:nvPr>
+        </p:nvSpPr>
+        <p:spPr>
+          <a:xfrm>
+            <a:off x="0" y="0"/>
+            <a:ext cx="12192000" cy="6858000"/>
+          </a:xfrm>
+          <a:prstGeom prst="rect">
+            <a:avLst/>
+          </a:prstGeom>
+          <a:ln>
+            <a:noFill/>
+          </a:ln>
+        </p:spPr>
+        <p:style>
+          <a:lnRef idx="2">
+            <a:schemeClr val="accent1">
+              <a:shade val="50000"/>
+            </a:schemeClr>
+          </a:lnRef>
+          <a:fillRef idx="1">
+            <a:schemeClr val="accent1"/>
+          </a:fillRef>
+          <a:effectRef idx="0">
+            <a:schemeClr val="accent1"/>
+          </a:effectRef>
+          <a:fontRef idx="minor">
+            <a:schemeClr val="lt1"/>
+          </a:fontRef>
+        </p:style>
+        <p:txBody>
+          <a:bodyPr rtlCol="0" anchor="ctr"/>
+          <a:lstStyle/>
+          <a:p>
+            <a:pPr algn="ctr"/>
+            <a:endParaRPr lang="en-US"/>
+          </a:p>
+        </p:txBody>
+      </p:sp>
+      <p:pic>
+        <p:nvPicPr>
+          <p:cNvPr id="8" name="Picture 7">
+            <a:extLst>
+              <a:ext uri="{FF2B5EF4-FFF2-40B4-BE49-F238E27FC236}">
+                <a16:creationId xmlns:a16="http://schemas.microsoft.com/office/drawing/2014/main" id="{0DAB32DE-2393-0C2E-6045-C2902D86BD68}"/>
+              </a:ext>
+            </a:extLst>
+          </p:cNvPr>
+          <p:cNvPicPr>
+            <a:picLocks noChangeAspect="1"/>
+          </p:cNvPicPr>
+          <p:nvPr/>
+        </p:nvPicPr>
+        <p:blipFill>
+          <a:blip r:embed="rId2"/>
+          <a:stretch>
+            <a:fillRect/>
+          </a:stretch>
+        </p:blipFill>
+        <p:spPr>
+          <a:xfrm>
+            <a:off x="0" y="0"/>
+            <a:ext cx="12192000" cy="6858000"/>
+          </a:xfrm>
+          <a:prstGeom prst="rect">
+            <a:avLst/>
+          </a:prstGeom>
+        </p:spPr>
+      </p:pic>
+      <p:sp useBgFill="1">
+        <p:nvSpPr>
+          <p:cNvPr id="14" name="Rectangle 13">
+            <a:extLst>
+              <a:ext uri="{FF2B5EF4-FFF2-40B4-BE49-F238E27FC236}">
+                <a16:creationId xmlns:a16="http://schemas.microsoft.com/office/drawing/2014/main" id="{A3473CF9-37EB-43E7-89EF-D2D1C53D1DAC}"/>
+              </a:ext>
+              <a:ext uri="{C183D7F6-B498-43B3-948B-1728B52AA6E4}">
+                <adec:decorative xmlns:adec="http://schemas.microsoft.com/office/drawing/2017/decorative" val="1"/>
+              </a:ext>
+            </a:extLst>
+          </p:cNvPr>
+          <p:cNvSpPr>
+            <a:spLocks noGrp="1" noRot="1" noChangeAspect="1" noMove="1" noResize="1" noEditPoints="1" noAdjustHandles="1" noChangeArrowheads="1" noChangeShapeType="1" noTextEdit="1"/>
+          </p:cNvSpPr>
+          <p:nvPr>
+            <p:extLst>
+              <p:ext uri="{386F3935-93C4-4BCD-93E2-E3B085C9AB24}">
+                <p16:designElem xmlns:p16="http://schemas.microsoft.com/office/powerpoint/2015/main" val="1"/>
+              </p:ext>
+            </p:extLst>
+          </p:nvPr>
+        </p:nvSpPr>
+        <p:spPr>
+          <a:xfrm>
+            <a:off x="1903615" y="221673"/>
+            <a:ext cx="8384770" cy="1332634"/>
+          </a:xfrm>
+          <a:prstGeom prst="rect">
+            <a:avLst/>
+          </a:prstGeom>
+          <a:ln w="12700">
+            <a:solidFill>
+              <a:srgbClr val="E1E1E1"/>
+            </a:solidFill>
+          </a:ln>
+          <a:effectLst>
+            <a:outerShdw blurRad="50800" dist="38100" dir="2700000" algn="tl" rotWithShape="0">
+              <a:schemeClr val="bg2">
+                <a:lumMod val="85000"/>
+                <a:alpha val="50000"/>
+              </a:schemeClr>
+            </a:outerShdw>
+          </a:effectLst>
+        </p:spPr>
+        <p:style>
+          <a:lnRef idx="2">
+            <a:schemeClr val="accent1">
+              <a:shade val="50000"/>
+            </a:schemeClr>
+          </a:lnRef>
+          <a:fillRef idx="1">
+            <a:schemeClr val="accent1"/>
+          </a:fillRef>
+          <a:effectRef idx="0">
+            <a:schemeClr val="accent1"/>
+          </a:effectRef>
+          <a:fontRef idx="minor">
+            <a:schemeClr val="lt1"/>
+          </a:fontRef>
+        </p:style>
+        <p:txBody>
+          <a:bodyPr rtlCol="0" anchor="ctr"/>
+          <a:lstStyle/>
+          <a:p>
+            <a:pPr marL="0" marR="0" lvl="0" indent="0" algn="ctr" defTabSz="914400" rtl="0" eaLnBrk="1" fontAlgn="auto" latinLnBrk="0" hangingPunct="1">
+              <a:lnSpc>
+                <a:spcPct val="100000"/>
+              </a:lnSpc>
+              <a:spcBef>
+                <a:spcPts val="0"/>
+              </a:spcBef>
+              <a:spcAft>
+                <a:spcPts val="0"/>
+              </a:spcAft>
+              <a:buClrTx/>
+              <a:buSzTx/>
+              <a:buFontTx/>
+              <a:buNone/>
+              <a:tabLst/>
+              <a:defRPr/>
+            </a:pPr>
+            <a:endParaRPr kumimoji="0" lang="en-US" sz="1800" b="0" i="0" u="none" strike="noStrike" kern="1200" cap="none" spc="0" normalizeH="0" baseline="0" noProof="0">
+              <a:ln>
+                <a:noFill/>
+              </a:ln>
+              <a:solidFill>
+                <a:prstClr val="white"/>
+              </a:solidFill>
+              <a:effectLst/>
+              <a:uLnTx/>
+              <a:uFillTx/>
+              <a:latin typeface="Calibri" panose="020F0502020204030204"/>
+              <a:ea typeface="+mn-ea"/>
+              <a:cs typeface="+mn-cs"/>
+            </a:endParaRPr>
+          </a:p>
+        </p:txBody>
+      </p:sp>
+      <p:sp>
+        <p:nvSpPr>
+          <p:cNvPr id="2" name="Title 1">
+            <a:extLst>
+              <a:ext uri="{FF2B5EF4-FFF2-40B4-BE49-F238E27FC236}">
+                <a16:creationId xmlns:a16="http://schemas.microsoft.com/office/drawing/2014/main" id="{0D26777B-B8BB-E15A-0F32-9D7F11668644}"/>
+              </a:ext>
+            </a:extLst>
+          </p:cNvPr>
+          <p:cNvSpPr>
+            <a:spLocks noGrp="1"/>
+          </p:cNvSpPr>
+          <p:nvPr>
+            <p:ph type="title"/>
+          </p:nvPr>
+        </p:nvSpPr>
+        <p:spPr>
+          <a:xfrm>
+            <a:off x="2103121" y="310343"/>
+            <a:ext cx="7985759" cy="868823"/>
+          </a:xfrm>
+        </p:spPr>
+        <p:txBody>
+          <a:bodyPr vert="horz" lIns="91440" tIns="45720" rIns="91440" bIns="45720" rtlCol="0" anchor="ctr">
+            <a:normAutofit/>
+          </a:bodyPr>
+          <a:lstStyle/>
+          <a:p>
+            <a:pPr algn="ctr"/>
+            <a:r>
+              <a:rPr lang="en-US" sz="4000" b="1" kern="1200">
+                <a:solidFill>
+                  <a:schemeClr val="tx1"/>
+                </a:solidFill>
+                <a:latin typeface="+mj-lt"/>
+                <a:ea typeface="+mj-ea"/>
+                <a:cs typeface="+mj-cs"/>
+              </a:rPr>
+              <a:t>Демонстрация</a:t>
+            </a:r>
+            <a:endParaRPr lang="en-US" sz="4000" kern="1200">
+              <a:solidFill>
+                <a:schemeClr val="tx1"/>
+              </a:solidFill>
+              <a:latin typeface="+mj-lt"/>
+              <a:ea typeface="+mj-ea"/>
+              <a:cs typeface="+mj-cs"/>
+            </a:endParaRPr>
+          </a:p>
+        </p:txBody>
+      </p:sp>
+      <p:sp>
+        <p:nvSpPr>
+          <p:cNvPr id="16" name="Rectangle: Rounded Corners 15">
+            <a:extLst>
+              <a:ext uri="{FF2B5EF4-FFF2-40B4-BE49-F238E27FC236}">
+                <a16:creationId xmlns:a16="http://schemas.microsoft.com/office/drawing/2014/main" id="{586B4EF9-43BA-4655-A6FF-1D8E21574C95}"/>
+              </a:ext>
+              <a:ext uri="{C183D7F6-B498-43B3-948B-1728B52AA6E4}">
+                <adec:decorative xmlns:adec="http://schemas.microsoft.com/office/drawing/2017/decorative" val="1"/>
+              </a:ext>
+            </a:extLst>
+          </p:cNvPr>
+          <p:cNvSpPr>
+            <a:spLocks noGrp="1" noRot="1" noChangeAspect="1" noMove="1" noResize="1" noEditPoints="1" noAdjustHandles="1" noChangeArrowheads="1" noChangeShapeType="1" noTextEdit="1"/>
+          </p:cNvSpPr>
+          <p:nvPr>
+            <p:extLst>
+              <p:ext uri="{386F3935-93C4-4BCD-93E2-E3B085C9AB24}">
+                <p16:designElem xmlns:p16="http://schemas.microsoft.com/office/powerpoint/2015/main" val="1"/>
+              </p:ext>
+            </p:extLst>
+          </p:nvPr>
+        </p:nvSpPr>
+        <p:spPr>
+          <a:xfrm>
+            <a:off x="2483110" y="1211407"/>
+            <a:ext cx="7225780" cy="685800"/>
+          </a:xfrm>
+          <a:prstGeom prst="roundRect">
+            <a:avLst>
+              <a:gd name="adj" fmla="val 0"/>
+            </a:avLst>
+          </a:prstGeom>
+          <a:solidFill>
+            <a:schemeClr val="accent2"/>
+          </a:solidFill>
+          <a:ln>
+            <a:noFill/>
+          </a:ln>
+        </p:spPr>
+        <p:style>
+          <a:lnRef idx="2">
+            <a:schemeClr val="accent1">
+              <a:shade val="50000"/>
+            </a:schemeClr>
+          </a:lnRef>
+          <a:fillRef idx="1">
+            <a:schemeClr val="accent1"/>
+          </a:fillRef>
+          <a:effectRef idx="0">
+            <a:schemeClr val="accent1"/>
+          </a:effectRef>
+          <a:fontRef idx="minor">
+            <a:schemeClr val="lt1"/>
+          </a:fontRef>
+        </p:style>
+        <p:txBody>
+          <a:bodyPr rtlCol="0" anchor="ctr"/>
+          <a:lstStyle/>
+          <a:p>
+            <a:pPr algn="ctr"/>
+            <a:endParaRPr lang="en-US">
+              <a:solidFill>
+                <a:prstClr val="white"/>
+              </a:solidFill>
+              <a:latin typeface="Calibri" panose="020F0502020204030204"/>
+            </a:endParaRPr>
+          </a:p>
+        </p:txBody>
+      </p:sp>
+      <p:pic>
+        <p:nvPicPr>
+          <p:cNvPr id="6" name="Content Placeholder 5" descr="A screenshot of a computer&#10;&#10;Description automatically generated">
+            <a:extLst>
+              <a:ext uri="{FF2B5EF4-FFF2-40B4-BE49-F238E27FC236}">
+                <a16:creationId xmlns:a16="http://schemas.microsoft.com/office/drawing/2014/main" id="{1D5E736D-9934-99B1-FE7E-FB9721610EC4}"/>
+              </a:ext>
+            </a:extLst>
+          </p:cNvPr>
+          <p:cNvPicPr>
+            <a:picLocks noGrp="1" noChangeAspect="1"/>
+          </p:cNvPicPr>
+          <p:nvPr>
+            <p:ph idx="1"/>
+          </p:nvPr>
+        </p:nvPicPr>
+        <p:blipFill>
+          <a:blip r:embed="rId3"/>
+          <a:stretch>
+            <a:fillRect/>
+          </a:stretch>
+        </p:blipFill>
+        <p:spPr>
+          <a:xfrm>
+            <a:off x="2001398" y="2123129"/>
+            <a:ext cx="8198385" cy="4610138"/>
+          </a:xfrm>
+        </p:spPr>
+      </p:pic>
+    </p:spTree>
+    <p:extLst>
+      <p:ext uri="{BB962C8B-B14F-4D97-AF65-F5344CB8AC3E}">
+        <p14:creationId xmlns:p14="http://schemas.microsoft.com/office/powerpoint/2010/main" val="4289782432"/>
+      </p:ext>
+    </p:extLst>
+  </p:cSld>
+  <p:clrMapOvr>
+    <a:masterClrMapping/>
+  </p:clrMapOvr>
+</p:sld>
+</file>
+
+<file path=ppt/slides/slide9.xml><?xml version="1.0" encoding="utf-8"?>
+<p:sld xmlns:a="http://schemas.openxmlformats.org/drawingml/2006/main" xmlns:r="http://schemas.openxmlformats.org/officeDocument/2006/relationships" xmlns:p="http://schemas.openxmlformats.org/presentationml/2006/main">
+  <p:cSld>
+    <p:bg>
+      <p:bgPr>
+        <a:solidFill>
+          <a:schemeClr val="bg1"/>
+        </a:solidFill>
+        <a:effectLst/>
+      </p:bgPr>
+    </p:bg>
+    <p:spTree>
+      <p:nvGrpSpPr>
+        <p:cNvPr id="1" name=""/>
+        <p:cNvGrpSpPr/>
+        <p:nvPr/>
+      </p:nvGrpSpPr>
+      <p:grpSpPr>
+        <a:xfrm>
+          <a:off x="0" y="0"/>
+          <a:ext cx="0" cy="0"/>
+          <a:chOff x="0" y="0"/>
+          <a:chExt cx="0" cy="0"/>
+        </a:xfrm>
+      </p:grpSpPr>
+      <p:sp useBgFill="1">
+        <p:nvSpPr>
+          <p:cNvPr id="10" name="Rectangle 9">
+            <a:extLst>
+              <a:ext uri="{FF2B5EF4-FFF2-40B4-BE49-F238E27FC236}">
+                <a16:creationId xmlns:a16="http://schemas.microsoft.com/office/drawing/2014/main" id="{8FC9BE17-9A7B-462D-AE50-3D8777387304}"/>
+              </a:ext>
+              <a:ext uri="{C183D7F6-B498-43B3-948B-1728B52AA6E4}">
+                <adec:decorative xmlns:adec="http://schemas.microsoft.com/office/drawing/2017/decorative" val="1"/>
+              </a:ext>
+            </a:extLst>
+          </p:cNvPr>
+          <p:cNvSpPr>
+            <a:spLocks noGrp="1" noRot="1" noChangeAspect="1" noMove="1" noResize="1" noEditPoints="1" noAdjustHandles="1" noChangeArrowheads="1" noChangeShapeType="1" noTextEdit="1"/>
+          </p:cNvSpPr>
+          <p:nvPr>
+            <p:extLst>
+              <p:ext uri="{386F3935-93C4-4BCD-93E2-E3B085C9AB24}">
+                <p16:designElem xmlns:p16="http://schemas.microsoft.com/office/powerpoint/2015/main" val="1"/>
+              </p:ext>
+            </p:extLst>
+          </p:nvPr>
+        </p:nvSpPr>
+        <p:spPr>
+          <a:xfrm>
+            <a:off x="0" y="0"/>
+            <a:ext cx="12192000" cy="6858000"/>
+          </a:xfrm>
+          <a:prstGeom prst="rect">
+            <a:avLst/>
+          </a:prstGeom>
+          <a:ln>
+            <a:noFill/>
+          </a:ln>
+        </p:spPr>
+        <p:style>
+          <a:lnRef idx="2">
+            <a:schemeClr val="accent1">
+              <a:shade val="50000"/>
+            </a:schemeClr>
+          </a:lnRef>
+          <a:fillRef idx="1">
+            <a:schemeClr val="accent1"/>
+          </a:fillRef>
+          <a:effectRef idx="0">
+            <a:schemeClr val="accent1"/>
+          </a:effectRef>
+          <a:fontRef idx="minor">
+            <a:schemeClr val="lt1"/>
+          </a:fontRef>
+        </p:style>
+        <p:txBody>
+          <a:bodyPr rtlCol="0" anchor="ctr"/>
+          <a:lstStyle/>
+          <a:p>
+            <a:pPr algn="ctr"/>
+            <a:endParaRPr lang="en-US"/>
+          </a:p>
+        </p:txBody>
+      </p:sp>
+      <p:pic>
+        <p:nvPicPr>
+          <p:cNvPr id="4" name="Content Placeholder 3">
+            <a:extLst>
+              <a:ext uri="{FF2B5EF4-FFF2-40B4-BE49-F238E27FC236}">
+                <a16:creationId xmlns:a16="http://schemas.microsoft.com/office/drawing/2014/main" id="{C7CF7130-8AB4-054A-59B0-782AC9C2AAF0}"/>
+              </a:ext>
+            </a:extLst>
+          </p:cNvPr>
+          <p:cNvPicPr>
+            <a:picLocks noGrp="1" noChangeAspect="1"/>
+          </p:cNvPicPr>
+          <p:nvPr>
+            <p:ph idx="1"/>
+          </p:nvPr>
+        </p:nvPicPr>
+        <p:blipFill rotWithShape="1">
+          <a:blip r:embed="rId2"/>
+          <a:srcRect l="21786" t="9091" r="13578"/>
+          <a:stretch/>
+        </p:blipFill>
+        <p:spPr>
+          <a:xfrm>
+            <a:off x="3523488" y="10"/>
+            <a:ext cx="8668512" cy="6857990"/>
+          </a:xfrm>
+          <a:prstGeom prst="rect">
+            <a:avLst/>
+          </a:prstGeom>
+        </p:spPr>
+      </p:pic>
+      <p:sp>
+        <p:nvSpPr>
+          <p:cNvPr id="12" name="Rectangle 11">
+            <a:extLst>
+              <a:ext uri="{FF2B5EF4-FFF2-40B4-BE49-F238E27FC236}">
+                <a16:creationId xmlns:a16="http://schemas.microsoft.com/office/drawing/2014/main" id="{3EBE8569-6AEC-4B8C-8D53-2DE337CDBA65}"/>
+              </a:ext>
+              <a:ext uri="{C183D7F6-B498-43B3-948B-1728B52AA6E4}">
+                <adec:decorative xmlns:adec="http://schemas.microsoft.com/office/drawing/2017/decorative" val="1"/>
+              </a:ext>
+            </a:extLst>
+          </p:cNvPr>
+          <p:cNvSpPr>
+            <a:spLocks noGrp="1" noRot="1" noChangeAspect="1" noMove="1" noResize="1" noEditPoints="1" noAdjustHandles="1" noChangeArrowheads="1" noChangeShapeType="1" noTextEdit="1"/>
+          </p:cNvSpPr>
+          <p:nvPr>
+            <p:extLst>
+              <p:ext uri="{386F3935-93C4-4BCD-93E2-E3B085C9AB24}">
+                <p16:designElem xmlns:p16="http://schemas.microsoft.com/office/powerpoint/2015/main" val="1"/>
+              </p:ext>
+            </p:extLst>
+          </p:nvPr>
+        </p:nvSpPr>
+        <p:spPr>
+          <a:xfrm>
+            <a:off x="2" y="0"/>
+            <a:ext cx="9756601" cy="6858000"/>
+          </a:xfrm>
+          <a:prstGeom prst="rect">
+            <a:avLst/>
+          </a:prstGeom>
+          <a:gradFill>
+            <a:gsLst>
+              <a:gs pos="58000">
+                <a:schemeClr val="bg1"/>
+              </a:gs>
+              <a:gs pos="35000">
+                <a:schemeClr val="bg1">
+                  <a:alpha val="78000"/>
+                </a:schemeClr>
+              </a:gs>
+              <a:gs pos="19000">
+                <a:schemeClr val="bg1">
+                  <a:alpha val="38000"/>
+                </a:schemeClr>
+              </a:gs>
+              <a:gs pos="0">
+                <a:schemeClr val="bg1">
+                  <a:alpha val="0"/>
+                </a:schemeClr>
+              </a:gs>
+              <a:gs pos="100000">
+                <a:schemeClr val="bg1"/>
+              </a:gs>
+            </a:gsLst>
+            <a:lin ang="10800000" scaled="0"/>
+          </a:gradFill>
+          <a:ln>
+            <a:noFill/>
+          </a:ln>
+        </p:spPr>
+        <p:style>
+          <a:lnRef idx="2">
+            <a:schemeClr val="accent1">
+              <a:shade val="50000"/>
+            </a:schemeClr>
+          </a:lnRef>
+          <a:fillRef idx="1">
+            <a:schemeClr val="accent1"/>
+          </a:fillRef>
+          <a:effectRef idx="0">
+            <a:schemeClr val="accent1"/>
+          </a:effectRef>
+          <a:fontRef idx="minor">
+            <a:schemeClr val="lt1"/>
+          </a:fontRef>
+        </p:style>
+        <p:txBody>
+          <a:bodyPr rtlCol="0" anchor="ctr"/>
+          <a:lstStyle/>
+          <a:p>
+            <a:pPr algn="ctr"/>
+            <a:endParaRPr lang="en-US" dirty="0"/>
+          </a:p>
+        </p:txBody>
+      </p:sp>
+      <p:sp>
+        <p:nvSpPr>
+          <p:cNvPr id="2" name="Title 1">
+            <a:extLst>
+              <a:ext uri="{FF2B5EF4-FFF2-40B4-BE49-F238E27FC236}">
+                <a16:creationId xmlns:a16="http://schemas.microsoft.com/office/drawing/2014/main" id="{AADB40AC-95BD-363B-69DB-2144C537DB2E}"/>
+              </a:ext>
+            </a:extLst>
+          </p:cNvPr>
+          <p:cNvSpPr>
+            <a:spLocks noGrp="1"/>
+          </p:cNvSpPr>
+          <p:nvPr>
+            <p:ph type="title"/>
+          </p:nvPr>
+        </p:nvSpPr>
+        <p:spPr>
+          <a:xfrm>
+            <a:off x="371094" y="1321709"/>
+            <a:ext cx="3758986" cy="1124712"/>
+          </a:xfrm>
+        </p:spPr>
+        <p:txBody>
+          <a:bodyPr vert="horz" lIns="91440" tIns="45720" rIns="91440" bIns="45720" rtlCol="0" anchor="b">
+            <a:noAutofit/>
+          </a:bodyPr>
+          <a:lstStyle/>
+          <a:p>
+            <a:r>
+              <a:rPr lang="en-US" sz="4000" b="1" err="1">
+                <a:latin typeface="Calibri"/>
+                <a:cs typeface="Calibri"/>
+              </a:rPr>
+              <a:t>Бизнес-модель</a:t>
+            </a:r>
+            <a:endParaRPr lang="en-US" sz="4000" b="1">
+              <a:latin typeface="Calibri"/>
+              <a:cs typeface="Calibri"/>
+            </a:endParaRPr>
+          </a:p>
+        </p:txBody>
+      </p:sp>
+      <p:sp>
+        <p:nvSpPr>
+          <p:cNvPr id="14" name="Rectangle 13">
+            <a:extLst>
+              <a:ext uri="{FF2B5EF4-FFF2-40B4-BE49-F238E27FC236}">
+                <a16:creationId xmlns:a16="http://schemas.microsoft.com/office/drawing/2014/main" id="{55D4142C-5077-457F-A6AD-3FECFDB39685}"/>
+              </a:ext>
+              <a:ext uri="{C183D7F6-B498-43B3-948B-1728B52AA6E4}">
+                <adec:decorative xmlns:adec="http://schemas.microsoft.com/office/drawing/2017/decorative" val="1"/>
+              </a:ext>
+            </a:extLst>
+          </p:cNvPr>
+          <p:cNvSpPr>
+            <a:spLocks noGrp="1" noRot="1" noChangeAspect="1" noMove="1" noResize="1" noEditPoints="1" noAdjustHandles="1" noChangeArrowheads="1" noChangeShapeType="1" noTextEdit="1"/>
+          </p:cNvSpPr>
+          <p:nvPr>
+            <p:extLst>
+              <p:ext uri="{386F3935-93C4-4BCD-93E2-E3B085C9AB24}">
+                <p16:designElem xmlns:p16="http://schemas.microsoft.com/office/powerpoint/2015/main" val="1"/>
+              </p:ext>
+            </p:extLst>
+          </p:nvPr>
+        </p:nvSpPr>
+        <p:spPr>
+          <a:xfrm rot="5400000">
+            <a:off x="662559" y="605790"/>
+            <a:ext cx="73152" cy="548640"/>
+          </a:xfrm>
+          <a:prstGeom prst="rect">
+            <a:avLst/>
+          </a:prstGeom>
+          <a:solidFill>
+            <a:schemeClr val="accent2"/>
+          </a:solidFill>
+          <a:ln>
+            <a:noFill/>
+          </a:ln>
+        </p:spPr>
+        <p:style>
+          <a:lnRef idx="2">
+            <a:schemeClr val="accent1">
+              <a:shade val="50000"/>
+            </a:schemeClr>
+          </a:lnRef>
+          <a:fillRef idx="1">
+            <a:schemeClr val="accent1"/>
+          </a:fillRef>
+          <a:effectRef idx="0">
+            <a:schemeClr val="accent1"/>
+          </a:effectRef>
+          <a:fontRef idx="minor">
+            <a:schemeClr val="lt1"/>
+          </a:fontRef>
+        </p:style>
+        <p:txBody>
+          <a:bodyPr rtlCol="0" anchor="ctr"/>
+          <a:lstStyle/>
+          <a:p>
+            <a:pPr algn="ctr"/>
+            <a:endParaRPr lang="en-US">
+              <a:solidFill>
+                <a:prstClr val="white"/>
+              </a:solidFill>
+              <a:latin typeface="Calibri" panose="020F0502020204030204"/>
+            </a:endParaRPr>
+          </a:p>
+        </p:txBody>
+      </p:sp>
+      <p:sp>
+        <p:nvSpPr>
+          <p:cNvPr id="16" name="Rectangle 15">
+            <a:extLst>
+              <a:ext uri="{FF2B5EF4-FFF2-40B4-BE49-F238E27FC236}">
+                <a16:creationId xmlns:a16="http://schemas.microsoft.com/office/drawing/2014/main" id="{7A5F0580-5EE9-419F-96EE-B6529EF6E7D0}"/>
+              </a:ext>
+              <a:ext uri="{C183D7F6-B498-43B3-948B-1728B52AA6E4}">
+                <adec:decorative xmlns:adec="http://schemas.microsoft.com/office/drawing/2017/decorative" val="1"/>
+              </a:ext>
+            </a:extLst>
+          </p:cNvPr>
+          <p:cNvSpPr>
+            <a:spLocks noGrp="1" noRot="1" noChangeAspect="1" noMove="1" noResize="1" noEditPoints="1" noAdjustHandles="1" noChangeArrowheads="1" noChangeShapeType="1" noTextEdit="1"/>
+          </p:cNvSpPr>
+          <p:nvPr>
+            <p:extLst>
+              <p:ext uri="{386F3935-93C4-4BCD-93E2-E3B085C9AB24}">
+                <p16:designElem xmlns:p16="http://schemas.microsoft.com/office/powerpoint/2015/main" val="1"/>
+              </p:ext>
+            </p:extLst>
+          </p:nvPr>
+        </p:nvSpPr>
+        <p:spPr>
+          <a:xfrm>
+            <a:off x="428244" y="2443480"/>
+            <a:ext cx="3300984" cy="9144"/>
+          </a:xfrm>
+          <a:prstGeom prst="rect">
+            <a:avLst/>
+          </a:prstGeom>
+          <a:solidFill>
+            <a:srgbClr val="D5D5D5"/>
+          </a:solidFill>
+          <a:ln w="3175">
+            <a:solidFill>
+              <a:srgbClr val="D5D5D5"/>
+            </a:solidFill>
+          </a:ln>
+          <a:effectLst/>
+        </p:spPr>
+        <p:style>
+          <a:lnRef idx="2">
+            <a:schemeClr val="accent1">
+              <a:shade val="50000"/>
+            </a:schemeClr>
+          </a:lnRef>
+          <a:fillRef idx="1">
+            <a:schemeClr val="accent1"/>
+          </a:fillRef>
+          <a:effectRef idx="0">
+            <a:schemeClr val="accent1"/>
+          </a:effectRef>
+          <a:fontRef idx="minor">
+            <a:schemeClr val="lt1"/>
+          </a:fontRef>
+        </p:style>
+        <p:txBody>
+          <a:bodyPr rtlCol="0" anchor="ctr"/>
+          <a:lstStyle/>
+          <a:p>
+            <a:pPr marL="0" marR="0" lvl="0" indent="0" algn="ctr" defTabSz="914400" rtl="0" eaLnBrk="1" fontAlgn="auto" latinLnBrk="0" hangingPunct="1">
+              <a:lnSpc>
+                <a:spcPct val="100000"/>
+              </a:lnSpc>
+              <a:spcBef>
+                <a:spcPts val="0"/>
+              </a:spcBef>
+              <a:spcAft>
+                <a:spcPts val="0"/>
+              </a:spcAft>
+              <a:buClrTx/>
+              <a:buSzTx/>
+              <a:buFontTx/>
+              <a:buNone/>
+              <a:tabLst/>
+              <a:defRPr/>
+            </a:pPr>
+            <a:endParaRPr kumimoji="0" lang="en-US" sz="1800" b="0" i="0" u="none" strike="noStrike" kern="1200" cap="none" spc="0" normalizeH="0" baseline="0" noProof="0">
+              <a:ln>
+                <a:noFill/>
+              </a:ln>
+              <a:solidFill>
+                <a:prstClr val="white"/>
+              </a:solidFill>
+              <a:effectLst/>
+              <a:uLnTx/>
+              <a:uFillTx/>
+              <a:latin typeface="Calibri" panose="020F0502020204030204"/>
+              <a:ea typeface="+mn-ea"/>
+              <a:cs typeface="+mn-cs"/>
+            </a:endParaRPr>
+          </a:p>
+        </p:txBody>
+      </p:sp>
+      <p:sp>
+        <p:nvSpPr>
+          <p:cNvPr id="5" name="TextBox 4">
+            <a:extLst>
+              <a:ext uri="{FF2B5EF4-FFF2-40B4-BE49-F238E27FC236}">
+                <a16:creationId xmlns:a16="http://schemas.microsoft.com/office/drawing/2014/main" id="{923BB869-1F94-8DED-34C5-CB2FC100EA93}"/>
+              </a:ext>
+            </a:extLst>
+          </p:cNvPr>
+          <p:cNvSpPr txBox="1"/>
+          <p:nvPr/>
+        </p:nvSpPr>
+        <p:spPr>
+          <a:xfrm>
+            <a:off x="371094" y="2718054"/>
+            <a:ext cx="3438906" cy="3207258"/>
+          </a:xfrm>
+          <a:prstGeom prst="rect">
+            <a:avLst/>
+          </a:prstGeom>
+        </p:spPr>
+        <p:txBody>
+          <a:bodyPr rot="0" spcFirstLastPara="0" vertOverflow="overflow" horzOverflow="overflow" vert="horz" lIns="91440" tIns="45720" rIns="91440" bIns="45720" numCol="1" spcCol="0" rtlCol="0" fromWordArt="0" anchor="t" anchorCtr="0" forceAA="0" compatLnSpc="1">
+            <a:prstTxWarp prst="textNoShape">
+              <a:avLst/>
+            </a:prstTxWarp>
+            <a:normAutofit lnSpcReduction="10000"/>
+          </a:bodyPr>
+          <a:lstStyle/>
+          <a:p>
+            <a:pPr indent="-228600">
+              <a:lnSpc>
+                <a:spcPct val="90000"/>
+              </a:lnSpc>
+              <a:spcAft>
+                <a:spcPts val="600"/>
+              </a:spcAft>
+              <a:buFont typeface="Arial" panose="020B0604020202020204" pitchFamily="34" charset="0"/>
+              <a:buChar char="•"/>
+            </a:pPr>
+            <a:r>
+              <a:rPr lang="en-US" sz="1700" dirty="0" err="1"/>
+              <a:t>Заработок</a:t>
+            </a:r>
+            <a:r>
+              <a:rPr lang="en-US" sz="1700" dirty="0"/>
+              <a:t> </a:t>
+            </a:r>
+            <a:r>
+              <a:rPr lang="en-US" sz="1700" dirty="0" err="1"/>
+              <a:t>планируется</a:t>
+            </a:r>
+            <a:r>
+              <a:rPr lang="en-US" sz="1700" dirty="0"/>
+              <a:t> </a:t>
+            </a:r>
+            <a:r>
+              <a:rPr lang="en-US" sz="1700" dirty="0" err="1"/>
+              <a:t>через</a:t>
+            </a:r>
+            <a:r>
+              <a:rPr lang="en-US" sz="1700" dirty="0"/>
+              <a:t> </a:t>
+            </a:r>
+            <a:r>
+              <a:rPr lang="en-US" sz="1700" dirty="0" err="1"/>
+              <a:t>премиум</a:t>
+            </a:r>
+            <a:r>
+              <a:rPr lang="en-US" sz="1700" dirty="0"/>
+              <a:t> </a:t>
+            </a:r>
+            <a:r>
+              <a:rPr lang="en-US" sz="1700" dirty="0" err="1"/>
+              <a:t>подписки</a:t>
+            </a:r>
+            <a:r>
+              <a:rPr lang="en-US" sz="1700" dirty="0"/>
+              <a:t>, </a:t>
+            </a:r>
+            <a:r>
+              <a:rPr lang="en-US" sz="1700" dirty="0" err="1"/>
+              <a:t>которые</a:t>
+            </a:r>
+            <a:r>
+              <a:rPr lang="en-US" sz="1700" dirty="0"/>
+              <a:t> </a:t>
+            </a:r>
+            <a:r>
+              <a:rPr lang="en-US" sz="1700" dirty="0" err="1"/>
+              <a:t>открывают</a:t>
+            </a:r>
+            <a:r>
+              <a:rPr lang="en-US" sz="1700" dirty="0"/>
+              <a:t> </a:t>
+            </a:r>
+            <a:r>
+              <a:rPr lang="en-US" sz="1700" dirty="0" err="1"/>
+              <a:t>возможность</a:t>
+            </a:r>
+            <a:r>
+              <a:rPr lang="en-US" sz="1700" dirty="0"/>
+              <a:t> к </a:t>
+            </a:r>
+            <a:r>
+              <a:rPr lang="en-US" sz="1700" dirty="0" err="1"/>
+              <a:t>созданию</a:t>
+            </a:r>
+            <a:r>
+              <a:rPr lang="en-US" sz="1700" dirty="0"/>
+              <a:t> </a:t>
+            </a:r>
+            <a:r>
+              <a:rPr lang="en-US" sz="1700" dirty="0" err="1"/>
+              <a:t>большего</a:t>
+            </a:r>
+            <a:r>
+              <a:rPr lang="en-US" sz="1700" dirty="0"/>
+              <a:t> </a:t>
+            </a:r>
+            <a:r>
+              <a:rPr lang="en-US" sz="1700" dirty="0" err="1"/>
+              <a:t>количества</a:t>
+            </a:r>
+            <a:r>
+              <a:rPr lang="en-US" sz="1700" dirty="0"/>
+              <a:t> </a:t>
+            </a:r>
+            <a:r>
+              <a:rPr lang="en-US" sz="1700" dirty="0" err="1"/>
+              <a:t>мероприятий</a:t>
+            </a:r>
+            <a:r>
+              <a:rPr lang="en-US" sz="1700" dirty="0"/>
+              <a:t>, а </a:t>
+            </a:r>
+            <a:r>
+              <a:rPr lang="en-US" sz="1700" dirty="0" err="1"/>
+              <a:t>также</a:t>
+            </a:r>
+            <a:r>
+              <a:rPr lang="en-US" sz="1700" dirty="0"/>
+              <a:t> </a:t>
+            </a:r>
+            <a:r>
+              <a:rPr lang="en-US" sz="1700" dirty="0" err="1"/>
+              <a:t>приглашений</a:t>
+            </a:r>
+            <a:r>
+              <a:rPr lang="en-US" sz="1700" dirty="0"/>
+              <a:t> с </a:t>
+            </a:r>
+            <a:r>
+              <a:rPr lang="en-US" sz="1700" dirty="0" err="1"/>
+              <a:t>большим</a:t>
+            </a:r>
+            <a:r>
+              <a:rPr lang="en-US" sz="1700" dirty="0"/>
+              <a:t> </a:t>
+            </a:r>
+            <a:r>
+              <a:rPr lang="en-US" sz="1700" dirty="0" err="1"/>
+              <a:t>количеством</a:t>
+            </a:r>
+            <a:r>
+              <a:rPr lang="en-US" sz="1700" dirty="0"/>
+              <a:t> </a:t>
+            </a:r>
+            <a:r>
+              <a:rPr lang="en-US" sz="1700" dirty="0" err="1"/>
+              <a:t>стилей</a:t>
+            </a:r>
+            <a:endParaRPr lang="en-US" dirty="0" err="1"/>
+          </a:p>
+          <a:p>
+            <a:pPr indent="-228600">
+              <a:lnSpc>
+                <a:spcPct val="90000"/>
+              </a:lnSpc>
+              <a:spcAft>
+                <a:spcPts val="600"/>
+              </a:spcAft>
+              <a:buFont typeface="Arial" panose="020B0604020202020204" pitchFamily="34" charset="0"/>
+              <a:buChar char="•"/>
+            </a:pPr>
+            <a:endParaRPr lang="en-US" sz="1700" dirty="0"/>
+          </a:p>
+          <a:p>
+            <a:pPr indent="-228600">
+              <a:lnSpc>
+                <a:spcPct val="90000"/>
+              </a:lnSpc>
+              <a:spcAft>
+                <a:spcPts val="600"/>
+              </a:spcAft>
+              <a:buFont typeface="Arial" panose="020B0604020202020204" pitchFamily="34" charset="0"/>
+              <a:buChar char="•"/>
+            </a:pPr>
+            <a:r>
+              <a:rPr lang="en-US" sz="1700" dirty="0" err="1"/>
+              <a:t>Реклама</a:t>
+            </a:r>
+            <a:r>
+              <a:rPr lang="en-US" sz="1700" dirty="0"/>
+              <a:t> и </a:t>
+            </a:r>
+            <a:r>
+              <a:rPr lang="en-US" sz="1700" dirty="0" err="1"/>
+              <a:t>спонсорство</a:t>
+            </a:r>
+            <a:r>
+              <a:rPr lang="en-US" sz="1700" dirty="0"/>
+              <a:t> </a:t>
+            </a:r>
+            <a:r>
+              <a:rPr lang="en-US" sz="1700" dirty="0" err="1"/>
+              <a:t>через</a:t>
+            </a:r>
+            <a:r>
+              <a:rPr lang="en-US" sz="1700" dirty="0"/>
+              <a:t> </a:t>
+            </a:r>
+            <a:r>
+              <a:rPr lang="en-US" sz="1700" dirty="0" err="1"/>
+              <a:t>банеры</a:t>
+            </a:r>
+            <a:br>
+              <a:rPr lang="en-US" sz="1700" dirty="0"/>
+            </a:br>
+            <a:endParaRPr lang="en-US" sz="1700" dirty="0">
+              <a:cs typeface="Calibri"/>
+            </a:endParaRPr>
+          </a:p>
+          <a:p>
+            <a:pPr indent="-228600">
+              <a:lnSpc>
+                <a:spcPct val="90000"/>
+              </a:lnSpc>
+              <a:spcAft>
+                <a:spcPts val="600"/>
+              </a:spcAft>
+              <a:buFont typeface="Arial" panose="020B0604020202020204" pitchFamily="34" charset="0"/>
+              <a:buChar char="•"/>
+            </a:pPr>
+            <a:r>
+              <a:rPr lang="en-US" sz="1700" dirty="0" err="1"/>
+              <a:t>Платное</a:t>
+            </a:r>
+            <a:r>
+              <a:rPr lang="en-US" sz="1700" dirty="0"/>
+              <a:t> </a:t>
+            </a:r>
+            <a:r>
+              <a:rPr lang="en-US" sz="1700" dirty="0" err="1"/>
+              <a:t>продвижение</a:t>
+            </a:r>
+            <a:r>
+              <a:rPr lang="en-US" sz="1700" dirty="0"/>
+              <a:t> </a:t>
+            </a:r>
+            <a:r>
+              <a:rPr lang="en-US" sz="1700" dirty="0" err="1"/>
+              <a:t>открытых</a:t>
+            </a:r>
+            <a:r>
+              <a:rPr lang="en-US" sz="1700" dirty="0"/>
+              <a:t> </a:t>
+            </a:r>
+            <a:r>
+              <a:rPr lang="en-US" sz="1700" dirty="0" err="1"/>
+              <a:t>мероприятий</a:t>
+            </a:r>
+            <a:r>
+              <a:rPr lang="en-US" sz="1700" dirty="0"/>
+              <a:t> в </a:t>
+            </a:r>
+            <a:r>
+              <a:rPr lang="en-US" sz="1700" dirty="0" err="1"/>
+              <a:t>ленте</a:t>
+            </a:r>
+            <a:endParaRPr lang="en-US" sz="1700" dirty="0">
+              <a:cs typeface="Calibri"/>
+            </a:endParaRPr>
+          </a:p>
+        </p:txBody>
+      </p:sp>
+    </p:spTree>
+    <p:extLst>
+      <p:ext uri="{BB962C8B-B14F-4D97-AF65-F5344CB8AC3E}">
+        <p14:creationId xmlns:p14="http://schemas.microsoft.com/office/powerpoint/2010/main" val="4140361545"/>
       </p:ext>
     </p:extLst>
   </p:cSld>

--- a/Документация/Презентация проекта.pptx
+++ b/Документация/Презентация проекта.pptx
@@ -3008,7 +3008,7 @@
                 <a16:creationId xmlns:a16="http://schemas.microsoft.com/office/drawing/2014/main" id="{C8320351-9FA2-4A26-885B-BB8F3E4902D2}"/>
               </a:ext>
               <a:ext uri="{C183D7F6-B498-43B3-948B-1728B52AA6E4}">
-                <adec:decorative xmlns:adec="http://schemas.microsoft.com/office/drawing/2017/decorative" val="1"/>
+                <adec:decorative xmlns:adec="http://schemas.microsoft.com/office/drawing/2017/decorative" xmlns="" val="1"/>
               </a:ext>
             </a:extLst>
           </p:cNvPr>
@@ -3097,7 +3097,7 @@
                 <a16:creationId xmlns:a16="http://schemas.microsoft.com/office/drawing/2014/main" id="{68CD2EFB-78C2-4C6E-A6B9-4ED12FAD5B99}"/>
               </a:ext>
               <a:ext uri="{C183D7F6-B498-43B3-948B-1728B52AA6E4}">
-                <adec:decorative xmlns:adec="http://schemas.microsoft.com/office/drawing/2017/decorative" val="1"/>
+                <adec:decorative xmlns:adec="http://schemas.microsoft.com/office/drawing/2017/decorative" xmlns="" val="1"/>
               </a:ext>
             </a:extLst>
           </p:cNvPr>
@@ -3286,6 +3286,14 @@
                 <a:cs typeface="Calibri"/>
               </a:rPr>
               <a:t>Головин Егор</a:t>
+            </a:r>
+            <a:r>
+              <a:rPr lang="en-US">
+                <a:solidFill>
+                  <a:srgbClr val="FFFFFF"/>
+                </a:solidFill>
+              </a:rPr>
+              <a:t/>
             </a:r>
             <a:br>
               <a:rPr lang="en-US">
@@ -3352,7 +3360,7 @@
                 <a16:creationId xmlns:a16="http://schemas.microsoft.com/office/drawing/2014/main" id="{8FC9BE17-9A7B-462D-AE50-3D8777387304}"/>
               </a:ext>
               <a:ext uri="{C183D7F6-B498-43B3-948B-1728B52AA6E4}">
-                <adec:decorative xmlns:adec="http://schemas.microsoft.com/office/drawing/2017/decorative" val="1"/>
+                <adec:decorative xmlns:adec="http://schemas.microsoft.com/office/drawing/2017/decorative" xmlns="" val="1"/>
               </a:ext>
             </a:extLst>
           </p:cNvPr>
@@ -3441,7 +3449,7 @@
                 <a16:creationId xmlns:a16="http://schemas.microsoft.com/office/drawing/2014/main" id="{3EBE8569-6AEC-4B8C-8D53-2DE337CDBA65}"/>
               </a:ext>
               <a:ext uri="{C183D7F6-B498-43B3-948B-1728B52AA6E4}">
-                <adec:decorative xmlns:adec="http://schemas.microsoft.com/office/drawing/2017/decorative" val="1"/>
+                <adec:decorative xmlns:adec="http://schemas.microsoft.com/office/drawing/2017/decorative" xmlns="" val="1"/>
               </a:ext>
             </a:extLst>
           </p:cNvPr>
@@ -3583,7 +3591,7 @@
                 <a16:creationId xmlns:a16="http://schemas.microsoft.com/office/drawing/2014/main" id="{55D4142C-5077-457F-A6AD-3FECFDB39685}"/>
               </a:ext>
               <a:ext uri="{C183D7F6-B498-43B3-948B-1728B52AA6E4}">
-                <adec:decorative xmlns:adec="http://schemas.microsoft.com/office/drawing/2017/decorative" val="1"/>
+                <adec:decorative xmlns:adec="http://schemas.microsoft.com/office/drawing/2017/decorative" xmlns="" val="1"/>
               </a:ext>
             </a:extLst>
           </p:cNvPr>
@@ -3651,7 +3659,7 @@
                 <a16:creationId xmlns:a16="http://schemas.microsoft.com/office/drawing/2014/main" id="{7A5F0580-5EE9-419F-96EE-B6529EF6E7D0}"/>
               </a:ext>
               <a:ext uri="{C183D7F6-B498-43B3-948B-1728B52AA6E4}">
-                <adec:decorative xmlns:adec="http://schemas.microsoft.com/office/drawing/2017/decorative" val="1"/>
+                <adec:decorative xmlns:adec="http://schemas.microsoft.com/office/drawing/2017/decorative" xmlns="" val="1"/>
               </a:ext>
             </a:extLst>
           </p:cNvPr>
@@ -4130,7 +4138,7 @@
                 <a16:creationId xmlns:a16="http://schemas.microsoft.com/office/drawing/2014/main" id="{7C432AFE-B3D2-4BFF-BF8F-96C27AFF1AC7}"/>
               </a:ext>
               <a:ext uri="{C183D7F6-B498-43B3-948B-1728B52AA6E4}">
-                <adec:decorative xmlns:adec="http://schemas.microsoft.com/office/drawing/2017/decorative" val="1"/>
+                <adec:decorative xmlns:adec="http://schemas.microsoft.com/office/drawing/2017/decorative" xmlns="" val="1"/>
               </a:ext>
             </a:extLst>
           </p:cNvPr>
@@ -4269,7 +4277,7 @@
                 <a16:creationId xmlns:a16="http://schemas.microsoft.com/office/drawing/2014/main" id="{AF2F604E-43BE-4DC3-B983-E071523364F8}"/>
               </a:ext>
               <a:ext uri="{C183D7F6-B498-43B3-948B-1728B52AA6E4}">
-                <adec:decorative xmlns:adec="http://schemas.microsoft.com/office/drawing/2017/decorative" val="1"/>
+                <adec:decorative xmlns:adec="http://schemas.microsoft.com/office/drawing/2017/decorative" xmlns="" val="1"/>
               </a:ext>
             </a:extLst>
           </p:cNvPr>
@@ -4337,7 +4345,7 @@
                 <a16:creationId xmlns:a16="http://schemas.microsoft.com/office/drawing/2014/main" id="{08C9B587-E65E-4B52-B37C-ABEBB6E87928}"/>
               </a:ext>
               <a:ext uri="{C183D7F6-B498-43B3-948B-1728B52AA6E4}">
-                <adec:decorative xmlns:adec="http://schemas.microsoft.com/office/drawing/2017/decorative" val="1"/>
+                <adec:decorative xmlns:adec="http://schemas.microsoft.com/office/drawing/2017/decorative" xmlns="" val="1"/>
               </a:ext>
             </a:extLst>
           </p:cNvPr>
@@ -4737,7 +4745,7 @@
                 <a16:creationId xmlns:a16="http://schemas.microsoft.com/office/drawing/2014/main" id="{7C432AFE-B3D2-4BFF-BF8F-96C27AFF1AC7}"/>
               </a:ext>
               <a:ext uri="{C183D7F6-B498-43B3-948B-1728B52AA6E4}">
-                <adec:decorative xmlns:adec="http://schemas.microsoft.com/office/drawing/2017/decorative" val="1"/>
+                <adec:decorative xmlns:adec="http://schemas.microsoft.com/office/drawing/2017/decorative" xmlns="" val="1"/>
               </a:ext>
             </a:extLst>
           </p:cNvPr>
@@ -4852,7 +4860,7 @@
           <a:lstStyle/>
           <a:p>
             <a:r>
-              <a:rPr lang="en-US" sz="5000">
+              <a:rPr lang="en-US" sz="5000" dirty="0" err="1">
                 <a:solidFill>
                   <a:schemeClr val="bg1"/>
                 </a:solidFill>
@@ -4860,7 +4868,7 @@
               </a:rPr>
               <a:t>Выводы</a:t>
             </a:r>
-            <a:endParaRPr lang="en-US" sz="5000">
+            <a:endParaRPr lang="en-US" sz="5000" dirty="0">
               <a:solidFill>
                 <a:schemeClr val="bg1"/>
               </a:solidFill>
@@ -4876,7 +4884,7 @@
                 <a16:creationId xmlns:a16="http://schemas.microsoft.com/office/drawing/2014/main" id="{AF2F604E-43BE-4DC3-B983-E071523364F8}"/>
               </a:ext>
               <a:ext uri="{C183D7F6-B498-43B3-948B-1728B52AA6E4}">
-                <adec:decorative xmlns:adec="http://schemas.microsoft.com/office/drawing/2017/decorative" val="1"/>
+                <adec:decorative xmlns:adec="http://schemas.microsoft.com/office/drawing/2017/decorative" xmlns="" val="1"/>
               </a:ext>
             </a:extLst>
           </p:cNvPr>
@@ -4944,7 +4952,7 @@
                 <a16:creationId xmlns:a16="http://schemas.microsoft.com/office/drawing/2014/main" id="{08C9B587-E65E-4B52-B37C-ABEBB6E87928}"/>
               </a:ext>
               <a:ext uri="{C183D7F6-B498-43B3-948B-1728B52AA6E4}">
-                <adec:decorative xmlns:adec="http://schemas.microsoft.com/office/drawing/2017/decorative" val="1"/>
+                <adec:decorative xmlns:adec="http://schemas.microsoft.com/office/drawing/2017/decorative" xmlns="" val="1"/>
               </a:ext>
             </a:extLst>
           </p:cNvPr>
@@ -5437,7 +5445,7 @@
             <a:pPr marL="0" indent="0">
               <a:buNone/>
             </a:pPr>
-            <a:endParaRPr lang="en-US" sz="2000">
+            <a:endParaRPr lang="en-US" sz="2000" dirty="0">
               <a:solidFill>
                 <a:schemeClr val="bg1"/>
               </a:solidFill>
@@ -5450,16 +5458,486 @@
               <a:buNone/>
             </a:pPr>
             <a:r>
-              <a:rPr lang="en-US" sz="2000">
+              <a:rPr lang="en-US" sz="2000" dirty="0" err="1">
                 <a:solidFill>
                   <a:schemeClr val="bg1"/>
                 </a:solidFill>
                 <a:ea typeface="+mn-lt"/>
                 <a:cs typeface="+mn-lt"/>
               </a:rPr>
-              <a:t>Уникальность сервиса заключается в возможности привязывать приглашения к каждому гостю с помощью QR-кода, которые используются при проходе на мероприятие. Это делает принятие гостей более организованным и удобным, обеспечивая безопасность и контроль посещения.</a:t>
-            </a:r>
-            <a:endParaRPr lang="en-US" sz="2000">
+              <a:t>Уникальность</a:t>
+            </a:r>
+            <a:r>
+              <a:rPr lang="en-US" sz="2000" dirty="0">
+                <a:solidFill>
+                  <a:schemeClr val="bg1"/>
+                </a:solidFill>
+                <a:ea typeface="+mn-lt"/>
+                <a:cs typeface="+mn-lt"/>
+              </a:rPr>
+              <a:t> </a:t>
+            </a:r>
+            <a:r>
+              <a:rPr lang="en-US" sz="2000" dirty="0" err="1">
+                <a:solidFill>
+                  <a:schemeClr val="bg1"/>
+                </a:solidFill>
+                <a:ea typeface="+mn-lt"/>
+                <a:cs typeface="+mn-lt"/>
+              </a:rPr>
+              <a:t>сервиса</a:t>
+            </a:r>
+            <a:r>
+              <a:rPr lang="en-US" sz="2000" dirty="0">
+                <a:solidFill>
+                  <a:schemeClr val="bg1"/>
+                </a:solidFill>
+                <a:ea typeface="+mn-lt"/>
+                <a:cs typeface="+mn-lt"/>
+              </a:rPr>
+              <a:t> </a:t>
+            </a:r>
+            <a:r>
+              <a:rPr lang="en-US" sz="2000" dirty="0" err="1">
+                <a:solidFill>
+                  <a:schemeClr val="bg1"/>
+                </a:solidFill>
+                <a:ea typeface="+mn-lt"/>
+                <a:cs typeface="+mn-lt"/>
+              </a:rPr>
+              <a:t>заключается</a:t>
+            </a:r>
+            <a:r>
+              <a:rPr lang="en-US" sz="2000" dirty="0">
+                <a:solidFill>
+                  <a:schemeClr val="bg1"/>
+                </a:solidFill>
+                <a:ea typeface="+mn-lt"/>
+                <a:cs typeface="+mn-lt"/>
+              </a:rPr>
+              <a:t> в </a:t>
+            </a:r>
+            <a:r>
+              <a:rPr lang="en-US" sz="2000" dirty="0" err="1">
+                <a:solidFill>
+                  <a:schemeClr val="bg1"/>
+                </a:solidFill>
+                <a:ea typeface="+mn-lt"/>
+                <a:cs typeface="+mn-lt"/>
+              </a:rPr>
+              <a:t>возможности</a:t>
+            </a:r>
+            <a:r>
+              <a:rPr lang="en-US" sz="2000" dirty="0">
+                <a:solidFill>
+                  <a:schemeClr val="bg1"/>
+                </a:solidFill>
+                <a:ea typeface="+mn-lt"/>
+                <a:cs typeface="+mn-lt"/>
+              </a:rPr>
+              <a:t> </a:t>
+            </a:r>
+            <a:r>
+              <a:rPr lang="en-US" sz="2000" dirty="0" err="1">
+                <a:solidFill>
+                  <a:schemeClr val="bg1"/>
+                </a:solidFill>
+                <a:ea typeface="+mn-lt"/>
+                <a:cs typeface="+mn-lt"/>
+              </a:rPr>
+              <a:t>привязывать</a:t>
+            </a:r>
+            <a:r>
+              <a:rPr lang="en-US" sz="2000" dirty="0">
+                <a:solidFill>
+                  <a:schemeClr val="bg1"/>
+                </a:solidFill>
+                <a:ea typeface="+mn-lt"/>
+                <a:cs typeface="+mn-lt"/>
+              </a:rPr>
+              <a:t> приглашения к </a:t>
+            </a:r>
+            <a:r>
+              <a:rPr lang="en-US" sz="2000" dirty="0" err="1">
+                <a:solidFill>
+                  <a:schemeClr val="bg1"/>
+                </a:solidFill>
+                <a:ea typeface="+mn-lt"/>
+                <a:cs typeface="+mn-lt"/>
+              </a:rPr>
+              <a:t>каждому</a:t>
+            </a:r>
+            <a:r>
+              <a:rPr lang="en-US" sz="2000" dirty="0">
+                <a:solidFill>
+                  <a:schemeClr val="bg1"/>
+                </a:solidFill>
+                <a:ea typeface="+mn-lt"/>
+                <a:cs typeface="+mn-lt"/>
+              </a:rPr>
+              <a:t> </a:t>
+            </a:r>
+            <a:r>
+              <a:rPr lang="en-US" sz="2000" dirty="0" err="1">
+                <a:solidFill>
+                  <a:schemeClr val="bg1"/>
+                </a:solidFill>
+                <a:ea typeface="+mn-lt"/>
+                <a:cs typeface="+mn-lt"/>
+              </a:rPr>
+              <a:t>гостю</a:t>
+            </a:r>
+            <a:r>
+              <a:rPr lang="en-US" sz="2000" dirty="0">
+                <a:solidFill>
+                  <a:schemeClr val="bg1"/>
+                </a:solidFill>
+                <a:ea typeface="+mn-lt"/>
+                <a:cs typeface="+mn-lt"/>
+              </a:rPr>
+              <a:t> с </a:t>
+            </a:r>
+            <a:r>
+              <a:rPr lang="en-US" sz="2000" dirty="0" err="1">
+                <a:solidFill>
+                  <a:schemeClr val="bg1"/>
+                </a:solidFill>
+                <a:ea typeface="+mn-lt"/>
+                <a:cs typeface="+mn-lt"/>
+              </a:rPr>
+              <a:t>помощью</a:t>
+            </a:r>
+            <a:r>
+              <a:rPr lang="en-US" sz="2000" dirty="0">
+                <a:solidFill>
+                  <a:schemeClr val="bg1"/>
+                </a:solidFill>
+                <a:ea typeface="+mn-lt"/>
+                <a:cs typeface="+mn-lt"/>
+              </a:rPr>
+              <a:t> QR-</a:t>
+            </a:r>
+            <a:r>
+              <a:rPr lang="en-US" sz="2000" dirty="0" err="1">
+                <a:solidFill>
+                  <a:schemeClr val="bg1"/>
+                </a:solidFill>
+                <a:ea typeface="+mn-lt"/>
+                <a:cs typeface="+mn-lt"/>
+              </a:rPr>
+              <a:t>кода</a:t>
+            </a:r>
+            <a:r>
+              <a:rPr lang="en-US" sz="2000" dirty="0">
+                <a:solidFill>
+                  <a:schemeClr val="bg1"/>
+                </a:solidFill>
+                <a:ea typeface="+mn-lt"/>
+                <a:cs typeface="+mn-lt"/>
+              </a:rPr>
+              <a:t>, </a:t>
+            </a:r>
+            <a:r>
+              <a:rPr lang="en-US" sz="2000" dirty="0" err="1">
+                <a:solidFill>
+                  <a:schemeClr val="bg1"/>
+                </a:solidFill>
+                <a:ea typeface="+mn-lt"/>
+                <a:cs typeface="+mn-lt"/>
+              </a:rPr>
+              <a:t>которые</a:t>
+            </a:r>
+            <a:r>
+              <a:rPr lang="en-US" sz="2000" dirty="0">
+                <a:solidFill>
+                  <a:schemeClr val="bg1"/>
+                </a:solidFill>
+                <a:ea typeface="+mn-lt"/>
+                <a:cs typeface="+mn-lt"/>
+              </a:rPr>
+              <a:t> </a:t>
+            </a:r>
+            <a:r>
+              <a:rPr lang="en-US" sz="2000" dirty="0" err="1">
+                <a:solidFill>
+                  <a:schemeClr val="bg1"/>
+                </a:solidFill>
+                <a:ea typeface="+mn-lt"/>
+                <a:cs typeface="+mn-lt"/>
+              </a:rPr>
+              <a:t>используются</a:t>
+            </a:r>
+            <a:r>
+              <a:rPr lang="en-US" sz="2000" dirty="0">
+                <a:solidFill>
+                  <a:schemeClr val="bg1"/>
+                </a:solidFill>
+                <a:ea typeface="+mn-lt"/>
+                <a:cs typeface="+mn-lt"/>
+              </a:rPr>
+              <a:t> </a:t>
+            </a:r>
+            <a:r>
+              <a:rPr lang="en-US" sz="2000" dirty="0" err="1">
+                <a:solidFill>
+                  <a:schemeClr val="bg1"/>
+                </a:solidFill>
+                <a:ea typeface="+mn-lt"/>
+                <a:cs typeface="+mn-lt"/>
+              </a:rPr>
+              <a:t>при</a:t>
+            </a:r>
+            <a:r>
+              <a:rPr lang="en-US" sz="2000" dirty="0">
+                <a:solidFill>
+                  <a:schemeClr val="bg1"/>
+                </a:solidFill>
+                <a:ea typeface="+mn-lt"/>
+                <a:cs typeface="+mn-lt"/>
+              </a:rPr>
+              <a:t> </a:t>
+            </a:r>
+            <a:r>
+              <a:rPr lang="en-US" sz="2000" dirty="0" err="1">
+                <a:solidFill>
+                  <a:schemeClr val="bg1"/>
+                </a:solidFill>
+                <a:ea typeface="+mn-lt"/>
+                <a:cs typeface="+mn-lt"/>
+              </a:rPr>
+              <a:t>проходе</a:t>
+            </a:r>
+            <a:r>
+              <a:rPr lang="en-US" sz="2000" dirty="0">
+                <a:solidFill>
+                  <a:schemeClr val="bg1"/>
+                </a:solidFill>
+                <a:ea typeface="+mn-lt"/>
+                <a:cs typeface="+mn-lt"/>
+              </a:rPr>
+              <a:t> на </a:t>
+            </a:r>
+            <a:r>
+              <a:rPr lang="en-US" sz="2000" dirty="0" err="1">
+                <a:solidFill>
+                  <a:schemeClr val="bg1"/>
+                </a:solidFill>
+                <a:ea typeface="+mn-lt"/>
+                <a:cs typeface="+mn-lt"/>
+              </a:rPr>
+              <a:t>мероприятие</a:t>
+            </a:r>
+            <a:r>
+              <a:rPr lang="en-US" sz="2000" dirty="0">
+                <a:solidFill>
+                  <a:schemeClr val="bg1"/>
+                </a:solidFill>
+                <a:ea typeface="+mn-lt"/>
+                <a:cs typeface="+mn-lt"/>
+              </a:rPr>
+              <a:t>. </a:t>
+            </a:r>
+            <a:r>
+              <a:rPr lang="en-US" sz="2000" dirty="0" err="1">
+                <a:solidFill>
+                  <a:schemeClr val="bg1"/>
+                </a:solidFill>
+                <a:ea typeface="+mn-lt"/>
+                <a:cs typeface="+mn-lt"/>
+              </a:rPr>
+              <a:t>Это</a:t>
+            </a:r>
+            <a:r>
+              <a:rPr lang="en-US" sz="2000" dirty="0">
+                <a:solidFill>
+                  <a:schemeClr val="bg1"/>
+                </a:solidFill>
+                <a:ea typeface="+mn-lt"/>
+                <a:cs typeface="+mn-lt"/>
+              </a:rPr>
+              <a:t> </a:t>
+            </a:r>
+            <a:r>
+              <a:rPr lang="en-US" sz="2000" dirty="0" err="1">
+                <a:solidFill>
+                  <a:schemeClr val="bg1"/>
+                </a:solidFill>
+                <a:ea typeface="+mn-lt"/>
+                <a:cs typeface="+mn-lt"/>
+              </a:rPr>
+              <a:t>делает</a:t>
+            </a:r>
+            <a:r>
+              <a:rPr lang="en-US" sz="2000" dirty="0">
+                <a:solidFill>
+                  <a:schemeClr val="bg1"/>
+                </a:solidFill>
+                <a:ea typeface="+mn-lt"/>
+                <a:cs typeface="+mn-lt"/>
+              </a:rPr>
+              <a:t> </a:t>
+            </a:r>
+            <a:r>
+              <a:rPr lang="en-US" sz="2000" dirty="0" err="1">
+                <a:solidFill>
+                  <a:schemeClr val="bg1"/>
+                </a:solidFill>
+                <a:ea typeface="+mn-lt"/>
+                <a:cs typeface="+mn-lt"/>
+              </a:rPr>
+              <a:t>принятие</a:t>
+            </a:r>
+            <a:r>
+              <a:rPr lang="en-US" sz="2000" dirty="0">
+                <a:solidFill>
+                  <a:schemeClr val="bg1"/>
+                </a:solidFill>
+                <a:ea typeface="+mn-lt"/>
+                <a:cs typeface="+mn-lt"/>
+              </a:rPr>
+              <a:t> гостей </a:t>
+            </a:r>
+            <a:r>
+              <a:rPr lang="en-US" sz="2000" dirty="0" err="1">
+                <a:solidFill>
+                  <a:schemeClr val="bg1"/>
+                </a:solidFill>
+                <a:ea typeface="+mn-lt"/>
+                <a:cs typeface="+mn-lt"/>
+              </a:rPr>
+              <a:t>более</a:t>
+            </a:r>
+            <a:r>
+              <a:rPr lang="en-US" sz="2000" dirty="0">
+                <a:solidFill>
+                  <a:schemeClr val="bg1"/>
+                </a:solidFill>
+                <a:ea typeface="+mn-lt"/>
+                <a:cs typeface="+mn-lt"/>
+              </a:rPr>
+              <a:t> </a:t>
+            </a:r>
+            <a:r>
+              <a:rPr lang="en-US" sz="2000" dirty="0" err="1">
+                <a:solidFill>
+                  <a:schemeClr val="bg1"/>
+                </a:solidFill>
+                <a:ea typeface="+mn-lt"/>
+                <a:cs typeface="+mn-lt"/>
+              </a:rPr>
+              <a:t>организованным</a:t>
+            </a:r>
+            <a:r>
+              <a:rPr lang="en-US" sz="2000" dirty="0">
+                <a:solidFill>
+                  <a:schemeClr val="bg1"/>
+                </a:solidFill>
+                <a:ea typeface="+mn-lt"/>
+                <a:cs typeface="+mn-lt"/>
+              </a:rPr>
+              <a:t> и </a:t>
+            </a:r>
+            <a:r>
+              <a:rPr lang="en-US" sz="2000" dirty="0" err="1">
+                <a:solidFill>
+                  <a:schemeClr val="bg1"/>
+                </a:solidFill>
+                <a:ea typeface="+mn-lt"/>
+                <a:cs typeface="+mn-lt"/>
+              </a:rPr>
+              <a:t>удобным</a:t>
+            </a:r>
+            <a:r>
+              <a:rPr lang="en-US" sz="2000" dirty="0">
+                <a:solidFill>
+                  <a:schemeClr val="bg1"/>
+                </a:solidFill>
+                <a:ea typeface="+mn-lt"/>
+                <a:cs typeface="+mn-lt"/>
+              </a:rPr>
+              <a:t>, </a:t>
+            </a:r>
+            <a:r>
+              <a:rPr lang="en-US" sz="2000" dirty="0" err="1">
+                <a:solidFill>
+                  <a:schemeClr val="bg1"/>
+                </a:solidFill>
+                <a:ea typeface="+mn-lt"/>
+                <a:cs typeface="+mn-lt"/>
+              </a:rPr>
+              <a:t>обеспечивая</a:t>
+            </a:r>
+            <a:r>
+              <a:rPr lang="en-US" sz="2000" dirty="0">
+                <a:solidFill>
+                  <a:schemeClr val="bg1"/>
+                </a:solidFill>
+                <a:ea typeface="+mn-lt"/>
+                <a:cs typeface="+mn-lt"/>
+              </a:rPr>
+              <a:t> </a:t>
+            </a:r>
+            <a:r>
+              <a:rPr lang="en-US" sz="2000" dirty="0" err="1">
+                <a:solidFill>
+                  <a:schemeClr val="bg1"/>
+                </a:solidFill>
+                <a:ea typeface="+mn-lt"/>
+                <a:cs typeface="+mn-lt"/>
+              </a:rPr>
+              <a:t>безопасность</a:t>
+            </a:r>
+            <a:r>
+              <a:rPr lang="en-US" sz="2000" dirty="0">
+                <a:solidFill>
+                  <a:schemeClr val="bg1"/>
+                </a:solidFill>
+                <a:ea typeface="+mn-lt"/>
+                <a:cs typeface="+mn-lt"/>
+              </a:rPr>
+              <a:t> и </a:t>
+            </a:r>
+            <a:r>
+              <a:rPr lang="en-US" sz="2000" dirty="0" err="1">
+                <a:solidFill>
+                  <a:schemeClr val="bg1"/>
+                </a:solidFill>
+                <a:ea typeface="+mn-lt"/>
+                <a:cs typeface="+mn-lt"/>
+              </a:rPr>
+              <a:t>контроль</a:t>
+            </a:r>
+            <a:r>
+              <a:rPr lang="en-US" sz="2000" dirty="0">
+                <a:solidFill>
+                  <a:schemeClr val="bg1"/>
+                </a:solidFill>
+                <a:ea typeface="+mn-lt"/>
+                <a:cs typeface="+mn-lt"/>
+              </a:rPr>
+              <a:t> </a:t>
+            </a:r>
+            <a:r>
+              <a:rPr lang="en-US" sz="2000" dirty="0" err="1">
+                <a:solidFill>
+                  <a:schemeClr val="bg1"/>
+                </a:solidFill>
+                <a:ea typeface="+mn-lt"/>
+                <a:cs typeface="+mn-lt"/>
+              </a:rPr>
+              <a:t>посещения</a:t>
+            </a:r>
+            <a:r>
+              <a:rPr lang="en-US" sz="2000" dirty="0">
+                <a:solidFill>
+                  <a:schemeClr val="bg1"/>
+                </a:solidFill>
+                <a:ea typeface="+mn-lt"/>
+                <a:cs typeface="+mn-lt"/>
+              </a:rPr>
+              <a:t>.</a:t>
+            </a:r>
+            <a:endParaRPr lang="en-US" sz="2000" dirty="0">
               <a:solidFill>
                 <a:schemeClr val="bg1"/>
               </a:solidFill>
@@ -5514,7 +5992,7 @@
                 <a16:creationId xmlns:a16="http://schemas.microsoft.com/office/drawing/2014/main" id="{8FC9BE17-9A7B-462D-AE50-3D8777387304}"/>
               </a:ext>
               <a:ext uri="{C183D7F6-B498-43B3-948B-1728B52AA6E4}">
-                <adec:decorative xmlns:adec="http://schemas.microsoft.com/office/drawing/2017/decorative" val="1"/>
+                <adec:decorative xmlns:adec="http://schemas.microsoft.com/office/drawing/2017/decorative" xmlns="" val="1"/>
               </a:ext>
             </a:extLst>
           </p:cNvPr>
@@ -5605,7 +6083,7 @@
                 <a16:creationId xmlns:a16="http://schemas.microsoft.com/office/drawing/2014/main" id="{3EBE8569-6AEC-4B8C-8D53-2DE337CDBA65}"/>
               </a:ext>
               <a:ext uri="{C183D7F6-B498-43B3-948B-1728B52AA6E4}">
-                <adec:decorative xmlns:adec="http://schemas.microsoft.com/office/drawing/2017/decorative" val="1"/>
+                <adec:decorative xmlns:adec="http://schemas.microsoft.com/office/drawing/2017/decorative" xmlns="" val="1"/>
               </a:ext>
             </a:extLst>
           </p:cNvPr>
@@ -5733,7 +6211,7 @@
                 <a16:creationId xmlns:a16="http://schemas.microsoft.com/office/drawing/2014/main" id="{55D4142C-5077-457F-A6AD-3FECFDB39685}"/>
               </a:ext>
               <a:ext uri="{C183D7F6-B498-43B3-948B-1728B52AA6E4}">
-                <adec:decorative xmlns:adec="http://schemas.microsoft.com/office/drawing/2017/decorative" val="1"/>
+                <adec:decorative xmlns:adec="http://schemas.microsoft.com/office/drawing/2017/decorative" xmlns="" val="1"/>
               </a:ext>
             </a:extLst>
           </p:cNvPr>
@@ -5801,7 +6279,7 @@
                 <a16:creationId xmlns:a16="http://schemas.microsoft.com/office/drawing/2014/main" id="{7A5F0580-5EE9-419F-96EE-B6529EF6E7D0}"/>
               </a:ext>
               <a:ext uri="{C183D7F6-B498-43B3-948B-1728B52AA6E4}">
-                <adec:decorative xmlns:adec="http://schemas.microsoft.com/office/drawing/2017/decorative" val="1"/>
+                <adec:decorative xmlns:adec="http://schemas.microsoft.com/office/drawing/2017/decorative" xmlns="" val="1"/>
               </a:ext>
             </a:extLst>
           </p:cNvPr>
@@ -5927,7 +6405,7 @@
               </a:spcBef>
             </a:pPr>
             <a:r>
-              <a:rPr lang="en-US" sz="1700" err="1">
+              <a:rPr lang="en-US" sz="1700" dirty="0" err="1">
                 <a:cs typeface="Calibri"/>
               </a:rPr>
               <a:t>Многие</a:t>
@@ -5939,7 +6417,7 @@
               <a:t> </a:t>
             </a:r>
             <a:r>
-              <a:rPr lang="en-US" sz="1700" err="1">
+              <a:rPr lang="en-US" sz="1700" dirty="0" err="1">
                 <a:cs typeface="Calibri"/>
               </a:rPr>
               <a:t>люди</a:t>
@@ -5951,7 +6429,7 @@
               <a:t> </a:t>
             </a:r>
             <a:r>
-              <a:rPr lang="en-US" sz="1700" err="1">
+              <a:rPr lang="en-US" sz="1700" dirty="0" err="1">
                 <a:cs typeface="Calibri"/>
               </a:rPr>
               <a:t>сталкиваются</a:t>
@@ -5963,7 +6441,7 @@
               <a:t> с </a:t>
             </a:r>
             <a:r>
-              <a:rPr lang="en-US" sz="1700" err="1">
+              <a:rPr lang="en-US" sz="1700" dirty="0" err="1">
                 <a:cs typeface="Calibri"/>
               </a:rPr>
               <a:t>тем</a:t>
@@ -5975,7 +6453,7 @@
               <a:t>, </a:t>
             </a:r>
             <a:r>
-              <a:rPr lang="en-US" sz="1700" err="1">
+              <a:rPr lang="en-US" sz="1700" dirty="0" err="1">
                 <a:cs typeface="Calibri"/>
               </a:rPr>
               <a:t>что</a:t>
@@ -5987,7 +6465,7 @@
               <a:t> </a:t>
             </a:r>
             <a:r>
-              <a:rPr lang="en-US" sz="1700" err="1">
+              <a:rPr lang="en-US" sz="1700" dirty="0" err="1">
                 <a:cs typeface="Calibri"/>
               </a:rPr>
               <a:t>им</a:t>
@@ -5999,7 +6477,7 @@
               <a:t> </a:t>
             </a:r>
             <a:r>
-              <a:rPr lang="en-US" sz="1700" err="1">
+              <a:rPr lang="en-US" sz="1700" dirty="0" err="1">
                 <a:cs typeface="Calibri"/>
               </a:rPr>
               <a:t>нужно</a:t>
@@ -6011,7 +6489,7 @@
               <a:t> </a:t>
             </a:r>
             <a:r>
-              <a:rPr lang="en-US" sz="1700" err="1">
+              <a:rPr lang="en-US" sz="1700" dirty="0" err="1">
                 <a:cs typeface="Calibri"/>
               </a:rPr>
               <a:t>организовать</a:t>
@@ -6023,7 +6501,7 @@
               <a:t> </a:t>
             </a:r>
             <a:r>
-              <a:rPr lang="en-US" sz="1700" err="1">
+              <a:rPr lang="en-US" sz="1700" dirty="0" err="1">
                 <a:cs typeface="Calibri"/>
               </a:rPr>
               <a:t>какое-либо</a:t>
@@ -6035,7 +6513,7 @@
               <a:t> </a:t>
             </a:r>
             <a:r>
-              <a:rPr lang="en-US" sz="1700" err="1">
+              <a:rPr lang="en-US" sz="1700" dirty="0" err="1">
                 <a:cs typeface="Calibri"/>
               </a:rPr>
               <a:t>мероприятие</a:t>
@@ -6047,7 +6525,7 @@
               <a:t>, а </a:t>
             </a:r>
             <a:r>
-              <a:rPr lang="en-US" sz="1700" err="1">
+              <a:rPr lang="en-US" sz="1700" dirty="0" err="1">
                 <a:cs typeface="Calibri"/>
               </a:rPr>
               <a:t>некоторые</a:t>
@@ -6059,7 +6537,7 @@
               <a:t> </a:t>
             </a:r>
             <a:r>
-              <a:rPr lang="en-US" sz="1700" err="1">
+              <a:rPr lang="en-US" sz="1700" dirty="0" err="1">
                 <a:cs typeface="Calibri"/>
               </a:rPr>
               <a:t>даже</a:t>
@@ -6071,7 +6549,7 @@
               <a:t> </a:t>
             </a:r>
             <a:r>
-              <a:rPr lang="en-US" sz="1700" err="1">
+              <a:rPr lang="en-US" sz="1700" dirty="0" err="1">
                 <a:cs typeface="Calibri"/>
               </a:rPr>
               <a:t>зарабатывают</a:t>
@@ -6083,7 +6561,7 @@
               <a:t> </a:t>
             </a:r>
             <a:r>
-              <a:rPr lang="en-US" sz="1700" err="1">
+              <a:rPr lang="en-US" sz="1700" dirty="0" err="1">
                 <a:cs typeface="Calibri"/>
               </a:rPr>
               <a:t>себе</a:t>
@@ -6092,45 +6570,33 @@
               <a:rPr lang="en-US" sz="1700" dirty="0">
                 <a:cs typeface="Calibri"/>
               </a:rPr>
+              <a:t> на </a:t>
+            </a:r>
+            <a:r>
+              <a:rPr lang="en-US" sz="1700" dirty="0" err="1">
+                <a:cs typeface="Calibri"/>
+              </a:rPr>
+              <a:t>хлеб</a:t>
+            </a:r>
+            <a:r>
+              <a:rPr lang="en-US" sz="1700" dirty="0">
+                <a:cs typeface="Calibri"/>
+              </a:rPr>
               <a:t> </a:t>
             </a:r>
             <a:r>
-              <a:rPr lang="en-US" sz="1700" err="1">
-                <a:cs typeface="Calibri"/>
-              </a:rPr>
-              <a:t>на</a:t>
+              <a:rPr lang="en-US" sz="1700" dirty="0" err="1">
+                <a:cs typeface="Calibri"/>
+              </a:rPr>
+              <a:t>этим</a:t>
             </a:r>
             <a:r>
               <a:rPr lang="en-US" sz="1700" dirty="0">
                 <a:cs typeface="Calibri"/>
               </a:rPr>
-              <a:t> </a:t>
-            </a:r>
-            <a:r>
-              <a:rPr lang="en-US" sz="1700" err="1">
-                <a:cs typeface="Calibri"/>
-              </a:rPr>
-              <a:t>хлеб</a:t>
-            </a:r>
-            <a:r>
-              <a:rPr lang="en-US" sz="1700" dirty="0">
-                <a:cs typeface="Calibri"/>
-              </a:rPr>
-              <a:t> </a:t>
-            </a:r>
-            <a:r>
-              <a:rPr lang="en-US" sz="1700" err="1">
-                <a:cs typeface="Calibri"/>
-              </a:rPr>
-              <a:t>этим</a:t>
-            </a:r>
-            <a:r>
-              <a:rPr lang="en-US" sz="1700" dirty="0">
-                <a:cs typeface="Calibri"/>
-              </a:rPr>
               <a:t>. </a:t>
             </a:r>
-            <a:endParaRPr lang="en-US"/>
+            <a:endParaRPr lang="en-US" dirty="0"/>
           </a:p>
           <a:p>
             <a:pPr>
@@ -6299,7 +6765,7 @@
                 <a16:creationId xmlns:a16="http://schemas.microsoft.com/office/drawing/2014/main" id="{8FC9BE17-9A7B-462D-AE50-3D8777387304}"/>
               </a:ext>
               <a:ext uri="{C183D7F6-B498-43B3-948B-1728B52AA6E4}">
-                <adec:decorative xmlns:adec="http://schemas.microsoft.com/office/drawing/2017/decorative" val="1"/>
+                <adec:decorative xmlns:adec="http://schemas.microsoft.com/office/drawing/2017/decorative" xmlns="" val="1"/>
               </a:ext>
             </a:extLst>
           </p:cNvPr>
@@ -6390,7 +6856,7 @@
                 <a16:creationId xmlns:a16="http://schemas.microsoft.com/office/drawing/2014/main" id="{3EBE8569-6AEC-4B8C-8D53-2DE337CDBA65}"/>
               </a:ext>
               <a:ext uri="{C183D7F6-B498-43B3-948B-1728B52AA6E4}">
-                <adec:decorative xmlns:adec="http://schemas.microsoft.com/office/drawing/2017/decorative" val="1"/>
+                <adec:decorative xmlns:adec="http://schemas.microsoft.com/office/drawing/2017/decorative" xmlns="" val="1"/>
               </a:ext>
             </a:extLst>
           </p:cNvPr>
@@ -6525,7 +6991,7 @@
                 <a16:creationId xmlns:a16="http://schemas.microsoft.com/office/drawing/2014/main" id="{55D4142C-5077-457F-A6AD-3FECFDB39685}"/>
               </a:ext>
               <a:ext uri="{C183D7F6-B498-43B3-948B-1728B52AA6E4}">
-                <adec:decorative xmlns:adec="http://schemas.microsoft.com/office/drawing/2017/decorative" val="1"/>
+                <adec:decorative xmlns:adec="http://schemas.microsoft.com/office/drawing/2017/decorative" xmlns="" val="1"/>
               </a:ext>
             </a:extLst>
           </p:cNvPr>
@@ -6593,7 +7059,7 @@
                 <a16:creationId xmlns:a16="http://schemas.microsoft.com/office/drawing/2014/main" id="{7A5F0580-5EE9-419F-96EE-B6529EF6E7D0}"/>
               </a:ext>
               <a:ext uri="{C183D7F6-B498-43B3-948B-1728B52AA6E4}">
-                <adec:decorative xmlns:adec="http://schemas.microsoft.com/office/drawing/2017/decorative" val="1"/>
+                <adec:decorative xmlns:adec="http://schemas.microsoft.com/office/drawing/2017/decorative" xmlns="" val="1"/>
               </a:ext>
             </a:extLst>
           </p:cNvPr>
@@ -6880,7 +7346,7 @@
                 <a16:creationId xmlns:a16="http://schemas.microsoft.com/office/drawing/2014/main" id="{8FC9BE17-9A7B-462D-AE50-3D8777387304}"/>
               </a:ext>
               <a:ext uri="{C183D7F6-B498-43B3-948B-1728B52AA6E4}">
-                <adec:decorative xmlns:adec="http://schemas.microsoft.com/office/drawing/2017/decorative" val="1"/>
+                <adec:decorative xmlns:adec="http://schemas.microsoft.com/office/drawing/2017/decorative" xmlns="" val="1"/>
               </a:ext>
             </a:extLst>
           </p:cNvPr>
@@ -6971,7 +7437,7 @@
                 <a16:creationId xmlns:a16="http://schemas.microsoft.com/office/drawing/2014/main" id="{3EBE8569-6AEC-4B8C-8D53-2DE337CDBA65}"/>
               </a:ext>
               <a:ext uri="{C183D7F6-B498-43B3-948B-1728B52AA6E4}">
-                <adec:decorative xmlns:adec="http://schemas.microsoft.com/office/drawing/2017/decorative" val="1"/>
+                <adec:decorative xmlns:adec="http://schemas.microsoft.com/office/drawing/2017/decorative" xmlns="" val="1"/>
               </a:ext>
             </a:extLst>
           </p:cNvPr>
@@ -7113,7 +7579,7 @@
                 <a16:creationId xmlns:a16="http://schemas.microsoft.com/office/drawing/2014/main" id="{55D4142C-5077-457F-A6AD-3FECFDB39685}"/>
               </a:ext>
               <a:ext uri="{C183D7F6-B498-43B3-948B-1728B52AA6E4}">
-                <adec:decorative xmlns:adec="http://schemas.microsoft.com/office/drawing/2017/decorative" val="1"/>
+                <adec:decorative xmlns:adec="http://schemas.microsoft.com/office/drawing/2017/decorative" xmlns="" val="1"/>
               </a:ext>
             </a:extLst>
           </p:cNvPr>
@@ -7181,7 +7647,7 @@
                 <a16:creationId xmlns:a16="http://schemas.microsoft.com/office/drawing/2014/main" id="{7A5F0580-5EE9-419F-96EE-B6529EF6E7D0}"/>
               </a:ext>
               <a:ext uri="{C183D7F6-B498-43B3-948B-1728B52AA6E4}">
-                <adec:decorative xmlns:adec="http://schemas.microsoft.com/office/drawing/2017/decorative" val="1"/>
+                <adec:decorative xmlns:adec="http://schemas.microsoft.com/office/drawing/2017/decorative" xmlns="" val="1"/>
               </a:ext>
             </a:extLst>
           </p:cNvPr>
@@ -7455,6 +7921,10 @@
             <a:br>
               <a:rPr lang="en-US" sz="1600" dirty="0"/>
             </a:br>
+            <a:r>
+              <a:rPr lang="en-US" sz="1600" dirty="0"/>
+              <a:t/>
+            </a:r>
             <a:br>
               <a:rPr lang="en-US" sz="1600" dirty="0"/>
             </a:br>
@@ -7635,7 +8105,7 @@
                 <a16:creationId xmlns:a16="http://schemas.microsoft.com/office/drawing/2014/main" id="{8FC9BE17-9A7B-462D-AE50-3D8777387304}"/>
               </a:ext>
               <a:ext uri="{C183D7F6-B498-43B3-948B-1728B52AA6E4}">
-                <adec:decorative xmlns:adec="http://schemas.microsoft.com/office/drawing/2017/decorative" val="1"/>
+                <adec:decorative xmlns:adec="http://schemas.microsoft.com/office/drawing/2017/decorative" xmlns="" val="1"/>
               </a:ext>
             </a:extLst>
           </p:cNvPr>
@@ -7724,7 +8194,7 @@
                 <a16:creationId xmlns:a16="http://schemas.microsoft.com/office/drawing/2014/main" id="{3EBE8569-6AEC-4B8C-8D53-2DE337CDBA65}"/>
               </a:ext>
               <a:ext uri="{C183D7F6-B498-43B3-948B-1728B52AA6E4}">
-                <adec:decorative xmlns:adec="http://schemas.microsoft.com/office/drawing/2017/decorative" val="1"/>
+                <adec:decorative xmlns:adec="http://schemas.microsoft.com/office/drawing/2017/decorative" xmlns="" val="1"/>
               </a:ext>
             </a:extLst>
           </p:cNvPr>
@@ -7866,7 +8336,7 @@
                 <a16:creationId xmlns:a16="http://schemas.microsoft.com/office/drawing/2014/main" id="{55D4142C-5077-457F-A6AD-3FECFDB39685}"/>
               </a:ext>
               <a:ext uri="{C183D7F6-B498-43B3-948B-1728B52AA6E4}">
-                <adec:decorative xmlns:adec="http://schemas.microsoft.com/office/drawing/2017/decorative" val="1"/>
+                <adec:decorative xmlns:adec="http://schemas.microsoft.com/office/drawing/2017/decorative" xmlns="" val="1"/>
               </a:ext>
             </a:extLst>
           </p:cNvPr>
@@ -7934,7 +8404,7 @@
                 <a16:creationId xmlns:a16="http://schemas.microsoft.com/office/drawing/2014/main" id="{7A5F0580-5EE9-419F-96EE-B6529EF6E7D0}"/>
               </a:ext>
               <a:ext uri="{C183D7F6-B498-43B3-948B-1728B52AA6E4}">
-                <adec:decorative xmlns:adec="http://schemas.microsoft.com/office/drawing/2017/decorative" val="1"/>
+                <adec:decorative xmlns:adec="http://schemas.microsoft.com/office/drawing/2017/decorative" xmlns="" val="1"/>
               </a:ext>
             </a:extLst>
           </p:cNvPr>
@@ -8280,7 +8750,7 @@
                 <a16:creationId xmlns:a16="http://schemas.microsoft.com/office/drawing/2014/main" id="{8FC9BE17-9A7B-462D-AE50-3D8777387304}"/>
               </a:ext>
               <a:ext uri="{C183D7F6-B498-43B3-948B-1728B52AA6E4}">
-                <adec:decorative xmlns:adec="http://schemas.microsoft.com/office/drawing/2017/decorative" val="1"/>
+                <adec:decorative xmlns:adec="http://schemas.microsoft.com/office/drawing/2017/decorative" xmlns="" val="1"/>
               </a:ext>
             </a:extLst>
           </p:cNvPr>
@@ -8371,7 +8841,7 @@
                 <a16:creationId xmlns:a16="http://schemas.microsoft.com/office/drawing/2014/main" id="{3EBE8569-6AEC-4B8C-8D53-2DE337CDBA65}"/>
               </a:ext>
               <a:ext uri="{C183D7F6-B498-43B3-948B-1728B52AA6E4}">
-                <adec:decorative xmlns:adec="http://schemas.microsoft.com/office/drawing/2017/decorative" val="1"/>
+                <adec:decorative xmlns:adec="http://schemas.microsoft.com/office/drawing/2017/decorative" xmlns="" val="1"/>
               </a:ext>
             </a:extLst>
           </p:cNvPr>
@@ -8513,7 +8983,7 @@
                 <a16:creationId xmlns:a16="http://schemas.microsoft.com/office/drawing/2014/main" id="{55D4142C-5077-457F-A6AD-3FECFDB39685}"/>
               </a:ext>
               <a:ext uri="{C183D7F6-B498-43B3-948B-1728B52AA6E4}">
-                <adec:decorative xmlns:adec="http://schemas.microsoft.com/office/drawing/2017/decorative" val="1"/>
+                <adec:decorative xmlns:adec="http://schemas.microsoft.com/office/drawing/2017/decorative" xmlns="" val="1"/>
               </a:ext>
             </a:extLst>
           </p:cNvPr>
@@ -8581,7 +9051,7 @@
                 <a16:creationId xmlns:a16="http://schemas.microsoft.com/office/drawing/2014/main" id="{7A5F0580-5EE9-419F-96EE-B6529EF6E7D0}"/>
               </a:ext>
               <a:ext uri="{C183D7F6-B498-43B3-948B-1728B52AA6E4}">
-                <adec:decorative xmlns:adec="http://schemas.microsoft.com/office/drawing/2017/decorative" val="1"/>
+                <adec:decorative xmlns:adec="http://schemas.microsoft.com/office/drawing/2017/decorative" xmlns="" val="1"/>
               </a:ext>
             </a:extLst>
           </p:cNvPr>
@@ -8728,6 +9198,10 @@
               <a:rPr lang="en-US" sz="1700" dirty="0" err="1"/>
               <a:t>приглашения</a:t>
             </a:r>
+            <a:r>
+              <a:rPr lang="en-US" sz="1700" dirty="0"/>
+              <a:t/>
+            </a:r>
             <a:br>
               <a:rPr lang="en-US" sz="1700" dirty="0"/>
             </a:br>
@@ -8769,8 +9243,40 @@
               <a:t> </a:t>
             </a:r>
             <a:r>
+              <a:rPr lang="en-US" sz="1700" dirty="0" err="1" smtClean="0"/>
+              <a:t>иде</a:t>
+            </a:r>
+            <a:r>
+              <a:rPr lang="ru-RU" sz="1700" dirty="0" err="1" smtClean="0"/>
+              <a:t>нти</a:t>
+            </a:r>
+            <a:r>
+              <a:rPr lang="en-US" sz="1700" dirty="0" err="1" smtClean="0"/>
+              <a:t>фикации</a:t>
+            </a:r>
+            <a:r>
+              <a:rPr lang="en-US" sz="1700" dirty="0" smtClean="0"/>
+              <a:t> </a:t>
+            </a:r>
+            <a:r>
               <a:rPr lang="en-US" sz="1700" dirty="0" err="1"/>
-              <a:t>индефикации</a:t>
+              <a:t>человека</a:t>
+            </a:r>
+            <a:r>
+              <a:rPr lang="en-US" sz="1700" dirty="0"/>
+              <a:t>, а </a:t>
+            </a:r>
+            <a:r>
+              <a:rPr lang="en-US" sz="1700" dirty="0" err="1"/>
+              <a:t>также</a:t>
+            </a:r>
+            <a:r>
+              <a:rPr lang="en-US" sz="1700" dirty="0"/>
+              <a:t> </a:t>
+            </a:r>
+            <a:r>
+              <a:rPr lang="en-US" sz="1700" dirty="0" err="1"/>
+              <a:t>как</a:t>
             </a:r>
             <a:r>
               <a:rPr lang="en-US" sz="1700" dirty="0"/>
@@ -8778,47 +9284,19 @@
             </a:r>
             <a:r>
               <a:rPr lang="en-US" sz="1700" dirty="0" err="1"/>
-              <a:t>человека</a:t>
+              <a:t>пропуск</a:t>
             </a:r>
             <a:r>
               <a:rPr lang="en-US" sz="1700" dirty="0"/>
-              <a:t>, а </a:t>
-            </a:r>
-            <a:r>
-              <a:rPr lang="en-US" sz="1700" dirty="0" err="1"/>
-              <a:t>также</a:t>
-            </a:r>
-            <a:r>
-              <a:rPr lang="en-US" sz="1700" dirty="0"/>
-              <a:t> </a:t>
-            </a:r>
-            <a:r>
-              <a:rPr lang="en-US" sz="1700" dirty="0" err="1"/>
-              <a:t>как</a:t>
-            </a:r>
-            <a:r>
-              <a:rPr lang="en-US" sz="1700" dirty="0"/>
-              <a:t> </a:t>
-            </a:r>
-            <a:r>
-              <a:rPr lang="en-US" sz="1700" dirty="0" err="1"/>
-              <a:t>пропуск</a:t>
-            </a:r>
-            <a:r>
-              <a:rPr lang="en-US" sz="1700" dirty="0"/>
-              <a:t> </a:t>
-            </a:r>
-            <a:r>
-              <a:rPr lang="en-US" sz="1700" dirty="0" err="1"/>
-              <a:t>на</a:t>
-            </a:r>
-            <a:r>
-              <a:rPr lang="en-US" sz="1700" dirty="0"/>
-              <a:t> </a:t>
+              <a:t> на </a:t>
             </a:r>
             <a:r>
               <a:rPr lang="en-US" sz="1700" dirty="0" err="1"/>
               <a:t>мероприятие</a:t>
+            </a:r>
+            <a:r>
+              <a:rPr lang="en-US" sz="1700" dirty="0"/>
+              <a:t/>
             </a:r>
             <a:br>
               <a:rPr lang="en-US" sz="1700" dirty="0"/>
@@ -8839,8 +9317,12 @@
               <a:buChar char="•"/>
             </a:pPr>
             <a:r>
+              <a:rPr lang="en-US" sz="1700" dirty="0"/>
+              <a:t>Возможность </a:t>
+            </a:r>
+            <a:r>
               <a:rPr lang="en-US" sz="1700" dirty="0" err="1"/>
-              <a:t>Возможность</a:t>
+              <a:t>создать</a:t>
             </a:r>
             <a:r>
               <a:rPr lang="en-US" sz="1700" dirty="0"/>
@@ -8848,14 +9330,6 @@
             </a:r>
             <a:r>
               <a:rPr lang="en-US" sz="1700" dirty="0" err="1"/>
-              <a:t>создать</a:t>
-            </a:r>
-            <a:r>
-              <a:rPr lang="en-US" sz="1700" dirty="0"/>
-              <a:t> </a:t>
-            </a:r>
-            <a:r>
-              <a:rPr lang="en-US" sz="1700" dirty="0" err="1"/>
               <a:t>мероприятие</a:t>
             </a:r>
             <a:r>
@@ -8871,46 +9345,8 @@
               <a:t> </a:t>
             </a:r>
             <a:r>
-              <a:rPr lang="en-US" sz="1700" dirty="0" err="1"/>
+              <a:rPr lang="en-US" sz="1700" dirty="0" smtClean="0"/>
               <a:t>регистрации</a:t>
-            </a:r>
-            <a:br>
-              <a:rPr lang="en-US" sz="1700" dirty="0"/>
-            </a:br>
-            <a:endParaRPr lang="en-US" sz="1700">
-              <a:cs typeface="Calibri"/>
-            </a:endParaRPr>
-          </a:p>
-          <a:p>
-            <a:pPr indent="-228600">
-              <a:lnSpc>
-                <a:spcPct val="90000"/>
-              </a:lnSpc>
-              <a:spcAft>
-                <a:spcPts val="600"/>
-              </a:spcAft>
-              <a:buFont typeface="Arial" panose="020B0604020202020204" pitchFamily="34" charset="0"/>
-              <a:buChar char="•"/>
-            </a:pPr>
-            <a:r>
-              <a:rPr lang="en-US" sz="1700" dirty="0" err="1"/>
-              <a:t>Абсолютно</a:t>
-            </a:r>
-            <a:r>
-              <a:rPr lang="en-US" sz="1700" dirty="0"/>
-              <a:t> </a:t>
-            </a:r>
-            <a:r>
-              <a:rPr lang="en-US" sz="1700" dirty="0" err="1"/>
-              <a:t>бесплатный</a:t>
-            </a:r>
-            <a:r>
-              <a:rPr lang="en-US" sz="1700" dirty="0"/>
-              <a:t> </a:t>
-            </a:r>
-            <a:r>
-              <a:rPr lang="en-US" sz="1700" dirty="0" err="1"/>
-              <a:t>сервис</a:t>
             </a:r>
             <a:endParaRPr lang="en-US" sz="1700" dirty="0">
               <a:cs typeface="Calibri"/>
@@ -8964,7 +9400,7 @@
                 <a16:creationId xmlns:a16="http://schemas.microsoft.com/office/drawing/2014/main" id="{C1A1C5D3-C053-4EE9-BE1A-419B6E27CCAE}"/>
               </a:ext>
               <a:ext uri="{C183D7F6-B498-43B3-948B-1728B52AA6E4}">
-                <adec:decorative xmlns:adec="http://schemas.microsoft.com/office/drawing/2017/decorative" val="1"/>
+                <adec:decorative xmlns:adec="http://schemas.microsoft.com/office/drawing/2017/decorative" xmlns="" val="1"/>
               </a:ext>
             </a:extLst>
           </p:cNvPr>
@@ -9054,7 +9490,7 @@
                 <a16:creationId xmlns:a16="http://schemas.microsoft.com/office/drawing/2014/main" id="{A3473CF9-37EB-43E7-89EF-D2D1C53D1DAC}"/>
               </a:ext>
               <a:ext uri="{C183D7F6-B498-43B3-948B-1728B52AA6E4}">
-                <adec:decorative xmlns:adec="http://schemas.microsoft.com/office/drawing/2017/decorative" val="1"/>
+                <adec:decorative xmlns:adec="http://schemas.microsoft.com/office/drawing/2017/decorative" xmlns="" val="1"/>
               </a:ext>
             </a:extLst>
           </p:cNvPr>
@@ -9204,7 +9640,7 @@
                 <a16:creationId xmlns:a16="http://schemas.microsoft.com/office/drawing/2014/main" id="{586B4EF9-43BA-4655-A6FF-1D8E21574C95}"/>
               </a:ext>
               <a:ext uri="{C183D7F6-B498-43B3-948B-1728B52AA6E4}">
-                <adec:decorative xmlns:adec="http://schemas.microsoft.com/office/drawing/2017/decorative" val="1"/>
+                <adec:decorative xmlns:adec="http://schemas.microsoft.com/office/drawing/2017/decorative" xmlns="" val="1"/>
               </a:ext>
             </a:extLst>
           </p:cNvPr>
@@ -9290,7 +9726,7 @@
         </p:blipFill>
         <p:spPr>
           <a:xfrm>
-            <a:off x="1946312" y="2040501"/>
+            <a:off x="1946313" y="1775980"/>
             <a:ext cx="8299374" cy="4656042"/>
           </a:xfrm>
         </p:spPr>
@@ -9341,7 +9777,7 @@
                 <a16:creationId xmlns:a16="http://schemas.microsoft.com/office/drawing/2014/main" id="{C1A1C5D3-C053-4EE9-BE1A-419B6E27CCAE}"/>
               </a:ext>
               <a:ext uri="{C183D7F6-B498-43B3-948B-1728B52AA6E4}">
-                <adec:decorative xmlns:adec="http://schemas.microsoft.com/office/drawing/2017/decorative" val="1"/>
+                <adec:decorative xmlns:adec="http://schemas.microsoft.com/office/drawing/2017/decorative" xmlns="" val="1"/>
               </a:ext>
             </a:extLst>
           </p:cNvPr>
@@ -9431,7 +9867,7 @@
                 <a16:creationId xmlns:a16="http://schemas.microsoft.com/office/drawing/2014/main" id="{A3473CF9-37EB-43E7-89EF-D2D1C53D1DAC}"/>
               </a:ext>
               <a:ext uri="{C183D7F6-B498-43B3-948B-1728B52AA6E4}">
-                <adec:decorative xmlns:adec="http://schemas.microsoft.com/office/drawing/2017/decorative" val="1"/>
+                <adec:decorative xmlns:adec="http://schemas.microsoft.com/office/drawing/2017/decorative" xmlns="" val="1"/>
               </a:ext>
             </a:extLst>
           </p:cNvPr>
@@ -9581,7 +10017,7 @@
                 <a16:creationId xmlns:a16="http://schemas.microsoft.com/office/drawing/2014/main" id="{586B4EF9-43BA-4655-A6FF-1D8E21574C95}"/>
               </a:ext>
               <a:ext uri="{C183D7F6-B498-43B3-948B-1728B52AA6E4}">
-                <adec:decorative xmlns:adec="http://schemas.microsoft.com/office/drawing/2017/decorative" val="1"/>
+                <adec:decorative xmlns:adec="http://schemas.microsoft.com/office/drawing/2017/decorative" xmlns="" val="1"/>
               </a:ext>
             </a:extLst>
           </p:cNvPr>
@@ -9667,7 +10103,7 @@
         </p:blipFill>
         <p:spPr>
           <a:xfrm>
-            <a:off x="2001398" y="2123129"/>
+            <a:off x="1996807" y="1729634"/>
             <a:ext cx="8198385" cy="4610138"/>
           </a:xfrm>
         </p:spPr>
@@ -9718,7 +10154,7 @@
                 <a16:creationId xmlns:a16="http://schemas.microsoft.com/office/drawing/2014/main" id="{8FC9BE17-9A7B-462D-AE50-3D8777387304}"/>
               </a:ext>
               <a:ext uri="{C183D7F6-B498-43B3-948B-1728B52AA6E4}">
-                <adec:decorative xmlns:adec="http://schemas.microsoft.com/office/drawing/2017/decorative" val="1"/>
+                <adec:decorative xmlns:adec="http://schemas.microsoft.com/office/drawing/2017/decorative" xmlns="" val="1"/>
               </a:ext>
             </a:extLst>
           </p:cNvPr>
@@ -9809,7 +10245,7 @@
                 <a16:creationId xmlns:a16="http://schemas.microsoft.com/office/drawing/2014/main" id="{3EBE8569-6AEC-4B8C-8D53-2DE337CDBA65}"/>
               </a:ext>
               <a:ext uri="{C183D7F6-B498-43B3-948B-1728B52AA6E4}">
-                <adec:decorative xmlns:adec="http://schemas.microsoft.com/office/drawing/2017/decorative" val="1"/>
+                <adec:decorative xmlns:adec="http://schemas.microsoft.com/office/drawing/2017/decorative" xmlns="" val="1"/>
               </a:ext>
             </a:extLst>
           </p:cNvPr>
@@ -9937,7 +10373,7 @@
                 <a16:creationId xmlns:a16="http://schemas.microsoft.com/office/drawing/2014/main" id="{55D4142C-5077-457F-A6AD-3FECFDB39685}"/>
               </a:ext>
               <a:ext uri="{C183D7F6-B498-43B3-948B-1728B52AA6E4}">
-                <adec:decorative xmlns:adec="http://schemas.microsoft.com/office/drawing/2017/decorative" val="1"/>
+                <adec:decorative xmlns:adec="http://schemas.microsoft.com/office/drawing/2017/decorative" xmlns="" val="1"/>
               </a:ext>
             </a:extLst>
           </p:cNvPr>
@@ -10005,7 +10441,7 @@
                 <a16:creationId xmlns:a16="http://schemas.microsoft.com/office/drawing/2014/main" id="{7A5F0580-5EE9-419F-96EE-B6529EF6E7D0}"/>
               </a:ext>
               <a:ext uri="{C183D7F6-B498-43B3-948B-1728B52AA6E4}">
-                <adec:decorative xmlns:adec="http://schemas.microsoft.com/office/drawing/2017/decorative" val="1"/>
+                <adec:decorative xmlns:adec="http://schemas.microsoft.com/office/drawing/2017/decorative" xmlns="" val="1"/>
               </a:ext>
             </a:extLst>
           </p:cNvPr>
@@ -10317,6 +10753,10 @@
             <a:r>
               <a:rPr lang="en-US" sz="1700" dirty="0" err="1"/>
               <a:t>банеры</a:t>
+            </a:r>
+            <a:r>
+              <a:rPr lang="en-US" sz="1700" dirty="0"/>
+              <a:t/>
             </a:r>
             <a:br>
               <a:rPr lang="en-US" sz="1700" dirty="0"/>
